--- a/presentations/Introduction to Jasmine Framework.pptx
+++ b/presentations/Introduction to Jasmine Framework.pptx
@@ -277,7 +277,7 @@
           <a:p>
             <a:fld id="{B38EF465-D677-F140-82CD-891C0463380E}" type="datetimeFigureOut">
               <a:rPr lang="en-US" smtClean="0"/>
-              <a:t>11/7/21</a:t>
+              <a:t>11/9/21</a:t>
             </a:fld>
             <a:endParaRPr lang="en-US"/>
           </a:p>
@@ -475,7 +475,7 @@
           <a:p>
             <a:fld id="{B38EF465-D677-F140-82CD-891C0463380E}" type="datetimeFigureOut">
               <a:rPr lang="en-US" smtClean="0"/>
-              <a:t>11/7/21</a:t>
+              <a:t>11/9/21</a:t>
             </a:fld>
             <a:endParaRPr lang="en-US"/>
           </a:p>
@@ -683,7 +683,7 @@
           <a:p>
             <a:fld id="{B38EF465-D677-F140-82CD-891C0463380E}" type="datetimeFigureOut">
               <a:rPr lang="en-US" smtClean="0"/>
-              <a:t>11/7/21</a:t>
+              <a:t>11/9/21</a:t>
             </a:fld>
             <a:endParaRPr lang="en-US"/>
           </a:p>
@@ -881,7 +881,7 @@
           <a:p>
             <a:fld id="{B38EF465-D677-F140-82CD-891C0463380E}" type="datetimeFigureOut">
               <a:rPr lang="en-US" smtClean="0"/>
-              <a:t>11/7/21</a:t>
+              <a:t>11/9/21</a:t>
             </a:fld>
             <a:endParaRPr lang="en-US"/>
           </a:p>
@@ -1156,7 +1156,7 @@
           <a:p>
             <a:fld id="{B38EF465-D677-F140-82CD-891C0463380E}" type="datetimeFigureOut">
               <a:rPr lang="en-US" smtClean="0"/>
-              <a:t>11/7/21</a:t>
+              <a:t>11/9/21</a:t>
             </a:fld>
             <a:endParaRPr lang="en-US"/>
           </a:p>
@@ -1421,7 +1421,7 @@
           <a:p>
             <a:fld id="{B38EF465-D677-F140-82CD-891C0463380E}" type="datetimeFigureOut">
               <a:rPr lang="en-US" smtClean="0"/>
-              <a:t>11/7/21</a:t>
+              <a:t>11/9/21</a:t>
             </a:fld>
             <a:endParaRPr lang="en-US"/>
           </a:p>
@@ -1833,7 +1833,7 @@
           <a:p>
             <a:fld id="{B38EF465-D677-F140-82CD-891C0463380E}" type="datetimeFigureOut">
               <a:rPr lang="en-US" smtClean="0"/>
-              <a:t>11/7/21</a:t>
+              <a:t>11/9/21</a:t>
             </a:fld>
             <a:endParaRPr lang="en-US"/>
           </a:p>
@@ -1974,7 +1974,7 @@
           <a:p>
             <a:fld id="{B38EF465-D677-F140-82CD-891C0463380E}" type="datetimeFigureOut">
               <a:rPr lang="en-US" smtClean="0"/>
-              <a:t>11/7/21</a:t>
+              <a:t>11/9/21</a:t>
             </a:fld>
             <a:endParaRPr lang="en-US"/>
           </a:p>
@@ -2087,7 +2087,7 @@
           <a:p>
             <a:fld id="{B38EF465-D677-F140-82CD-891C0463380E}" type="datetimeFigureOut">
               <a:rPr lang="en-US" smtClean="0"/>
-              <a:t>11/7/21</a:t>
+              <a:t>11/9/21</a:t>
             </a:fld>
             <a:endParaRPr lang="en-US"/>
           </a:p>
@@ -2398,7 +2398,7 @@
           <a:p>
             <a:fld id="{B38EF465-D677-F140-82CD-891C0463380E}" type="datetimeFigureOut">
               <a:rPr lang="en-US" smtClean="0"/>
-              <a:t>11/7/21</a:t>
+              <a:t>11/9/21</a:t>
             </a:fld>
             <a:endParaRPr lang="en-US"/>
           </a:p>
@@ -2686,7 +2686,7 @@
           <a:p>
             <a:fld id="{B38EF465-D677-F140-82CD-891C0463380E}" type="datetimeFigureOut">
               <a:rPr lang="en-US" smtClean="0"/>
-              <a:t>11/7/21</a:t>
+              <a:t>11/9/21</a:t>
             </a:fld>
             <a:endParaRPr lang="en-US"/>
           </a:p>
@@ -2927,7 +2927,7 @@
           <a:p>
             <a:fld id="{B38EF465-D677-F140-82CD-891C0463380E}" type="datetimeFigureOut">
               <a:rPr lang="en-US" smtClean="0"/>
-              <a:t>11/7/21</a:t>
+              <a:t>11/9/21</a:t>
             </a:fld>
             <a:endParaRPr lang="en-US"/>
           </a:p>
@@ -4299,34 +4299,50 @@
           <a:p>
             <a:pPr lvl="1"/>
             <a:r>
-              <a:rPr lang="en-US" dirty="0" err="1"/>
+              <a:rPr lang="en-US" dirty="0" err="1">
+                <a:latin typeface="Courier" pitchFamily="2" charset="0"/>
+              </a:rPr>
               <a:t>spyOn</a:t>
             </a:r>
-            <a:endParaRPr lang="en-US" dirty="0"/>
+            <a:endParaRPr lang="en-US" dirty="0">
+              <a:latin typeface="Courier" pitchFamily="2" charset="0"/>
+            </a:endParaRPr>
           </a:p>
           <a:p>
             <a:pPr lvl="1"/>
             <a:r>
-              <a:rPr lang="en-US" dirty="0" err="1"/>
+              <a:rPr lang="en-US" dirty="0" err="1">
+                <a:latin typeface="Courier" pitchFamily="2" charset="0"/>
+              </a:rPr>
               <a:t>spyOnProperty</a:t>
             </a:r>
-            <a:endParaRPr lang="en-US" dirty="0"/>
+            <a:endParaRPr lang="en-US" dirty="0">
+              <a:latin typeface="Courier" pitchFamily="2" charset="0"/>
+            </a:endParaRPr>
           </a:p>
           <a:p>
             <a:pPr lvl="1"/>
             <a:r>
-              <a:rPr lang="en-US" dirty="0" err="1"/>
+              <a:rPr lang="en-US" dirty="0" err="1">
+                <a:latin typeface="Courier" pitchFamily="2" charset="0"/>
+              </a:rPr>
               <a:t>createSpy</a:t>
             </a:r>
-            <a:endParaRPr lang="en-US" dirty="0"/>
+            <a:endParaRPr lang="en-US" dirty="0">
+              <a:latin typeface="Courier" pitchFamily="2" charset="0"/>
+            </a:endParaRPr>
           </a:p>
           <a:p>
             <a:pPr lvl="1"/>
             <a:r>
-              <a:rPr lang="en-US" dirty="0" err="1"/>
+              <a:rPr lang="en-US" dirty="0" err="1">
+                <a:latin typeface="Courier" pitchFamily="2" charset="0"/>
+              </a:rPr>
               <a:t>createSpyObj</a:t>
             </a:r>
-            <a:endParaRPr lang="en-US" dirty="0"/>
+            <a:endParaRPr lang="en-US" dirty="0">
+              <a:latin typeface="Courier" pitchFamily="2" charset="0"/>
+            </a:endParaRPr>
           </a:p>
           <a:p>
             <a:pPr lvl="1"/>

--- a/presentations/Introduction to Jasmine Framework.pptx
+++ b/presentations/Introduction to Jasmine Framework.pptx
@@ -6356,7 +6356,15 @@
           <a:p>
             <a:r>
               <a:rPr lang="en-US" dirty="0"/>
-              <a:t>Execute shared setup functionality after each specification executed in the current </a:t>
+              <a:t>Execute </a:t>
+            </a:r>
+            <a:r>
+              <a:rPr lang="en-US"/>
+              <a:t>shared teardown </a:t>
+            </a:r>
+            <a:r>
+              <a:rPr lang="en-US" dirty="0"/>
+              <a:t>functionality after each specification executed in the current </a:t>
             </a:r>
             <a:r>
               <a:rPr lang="en-US" dirty="0">

--- a/presentations/Introduction to Jasmine Framework.pptx
+++ b/presentations/Introduction to Jasmine Framework.pptx
@@ -4987,7 +4987,7 @@
           <a:p>
             <a:r>
               <a:rPr lang="en-US" dirty="0"/>
-              <a:t>Jasmine is a behavior-driven development framework for testing JavaScript code. </a:t>
+              <a:t>Jasmine is a behavior-driven development framework for testing JavaScript and Typescript code. </a:t>
             </a:r>
           </a:p>
           <a:p>
@@ -6356,15 +6356,7 @@
           <a:p>
             <a:r>
               <a:rPr lang="en-US" dirty="0"/>
-              <a:t>Execute </a:t>
-            </a:r>
-            <a:r>
-              <a:rPr lang="en-US"/>
-              <a:t>shared teardown </a:t>
-            </a:r>
-            <a:r>
-              <a:rPr lang="en-US" dirty="0"/>
-              <a:t>functionality after each specification executed in the current </a:t>
+              <a:t>Execute shared teardown functionality after each specification executed in the current </a:t>
             </a:r>
             <a:r>
               <a:rPr lang="en-US" dirty="0">

--- a/presentations/Introduction to Jasmine Framework.pptx
+++ b/presentations/Introduction to Jasmine Framework.pptx
@@ -21,9 +21,13 @@
     <p:sldId id="262" r:id="rId15"/>
     <p:sldId id="276" r:id="rId16"/>
     <p:sldId id="263" r:id="rId17"/>
-    <p:sldId id="273" r:id="rId18"/>
-    <p:sldId id="274" r:id="rId19"/>
-    <p:sldId id="275" r:id="rId20"/>
+    <p:sldId id="277" r:id="rId18"/>
+    <p:sldId id="273" r:id="rId19"/>
+    <p:sldId id="278" r:id="rId20"/>
+    <p:sldId id="274" r:id="rId21"/>
+    <p:sldId id="279" r:id="rId22"/>
+    <p:sldId id="275" r:id="rId23"/>
+    <p:sldId id="280" r:id="rId24"/>
   </p:sldIdLst>
   <p:sldSz cx="12192000" cy="6858000"/>
   <p:notesSz cx="6858000" cy="9144000"/>
@@ -4625,7 +4629,7 @@
           <p:cNvPr id="2" name="Title 1">
             <a:extLst>
               <a:ext uri="{FF2B5EF4-FFF2-40B4-BE49-F238E27FC236}">
-                <a16:creationId xmlns:a16="http://schemas.microsoft.com/office/drawing/2014/main" id="{0CAD8607-3D0E-F34C-A71C-E1FCD84847DA}"/>
+                <a16:creationId xmlns:a16="http://schemas.microsoft.com/office/drawing/2014/main" id="{DEE82D6E-D9E8-024F-B818-352CE75A7EF8}"/>
               </a:ext>
             </a:extLst>
           </p:cNvPr>
@@ -4642,59 +4646,219 @@
           <a:lstStyle/>
           <a:p>
             <a:r>
+              <a:rPr lang="en-US" dirty="0" err="1"/>
+              <a:t>spyOn</a:t>
+            </a:r>
+            <a:r>
+              <a:rPr lang="en-US" dirty="0"/>
+              <a:t> example</a:t>
+            </a:r>
+          </a:p>
+        </p:txBody>
+      </p:sp>
+      <p:sp>
+        <p:nvSpPr>
+          <p:cNvPr id="3" name="Content Placeholder 2">
+            <a:extLst>
+              <a:ext uri="{FF2B5EF4-FFF2-40B4-BE49-F238E27FC236}">
+                <a16:creationId xmlns:a16="http://schemas.microsoft.com/office/drawing/2014/main" id="{EA2DD2EC-5A86-1943-814A-43F4B91FF11F}"/>
+              </a:ext>
+            </a:extLst>
+          </p:cNvPr>
+          <p:cNvSpPr>
+            <a:spLocks noGrp="1"/>
+          </p:cNvSpPr>
+          <p:nvPr>
+            <p:ph idx="1"/>
+          </p:nvPr>
+        </p:nvSpPr>
+        <p:spPr/>
+        <p:txBody>
+          <a:bodyPr/>
+          <a:lstStyle/>
+          <a:p>
+            <a:pPr marL="0" indent="0">
+              <a:buNone/>
+            </a:pPr>
+            <a:r>
+              <a:rPr lang="en-US" b="1" dirty="0">
+                <a:solidFill>
+                  <a:schemeClr val="accent1">
+                    <a:lumMod val="75000"/>
+                  </a:schemeClr>
+                </a:solidFill>
+                <a:latin typeface="Courier" pitchFamily="2" charset="0"/>
+              </a:rPr>
+              <a:t>it</a:t>
+            </a:r>
+            <a:r>
+              <a:rPr lang="en-US" dirty="0">
+                <a:latin typeface="Courier" pitchFamily="2" charset="0"/>
+              </a:rPr>
+              <a:t>(</a:t>
+            </a:r>
+            <a:r>
+              <a:rPr lang="en-US" dirty="0">
+                <a:solidFill>
+                  <a:schemeClr val="accent6">
+                    <a:lumMod val="75000"/>
+                  </a:schemeClr>
+                </a:solidFill>
+                <a:latin typeface="Courier" pitchFamily="2" charset="0"/>
+              </a:rPr>
+              <a:t>“should return an appropriate object”</a:t>
+            </a:r>
+            <a:r>
+              <a:rPr lang="en-US" dirty="0">
+                <a:latin typeface="Courier" pitchFamily="2" charset="0"/>
+              </a:rPr>
+              <a:t>,</a:t>
+            </a:r>
+            <a:br>
+              <a:rPr lang="en-US" dirty="0">
+                <a:latin typeface="Courier" pitchFamily="2" charset="0"/>
+              </a:rPr>
+            </a:br>
+            <a:r>
+              <a:rPr lang="en-US" dirty="0">
+                <a:latin typeface="Courier" pitchFamily="2" charset="0"/>
+              </a:rPr>
+              <a:t>   </a:t>
+            </a:r>
+            <a:r>
+              <a:rPr lang="en-US" b="1" dirty="0">
+                <a:solidFill>
+                  <a:schemeClr val="accent2">
+                    <a:lumMod val="75000"/>
+                  </a:schemeClr>
+                </a:solidFill>
+                <a:latin typeface="Courier" pitchFamily="2" charset="0"/>
+              </a:rPr>
+              <a:t>function</a:t>
+            </a:r>
+            <a:r>
+              <a:rPr lang="en-US" dirty="0">
+                <a:latin typeface="Courier" pitchFamily="2" charset="0"/>
+              </a:rPr>
+              <a:t>() {</a:t>
+            </a:r>
+          </a:p>
+          <a:p>
+            <a:pPr marL="0" indent="0">
+              <a:buNone/>
+            </a:pPr>
+            <a:r>
+              <a:rPr lang="en-US" dirty="0">
+                <a:latin typeface="Courier" pitchFamily="2" charset="0"/>
+              </a:rPr>
+              <a:t>      </a:t>
+            </a:r>
+            <a:r>
+              <a:rPr lang="en-US" b="1" dirty="0">
+                <a:solidFill>
+                  <a:schemeClr val="accent2">
+                    <a:lumMod val="75000"/>
+                  </a:schemeClr>
+                </a:solidFill>
+                <a:latin typeface="Courier" pitchFamily="2" charset="0"/>
+              </a:rPr>
+              <a:t>const</a:t>
+            </a:r>
+            <a:r>
+              <a:rPr lang="en-US" dirty="0">
+                <a:latin typeface="Courier" pitchFamily="2" charset="0"/>
+              </a:rPr>
+              <a:t> obj = </a:t>
+            </a:r>
+            <a:r>
               <a:rPr lang="en-US" dirty="0" err="1">
                 <a:latin typeface="Courier" pitchFamily="2" charset="0"/>
               </a:rPr>
-              <a:t>spyOnProperty</a:t>
-            </a:r>
-            <a:endParaRPr lang="en-US" dirty="0">
-              <a:latin typeface="Courier" pitchFamily="2" charset="0"/>
-            </a:endParaRPr>
-          </a:p>
-        </p:txBody>
-      </p:sp>
-      <p:sp>
-        <p:nvSpPr>
-          <p:cNvPr id="3" name="Content Placeholder 2">
-            <a:extLst>
-              <a:ext uri="{FF2B5EF4-FFF2-40B4-BE49-F238E27FC236}">
-                <a16:creationId xmlns:a16="http://schemas.microsoft.com/office/drawing/2014/main" id="{3C783A4D-ADD3-FE47-A802-7E1E33980728}"/>
-              </a:ext>
-            </a:extLst>
-          </p:cNvPr>
-          <p:cNvSpPr>
-            <a:spLocks noGrp="1"/>
-          </p:cNvSpPr>
-          <p:nvPr>
-            <p:ph idx="1"/>
-          </p:nvPr>
-        </p:nvSpPr>
-        <p:spPr/>
-        <p:txBody>
-          <a:bodyPr/>
-          <a:lstStyle/>
-          <a:p>
-            <a:r>
-              <a:rPr lang="en-US" dirty="0"/>
-              <a:t>Install a spy on a property onto an existing object that was installed with </a:t>
+              <a:t>sut.doSomething</a:t>
+            </a:r>
+            <a:r>
+              <a:rPr lang="en-US" dirty="0">
+                <a:latin typeface="Courier" pitchFamily="2" charset="0"/>
+              </a:rPr>
+              <a:t>();</a:t>
+            </a:r>
+            <a:br>
+              <a:rPr lang="en-US" dirty="0">
+                <a:latin typeface="Courier" pitchFamily="2" charset="0"/>
+              </a:rPr>
+            </a:br>
+            <a:r>
+              <a:rPr lang="en-US" dirty="0">
+                <a:latin typeface="Courier" pitchFamily="2" charset="0"/>
+              </a:rPr>
+              <a:t>      </a:t>
+            </a:r>
+            <a:r>
+              <a:rPr lang="en-US" b="1" dirty="0">
+                <a:solidFill>
+                  <a:schemeClr val="accent1">
+                    <a:lumMod val="75000"/>
+                  </a:schemeClr>
+                </a:solidFill>
+                <a:latin typeface="Courier" pitchFamily="2" charset="0"/>
+              </a:rPr>
+              <a:t>expect</a:t>
+            </a:r>
+            <a:r>
+              <a:rPr lang="en-US" dirty="0">
+                <a:latin typeface="Courier" pitchFamily="2" charset="0"/>
+              </a:rPr>
+              <a:t>(obj).</a:t>
             </a:r>
             <a:r>
               <a:rPr lang="en-US" dirty="0" err="1">
                 <a:latin typeface="Courier" pitchFamily="2" charset="0"/>
               </a:rPr>
-              <a:t>Object.defineProperty</a:t>
-            </a:r>
-            <a:r>
-              <a:rPr lang="en-US" dirty="0"/>
-              <a:t>.</a:t>
-            </a:r>
+              <a:t>toEqual</a:t>
+            </a:r>
+            <a:r>
+              <a:rPr lang="en-US" dirty="0">
+                <a:latin typeface="Courier" pitchFamily="2" charset="0"/>
+              </a:rPr>
+              <a:t>(</a:t>
+            </a:r>
+            <a:r>
+              <a:rPr lang="en-US" dirty="0" err="1">
+                <a:latin typeface="Courier" pitchFamily="2" charset="0"/>
+              </a:rPr>
+              <a:t>expectedObj</a:t>
+            </a:r>
+            <a:r>
+              <a:rPr lang="en-US" dirty="0">
+                <a:latin typeface="Courier" pitchFamily="2" charset="0"/>
+              </a:rPr>
+              <a:t>);      </a:t>
+            </a:r>
+            <a:br>
+              <a:rPr lang="en-US" dirty="0">
+                <a:latin typeface="Courier" pitchFamily="2" charset="0"/>
+              </a:rPr>
+            </a:br>
+            <a:r>
+              <a:rPr lang="en-US" dirty="0">
+                <a:latin typeface="Courier" pitchFamily="2" charset="0"/>
+              </a:rPr>
+              <a:t>});</a:t>
+            </a:r>
+            <a:endParaRPr lang="en-US" dirty="0"/>
+          </a:p>
+          <a:p>
+            <a:pPr marL="0" indent="0">
+              <a:buNone/>
+            </a:pPr>
+            <a:endParaRPr lang="en-US" dirty="0"/>
           </a:p>
         </p:txBody>
       </p:sp>
     </p:spTree>
     <p:extLst>
       <p:ext uri="{BB962C8B-B14F-4D97-AF65-F5344CB8AC3E}">
-        <p14:creationId xmlns:p14="http://schemas.microsoft.com/office/powerpoint/2010/main" val="750028978"/>
+        <p14:creationId xmlns:p14="http://schemas.microsoft.com/office/powerpoint/2010/main" val="1012483144"/>
       </p:ext>
     </p:extLst>
   </p:cSld>
@@ -4746,7 +4910,7 @@
               <a:rPr lang="en-US" dirty="0" err="1">
                 <a:latin typeface="Courier" pitchFamily="2" charset="0"/>
               </a:rPr>
-              <a:t>jasmine.createSpy</a:t>
+              <a:t>spyOnProperty</a:t>
             </a:r>
             <a:endParaRPr lang="en-US" dirty="0">
               <a:latin typeface="Courier" pitchFamily="2" charset="0"/>
@@ -4777,14 +4941,17 @@
           <a:p>
             <a:r>
               <a:rPr lang="en-US" dirty="0"/>
-              <a:t>Create a bare Spy object. </a:t>
-            </a:r>
-          </a:p>
-          <a:p>
-            <a:pPr lvl="1"/>
+              <a:t>Install a spy on a property onto an existing object that was installed with </a:t>
+            </a:r>
+            <a:r>
+              <a:rPr lang="en-US" dirty="0" err="1">
+                <a:latin typeface="Courier" pitchFamily="2" charset="0"/>
+              </a:rPr>
+              <a:t>Object.defineProperty</a:t>
+            </a:r>
             <a:r>
               <a:rPr lang="en-US" dirty="0"/>
-              <a:t>This won't be installed anywhere and will not have any implementation behind it.</a:t>
+              <a:t>.</a:t>
             </a:r>
           </a:p>
         </p:txBody>
@@ -4792,7 +4959,7 @@
     </p:spTree>
     <p:extLst>
       <p:ext uri="{BB962C8B-B14F-4D97-AF65-F5344CB8AC3E}">
-        <p14:creationId xmlns:p14="http://schemas.microsoft.com/office/powerpoint/2010/main" val="3865388083"/>
+        <p14:creationId xmlns:p14="http://schemas.microsoft.com/office/powerpoint/2010/main" val="750028978"/>
       </p:ext>
     </p:extLst>
   </p:cSld>
@@ -4824,7 +4991,7 @@
           <p:cNvPr id="2" name="Title 1">
             <a:extLst>
               <a:ext uri="{FF2B5EF4-FFF2-40B4-BE49-F238E27FC236}">
-                <a16:creationId xmlns:a16="http://schemas.microsoft.com/office/drawing/2014/main" id="{0CAD8607-3D0E-F34C-A71C-E1FCD84847DA}"/>
+                <a16:creationId xmlns:a16="http://schemas.microsoft.com/office/drawing/2014/main" id="{B49F7FB7-AFFA-6446-8B31-635750F7822B}"/>
               </a:ext>
             </a:extLst>
           </p:cNvPr>
@@ -4841,75 +5008,219 @@
           <a:lstStyle/>
           <a:p>
             <a:r>
+              <a:rPr lang="en-US" dirty="0" err="1"/>
+              <a:t>spyOnProperty</a:t>
+            </a:r>
+            <a:r>
+              <a:rPr lang="en-US" dirty="0"/>
+              <a:t> example</a:t>
+            </a:r>
+          </a:p>
+        </p:txBody>
+      </p:sp>
+      <p:sp>
+        <p:nvSpPr>
+          <p:cNvPr id="3" name="Content Placeholder 2">
+            <a:extLst>
+              <a:ext uri="{FF2B5EF4-FFF2-40B4-BE49-F238E27FC236}">
+                <a16:creationId xmlns:a16="http://schemas.microsoft.com/office/drawing/2014/main" id="{8F19BA60-E734-C748-8980-8A388087B87A}"/>
+              </a:ext>
+            </a:extLst>
+          </p:cNvPr>
+          <p:cNvSpPr>
+            <a:spLocks noGrp="1"/>
+          </p:cNvSpPr>
+          <p:nvPr>
+            <p:ph idx="1"/>
+          </p:nvPr>
+        </p:nvSpPr>
+        <p:spPr/>
+        <p:txBody>
+          <a:bodyPr/>
+          <a:lstStyle/>
+          <a:p>
+            <a:pPr marL="0" indent="0">
+              <a:buNone/>
+            </a:pPr>
+            <a:r>
+              <a:rPr lang="en-US" b="1" dirty="0">
+                <a:solidFill>
+                  <a:schemeClr val="accent1">
+                    <a:lumMod val="75000"/>
+                  </a:schemeClr>
+                </a:solidFill>
+                <a:latin typeface="Courier" pitchFamily="2" charset="0"/>
+              </a:rPr>
+              <a:t>it</a:t>
+            </a:r>
+            <a:r>
+              <a:rPr lang="en-US" dirty="0">
+                <a:latin typeface="Courier" pitchFamily="2" charset="0"/>
+              </a:rPr>
+              <a:t>(</a:t>
+            </a:r>
+            <a:r>
+              <a:rPr lang="en-US" dirty="0">
+                <a:solidFill>
+                  <a:schemeClr val="accent6">
+                    <a:lumMod val="75000"/>
+                  </a:schemeClr>
+                </a:solidFill>
+                <a:latin typeface="Courier" pitchFamily="2" charset="0"/>
+              </a:rPr>
+              <a:t>“should return an appropriate object”</a:t>
+            </a:r>
+            <a:r>
+              <a:rPr lang="en-US" dirty="0">
+                <a:latin typeface="Courier" pitchFamily="2" charset="0"/>
+              </a:rPr>
+              <a:t>,</a:t>
+            </a:r>
+            <a:br>
+              <a:rPr lang="en-US" dirty="0">
+                <a:latin typeface="Courier" pitchFamily="2" charset="0"/>
+              </a:rPr>
+            </a:br>
+            <a:r>
+              <a:rPr lang="en-US" dirty="0">
+                <a:latin typeface="Courier" pitchFamily="2" charset="0"/>
+              </a:rPr>
+              <a:t>   </a:t>
+            </a:r>
+            <a:r>
+              <a:rPr lang="en-US" b="1" dirty="0">
+                <a:solidFill>
+                  <a:schemeClr val="accent2">
+                    <a:lumMod val="75000"/>
+                  </a:schemeClr>
+                </a:solidFill>
+                <a:latin typeface="Courier" pitchFamily="2" charset="0"/>
+              </a:rPr>
+              <a:t>function</a:t>
+            </a:r>
+            <a:r>
+              <a:rPr lang="en-US" dirty="0">
+                <a:latin typeface="Courier" pitchFamily="2" charset="0"/>
+              </a:rPr>
+              <a:t>() {</a:t>
+            </a:r>
+          </a:p>
+          <a:p>
+            <a:pPr marL="0" indent="0">
+              <a:buNone/>
+            </a:pPr>
+            <a:r>
+              <a:rPr lang="en-US" dirty="0">
+                <a:latin typeface="Courier" pitchFamily="2" charset="0"/>
+              </a:rPr>
+              <a:t>      </a:t>
+            </a:r>
+            <a:r>
+              <a:rPr lang="en-US" b="1" dirty="0">
+                <a:solidFill>
+                  <a:schemeClr val="accent2">
+                    <a:lumMod val="75000"/>
+                  </a:schemeClr>
+                </a:solidFill>
+                <a:latin typeface="Courier" pitchFamily="2" charset="0"/>
+              </a:rPr>
+              <a:t>const</a:t>
+            </a:r>
+            <a:r>
+              <a:rPr lang="en-US" dirty="0">
+                <a:latin typeface="Courier" pitchFamily="2" charset="0"/>
+              </a:rPr>
+              <a:t> obj = </a:t>
+            </a:r>
+            <a:r>
               <a:rPr lang="en-US" dirty="0" err="1">
                 <a:latin typeface="Courier" pitchFamily="2" charset="0"/>
               </a:rPr>
-              <a:t>jasmine.createSpyObj</a:t>
-            </a:r>
-            <a:endParaRPr lang="en-US" dirty="0">
-              <a:latin typeface="Courier" pitchFamily="2" charset="0"/>
-            </a:endParaRPr>
-          </a:p>
-        </p:txBody>
-      </p:sp>
-      <p:sp>
-        <p:nvSpPr>
-          <p:cNvPr id="3" name="Content Placeholder 2">
-            <a:extLst>
-              <a:ext uri="{FF2B5EF4-FFF2-40B4-BE49-F238E27FC236}">
-                <a16:creationId xmlns:a16="http://schemas.microsoft.com/office/drawing/2014/main" id="{3C783A4D-ADD3-FE47-A802-7E1E33980728}"/>
-              </a:ext>
-            </a:extLst>
-          </p:cNvPr>
-          <p:cNvSpPr>
-            <a:spLocks noGrp="1"/>
-          </p:cNvSpPr>
-          <p:nvPr>
-            <p:ph idx="1"/>
-          </p:nvPr>
-        </p:nvSpPr>
-        <p:spPr/>
-        <p:txBody>
-          <a:bodyPr/>
-          <a:lstStyle/>
-          <a:p>
-            <a:r>
-              <a:rPr lang="en-US" dirty="0"/>
-              <a:t>Create an object with multiple </a:t>
+              <a:t>sut.doSomething</a:t>
+            </a:r>
+            <a:r>
+              <a:rPr lang="en-US" dirty="0">
+                <a:latin typeface="Courier" pitchFamily="2" charset="0"/>
+              </a:rPr>
+              <a:t>();</a:t>
+            </a:r>
+            <a:br>
+              <a:rPr lang="en-US" dirty="0">
+                <a:latin typeface="Courier" pitchFamily="2" charset="0"/>
+              </a:rPr>
+            </a:br>
+            <a:r>
+              <a:rPr lang="en-US" dirty="0">
+                <a:latin typeface="Courier" pitchFamily="2" charset="0"/>
+              </a:rPr>
+              <a:t>      </a:t>
+            </a:r>
+            <a:r>
+              <a:rPr lang="en-US" b="1" dirty="0">
+                <a:solidFill>
+                  <a:schemeClr val="accent1">
+                    <a:lumMod val="75000"/>
+                  </a:schemeClr>
+                </a:solidFill>
+                <a:latin typeface="Courier" pitchFamily="2" charset="0"/>
+              </a:rPr>
+              <a:t>expect</a:t>
+            </a:r>
+            <a:r>
+              <a:rPr lang="en-US" dirty="0">
+                <a:latin typeface="Courier" pitchFamily="2" charset="0"/>
+              </a:rPr>
+              <a:t>(obj).</a:t>
             </a:r>
             <a:r>
               <a:rPr lang="en-US" dirty="0" err="1">
                 <a:latin typeface="Courier" pitchFamily="2" charset="0"/>
               </a:rPr>
-              <a:t>Spy</a:t>
-            </a:r>
-            <a:r>
-              <a:rPr lang="en-US" dirty="0" err="1"/>
-              <a:t>s</a:t>
-            </a:r>
-            <a:r>
-              <a:rPr lang="en-US" dirty="0"/>
-              <a:t> as its members.</a:t>
-            </a:r>
-          </a:p>
-          <a:p>
-            <a:r>
-              <a:rPr lang="en-US" dirty="0"/>
-              <a:t>Takes an array of strings or an object for method names that should be spied.</a:t>
-            </a:r>
-          </a:p>
-          <a:p>
-            <a:r>
-              <a:rPr lang="en-US" dirty="0"/>
-              <a:t>Optionally takes an array of strings or an object for property names that should be spied.</a:t>
-            </a:r>
+              <a:t>toEqual</a:t>
+            </a:r>
+            <a:r>
+              <a:rPr lang="en-US" dirty="0">
+                <a:latin typeface="Courier" pitchFamily="2" charset="0"/>
+              </a:rPr>
+              <a:t>(</a:t>
+            </a:r>
+            <a:r>
+              <a:rPr lang="en-US" dirty="0" err="1">
+                <a:latin typeface="Courier" pitchFamily="2" charset="0"/>
+              </a:rPr>
+              <a:t>expectedObj</a:t>
+            </a:r>
+            <a:r>
+              <a:rPr lang="en-US" dirty="0">
+                <a:latin typeface="Courier" pitchFamily="2" charset="0"/>
+              </a:rPr>
+              <a:t>);      </a:t>
+            </a:r>
+            <a:br>
+              <a:rPr lang="en-US" dirty="0">
+                <a:latin typeface="Courier" pitchFamily="2" charset="0"/>
+              </a:rPr>
+            </a:br>
+            <a:r>
+              <a:rPr lang="en-US" dirty="0">
+                <a:latin typeface="Courier" pitchFamily="2" charset="0"/>
+              </a:rPr>
+              <a:t>});</a:t>
+            </a:r>
+            <a:endParaRPr lang="en-US" dirty="0"/>
+          </a:p>
+          <a:p>
+            <a:pPr marL="0" indent="0">
+              <a:buNone/>
+            </a:pPr>
+            <a:endParaRPr lang="en-US" dirty="0"/>
           </a:p>
         </p:txBody>
       </p:sp>
     </p:spTree>
     <p:extLst>
       <p:ext uri="{BB962C8B-B14F-4D97-AF65-F5344CB8AC3E}">
-        <p14:creationId xmlns:p14="http://schemas.microsoft.com/office/powerpoint/2010/main" val="2267043303"/>
+        <p14:creationId xmlns:p14="http://schemas.microsoft.com/office/powerpoint/2010/main" val="2561869717"/>
       </p:ext>
     </p:extLst>
   </p:cSld>
@@ -5035,6 +5346,1236 @@
     <p:extLst>
       <p:ext uri="{BB962C8B-B14F-4D97-AF65-F5344CB8AC3E}">
         <p14:creationId xmlns:p14="http://schemas.microsoft.com/office/powerpoint/2010/main" val="1034977101"/>
+      </p:ext>
+    </p:extLst>
+  </p:cSld>
+  <p:clrMapOvr>
+    <a:masterClrMapping/>
+  </p:clrMapOvr>
+</p:sld>
+</file>
+
+<file path=ppt/slides/slide20.xml><?xml version="1.0" encoding="utf-8"?>
+<p:sld xmlns:a="http://schemas.openxmlformats.org/drawingml/2006/main" xmlns:r="http://schemas.openxmlformats.org/officeDocument/2006/relationships" xmlns:p="http://schemas.openxmlformats.org/presentationml/2006/main">
+  <p:cSld>
+    <p:spTree>
+      <p:nvGrpSpPr>
+        <p:cNvPr id="1" name=""/>
+        <p:cNvGrpSpPr/>
+        <p:nvPr/>
+      </p:nvGrpSpPr>
+      <p:grpSpPr>
+        <a:xfrm>
+          <a:off x="0" y="0"/>
+          <a:ext cx="0" cy="0"/>
+          <a:chOff x="0" y="0"/>
+          <a:chExt cx="0" cy="0"/>
+        </a:xfrm>
+      </p:grpSpPr>
+      <p:sp>
+        <p:nvSpPr>
+          <p:cNvPr id="2" name="Title 1">
+            <a:extLst>
+              <a:ext uri="{FF2B5EF4-FFF2-40B4-BE49-F238E27FC236}">
+                <a16:creationId xmlns:a16="http://schemas.microsoft.com/office/drawing/2014/main" id="{0CAD8607-3D0E-F34C-A71C-E1FCD84847DA}"/>
+              </a:ext>
+            </a:extLst>
+          </p:cNvPr>
+          <p:cNvSpPr>
+            <a:spLocks noGrp="1"/>
+          </p:cNvSpPr>
+          <p:nvPr>
+            <p:ph type="title"/>
+          </p:nvPr>
+        </p:nvSpPr>
+        <p:spPr/>
+        <p:txBody>
+          <a:bodyPr/>
+          <a:lstStyle/>
+          <a:p>
+            <a:r>
+              <a:rPr lang="en-US" dirty="0" err="1">
+                <a:latin typeface="Courier" pitchFamily="2" charset="0"/>
+              </a:rPr>
+              <a:t>jasmine.createSpy</a:t>
+            </a:r>
+            <a:endParaRPr lang="en-US" dirty="0">
+              <a:latin typeface="Courier" pitchFamily="2" charset="0"/>
+            </a:endParaRPr>
+          </a:p>
+        </p:txBody>
+      </p:sp>
+      <p:sp>
+        <p:nvSpPr>
+          <p:cNvPr id="3" name="Content Placeholder 2">
+            <a:extLst>
+              <a:ext uri="{FF2B5EF4-FFF2-40B4-BE49-F238E27FC236}">
+                <a16:creationId xmlns:a16="http://schemas.microsoft.com/office/drawing/2014/main" id="{3C783A4D-ADD3-FE47-A802-7E1E33980728}"/>
+              </a:ext>
+            </a:extLst>
+          </p:cNvPr>
+          <p:cNvSpPr>
+            <a:spLocks noGrp="1"/>
+          </p:cNvSpPr>
+          <p:nvPr>
+            <p:ph idx="1"/>
+          </p:nvPr>
+        </p:nvSpPr>
+        <p:spPr/>
+        <p:txBody>
+          <a:bodyPr/>
+          <a:lstStyle/>
+          <a:p>
+            <a:r>
+              <a:rPr lang="en-US" dirty="0"/>
+              <a:t>Create a bare Spy object. </a:t>
+            </a:r>
+          </a:p>
+          <a:p>
+            <a:pPr lvl="1"/>
+            <a:r>
+              <a:rPr lang="en-US" dirty="0"/>
+              <a:t>This won't be installed anywhere and will not have any implementation behind it.</a:t>
+            </a:r>
+          </a:p>
+        </p:txBody>
+      </p:sp>
+    </p:spTree>
+    <p:extLst>
+      <p:ext uri="{BB962C8B-B14F-4D97-AF65-F5344CB8AC3E}">
+        <p14:creationId xmlns:p14="http://schemas.microsoft.com/office/powerpoint/2010/main" val="3865388083"/>
+      </p:ext>
+    </p:extLst>
+  </p:cSld>
+  <p:clrMapOvr>
+    <a:masterClrMapping/>
+  </p:clrMapOvr>
+</p:sld>
+</file>
+
+<file path=ppt/slides/slide21.xml><?xml version="1.0" encoding="utf-8"?>
+<p:sld xmlns:a="http://schemas.openxmlformats.org/drawingml/2006/main" xmlns:r="http://schemas.openxmlformats.org/officeDocument/2006/relationships" xmlns:p="http://schemas.openxmlformats.org/presentationml/2006/main">
+  <p:cSld>
+    <p:spTree>
+      <p:nvGrpSpPr>
+        <p:cNvPr id="1" name=""/>
+        <p:cNvGrpSpPr/>
+        <p:nvPr/>
+      </p:nvGrpSpPr>
+      <p:grpSpPr>
+        <a:xfrm>
+          <a:off x="0" y="0"/>
+          <a:ext cx="0" cy="0"/>
+          <a:chOff x="0" y="0"/>
+          <a:chExt cx="0" cy="0"/>
+        </a:xfrm>
+      </p:grpSpPr>
+      <p:sp>
+        <p:nvSpPr>
+          <p:cNvPr id="2" name="Title 1">
+            <a:extLst>
+              <a:ext uri="{FF2B5EF4-FFF2-40B4-BE49-F238E27FC236}">
+                <a16:creationId xmlns:a16="http://schemas.microsoft.com/office/drawing/2014/main" id="{4F980159-DD0A-DF4E-BB5D-C1F10F7E71CA}"/>
+              </a:ext>
+            </a:extLst>
+          </p:cNvPr>
+          <p:cNvSpPr>
+            <a:spLocks noGrp="1"/>
+          </p:cNvSpPr>
+          <p:nvPr>
+            <p:ph type="title"/>
+          </p:nvPr>
+        </p:nvSpPr>
+        <p:spPr/>
+        <p:txBody>
+          <a:bodyPr/>
+          <a:lstStyle/>
+          <a:p>
+            <a:r>
+              <a:rPr lang="en-US" dirty="0" err="1">
+                <a:latin typeface="Courier" pitchFamily="2" charset="0"/>
+              </a:rPr>
+              <a:t>jasmine.createSpy</a:t>
+            </a:r>
+            <a:r>
+              <a:rPr lang="en-US" dirty="0">
+                <a:latin typeface="Courier" pitchFamily="2" charset="0"/>
+              </a:rPr>
+              <a:t> </a:t>
+            </a:r>
+            <a:r>
+              <a:rPr lang="en-US" dirty="0"/>
+              <a:t>example</a:t>
+            </a:r>
+          </a:p>
+        </p:txBody>
+      </p:sp>
+      <p:sp>
+        <p:nvSpPr>
+          <p:cNvPr id="3" name="Content Placeholder 2">
+            <a:extLst>
+              <a:ext uri="{FF2B5EF4-FFF2-40B4-BE49-F238E27FC236}">
+                <a16:creationId xmlns:a16="http://schemas.microsoft.com/office/drawing/2014/main" id="{EAADB446-8D8C-054F-979D-822652D41748}"/>
+              </a:ext>
+            </a:extLst>
+          </p:cNvPr>
+          <p:cNvSpPr>
+            <a:spLocks noGrp="1"/>
+          </p:cNvSpPr>
+          <p:nvPr>
+            <p:ph idx="1"/>
+          </p:nvPr>
+        </p:nvSpPr>
+        <p:spPr/>
+        <p:txBody>
+          <a:bodyPr>
+            <a:normAutofit/>
+          </a:bodyPr>
+          <a:lstStyle/>
+          <a:p>
+            <a:pPr marL="0" indent="0">
+              <a:buNone/>
+            </a:pPr>
+            <a:r>
+              <a:rPr lang="en-US" dirty="0">
+                <a:solidFill>
+                  <a:schemeClr val="accent2">
+                    <a:lumMod val="75000"/>
+                  </a:schemeClr>
+                </a:solidFill>
+                <a:latin typeface="Courier" pitchFamily="2" charset="0"/>
+              </a:rPr>
+              <a:t>let</a:t>
+            </a:r>
+            <a:r>
+              <a:rPr lang="en-US" dirty="0">
+                <a:solidFill>
+                  <a:schemeClr val="accent1">
+                    <a:lumMod val="75000"/>
+                  </a:schemeClr>
+                </a:solidFill>
+                <a:latin typeface="Courier" pitchFamily="2" charset="0"/>
+              </a:rPr>
+              <a:t> </a:t>
+            </a:r>
+            <a:r>
+              <a:rPr lang="en-US" dirty="0" err="1">
+                <a:latin typeface="Courier" pitchFamily="2" charset="0"/>
+              </a:rPr>
+              <a:t>barfoo</a:t>
+            </a:r>
+            <a:r>
+              <a:rPr lang="en-US" dirty="0">
+                <a:latin typeface="Courier" pitchFamily="2" charset="0"/>
+              </a:rPr>
+              <a:t>: </a:t>
+            </a:r>
+            <a:r>
+              <a:rPr lang="en-US" dirty="0" err="1">
+                <a:latin typeface="Courier" pitchFamily="2" charset="0"/>
+              </a:rPr>
+              <a:t>Barfoo</a:t>
+            </a:r>
+            <a:r>
+              <a:rPr lang="en-US" dirty="0">
+                <a:latin typeface="Courier" pitchFamily="2" charset="0"/>
+              </a:rPr>
+              <a:t>;</a:t>
+            </a:r>
+            <a:br>
+              <a:rPr lang="en-US" dirty="0">
+                <a:latin typeface="Courier" pitchFamily="2" charset="0"/>
+              </a:rPr>
+            </a:br>
+            <a:br>
+              <a:rPr lang="en-US" dirty="0">
+                <a:latin typeface="Courier" pitchFamily="2" charset="0"/>
+              </a:rPr>
+            </a:br>
+            <a:r>
+              <a:rPr lang="en-US" dirty="0" err="1">
+                <a:solidFill>
+                  <a:schemeClr val="accent1">
+                    <a:lumMod val="75000"/>
+                  </a:schemeClr>
+                </a:solidFill>
+                <a:latin typeface="Courier" pitchFamily="2" charset="0"/>
+              </a:rPr>
+              <a:t>beforeEach</a:t>
+            </a:r>
+            <a:r>
+              <a:rPr lang="en-US" dirty="0">
+                <a:latin typeface="Courier" pitchFamily="2" charset="0"/>
+              </a:rPr>
+              <a:t>(</a:t>
+            </a:r>
+            <a:r>
+              <a:rPr lang="en-US" dirty="0">
+                <a:solidFill>
+                  <a:schemeClr val="accent2">
+                    <a:lumMod val="75000"/>
+                  </a:schemeClr>
+                </a:solidFill>
+                <a:latin typeface="Courier" pitchFamily="2" charset="0"/>
+              </a:rPr>
+              <a:t>function</a:t>
+            </a:r>
+            <a:r>
+              <a:rPr lang="en-US" dirty="0">
+                <a:latin typeface="Courier" pitchFamily="2" charset="0"/>
+              </a:rPr>
+              <a:t>() {</a:t>
+            </a:r>
+            <a:br>
+              <a:rPr lang="en-US" dirty="0">
+                <a:latin typeface="Courier" pitchFamily="2" charset="0"/>
+              </a:rPr>
+            </a:br>
+            <a:r>
+              <a:rPr lang="en-US" dirty="0">
+                <a:latin typeface="Courier" pitchFamily="2" charset="0"/>
+              </a:rPr>
+              <a:t>   </a:t>
+            </a:r>
+            <a:r>
+              <a:rPr lang="en-US" dirty="0" err="1">
+                <a:latin typeface="Courier" pitchFamily="2" charset="0"/>
+              </a:rPr>
+              <a:t>barfoo</a:t>
+            </a:r>
+            <a:r>
+              <a:rPr lang="en-US" dirty="0">
+                <a:latin typeface="Courier" pitchFamily="2" charset="0"/>
+              </a:rPr>
+              <a:t> = </a:t>
+            </a:r>
+            <a:r>
+              <a:rPr lang="en-US" dirty="0">
+                <a:solidFill>
+                  <a:schemeClr val="accent2">
+                    <a:lumMod val="75000"/>
+                  </a:schemeClr>
+                </a:solidFill>
+                <a:latin typeface="Courier" pitchFamily="2" charset="0"/>
+              </a:rPr>
+              <a:t>new</a:t>
+            </a:r>
+            <a:r>
+              <a:rPr lang="en-US" dirty="0">
+                <a:latin typeface="Courier" pitchFamily="2" charset="0"/>
+              </a:rPr>
+              <a:t> </a:t>
+            </a:r>
+            <a:r>
+              <a:rPr lang="en-US" dirty="0" err="1">
+                <a:latin typeface="Courier" pitchFamily="2" charset="0"/>
+              </a:rPr>
+              <a:t>Barfoo</a:t>
+            </a:r>
+            <a:r>
+              <a:rPr lang="en-US" dirty="0">
+                <a:latin typeface="Courier" pitchFamily="2" charset="0"/>
+              </a:rPr>
+              <a:t>(</a:t>
+            </a:r>
+            <a:r>
+              <a:rPr lang="en-US" dirty="0">
+                <a:solidFill>
+                  <a:schemeClr val="accent6">
+                    <a:lumMod val="75000"/>
+                  </a:schemeClr>
+                </a:solidFill>
+                <a:latin typeface="Courier" pitchFamily="2" charset="0"/>
+              </a:rPr>
+              <a:t>'</a:t>
+            </a:r>
+            <a:r>
+              <a:rPr lang="en-US" dirty="0" err="1">
+                <a:solidFill>
+                  <a:schemeClr val="accent6">
+                    <a:lumMod val="75000"/>
+                  </a:schemeClr>
+                </a:solidFill>
+                <a:latin typeface="Courier" pitchFamily="2" charset="0"/>
+              </a:rPr>
+              <a:t>barfoo</a:t>
+            </a:r>
+            <a:r>
+              <a:rPr lang="en-US" dirty="0">
+                <a:solidFill>
+                  <a:schemeClr val="accent6">
+                    <a:lumMod val="75000"/>
+                  </a:schemeClr>
+                </a:solidFill>
+                <a:latin typeface="Courier" pitchFamily="2" charset="0"/>
+              </a:rPr>
+              <a:t>'</a:t>
+            </a:r>
+            <a:r>
+              <a:rPr lang="en-US" dirty="0">
+                <a:latin typeface="Courier" pitchFamily="2" charset="0"/>
+              </a:rPr>
+              <a:t>);</a:t>
+            </a:r>
+            <a:br>
+              <a:rPr lang="en-US" dirty="0">
+                <a:latin typeface="Courier" pitchFamily="2" charset="0"/>
+              </a:rPr>
+            </a:br>
+            <a:r>
+              <a:rPr lang="en-US" dirty="0">
+                <a:latin typeface="Courier" pitchFamily="2" charset="0"/>
+              </a:rPr>
+              <a:t>   </a:t>
+            </a:r>
+            <a:r>
+              <a:rPr lang="en-US" dirty="0" err="1">
+                <a:latin typeface="Courier" pitchFamily="2" charset="0"/>
+              </a:rPr>
+              <a:t>barfoo.fetchData</a:t>
+            </a:r>
+            <a:r>
+              <a:rPr lang="en-US" dirty="0">
+                <a:latin typeface="Courier" pitchFamily="2" charset="0"/>
+              </a:rPr>
+              <a:t> = </a:t>
+            </a:r>
+            <a:r>
+              <a:rPr lang="en-US" b="1" dirty="0" err="1">
+                <a:solidFill>
+                  <a:schemeClr val="accent1">
+                    <a:lumMod val="75000"/>
+                  </a:schemeClr>
+                </a:solidFill>
+                <a:latin typeface="Courier" pitchFamily="2" charset="0"/>
+              </a:rPr>
+              <a:t>jasmine.createSpy</a:t>
+            </a:r>
+            <a:r>
+              <a:rPr lang="en-US" b="1" dirty="0">
+                <a:solidFill>
+                  <a:schemeClr val="accent1">
+                    <a:lumMod val="75000"/>
+                  </a:schemeClr>
+                </a:solidFill>
+                <a:latin typeface="Courier" pitchFamily="2" charset="0"/>
+              </a:rPr>
+              <a:t>()</a:t>
+            </a:r>
+            <a:br>
+              <a:rPr lang="en-US" dirty="0">
+                <a:latin typeface="Courier" pitchFamily="2" charset="0"/>
+              </a:rPr>
+            </a:br>
+            <a:r>
+              <a:rPr lang="en-US" dirty="0">
+                <a:latin typeface="Courier" pitchFamily="2" charset="0"/>
+              </a:rPr>
+              <a:t>      .</a:t>
+            </a:r>
+            <a:r>
+              <a:rPr lang="en-US" dirty="0" err="1">
+                <a:latin typeface="Courier" pitchFamily="2" charset="0"/>
+              </a:rPr>
+              <a:t>withArgs</a:t>
+            </a:r>
+            <a:r>
+              <a:rPr lang="en-US" dirty="0">
+                <a:latin typeface="Courier" pitchFamily="2" charset="0"/>
+              </a:rPr>
+              <a:t>(</a:t>
+            </a:r>
+            <a:r>
+              <a:rPr lang="en-US" dirty="0" err="1">
+                <a:latin typeface="Courier" pitchFamily="2" charset="0"/>
+              </a:rPr>
+              <a:t>expectedId</a:t>
+            </a:r>
+            <a:r>
+              <a:rPr lang="en-US" dirty="0">
+                <a:latin typeface="Courier" pitchFamily="2" charset="0"/>
+              </a:rPr>
+              <a:t>)</a:t>
+            </a:r>
+            <a:br>
+              <a:rPr lang="en-US" dirty="0">
+                <a:latin typeface="Courier" pitchFamily="2" charset="0"/>
+              </a:rPr>
+            </a:br>
+            <a:r>
+              <a:rPr lang="en-US" dirty="0">
+                <a:latin typeface="Courier" pitchFamily="2" charset="0"/>
+              </a:rPr>
+              <a:t>      .</a:t>
+            </a:r>
+            <a:r>
+              <a:rPr lang="en-US" dirty="0" err="1">
+                <a:latin typeface="Courier" pitchFamily="2" charset="0"/>
+              </a:rPr>
+              <a:t>and.returnValue</a:t>
+            </a:r>
+            <a:r>
+              <a:rPr lang="en-US" dirty="0">
+                <a:latin typeface="Courier" pitchFamily="2" charset="0"/>
+              </a:rPr>
+              <a:t>(</a:t>
+            </a:r>
+            <a:r>
+              <a:rPr lang="en-US" dirty="0" err="1">
+                <a:latin typeface="Courier" pitchFamily="2" charset="0"/>
+              </a:rPr>
+              <a:t>expectedResult</a:t>
+            </a:r>
+            <a:r>
+              <a:rPr lang="en-US" dirty="0">
+                <a:latin typeface="Courier" pitchFamily="2" charset="0"/>
+              </a:rPr>
+              <a:t>);</a:t>
+            </a:r>
+            <a:br>
+              <a:rPr lang="en-US" dirty="0">
+                <a:latin typeface="Courier" pitchFamily="2" charset="0"/>
+              </a:rPr>
+            </a:br>
+            <a:r>
+              <a:rPr lang="en-US" dirty="0">
+                <a:latin typeface="Courier" pitchFamily="2" charset="0"/>
+              </a:rPr>
+              <a:t>   </a:t>
+            </a:r>
+            <a:r>
+              <a:rPr lang="en-US" dirty="0" err="1">
+                <a:latin typeface="Courier" pitchFamily="2" charset="0"/>
+              </a:rPr>
+              <a:t>foobar</a:t>
+            </a:r>
+            <a:r>
+              <a:rPr lang="en-US" dirty="0">
+                <a:latin typeface="Courier" pitchFamily="2" charset="0"/>
+              </a:rPr>
+              <a:t> = </a:t>
+            </a:r>
+            <a:r>
+              <a:rPr lang="en-US" dirty="0">
+                <a:solidFill>
+                  <a:schemeClr val="accent2">
+                    <a:lumMod val="75000"/>
+                  </a:schemeClr>
+                </a:solidFill>
+                <a:latin typeface="Courier" pitchFamily="2" charset="0"/>
+              </a:rPr>
+              <a:t>new</a:t>
+            </a:r>
+            <a:r>
+              <a:rPr lang="en-US" dirty="0">
+                <a:latin typeface="Courier" pitchFamily="2" charset="0"/>
+              </a:rPr>
+              <a:t> </a:t>
+            </a:r>
+            <a:r>
+              <a:rPr lang="en-US" dirty="0" err="1">
+                <a:latin typeface="Courier" pitchFamily="2" charset="0"/>
+              </a:rPr>
+              <a:t>Foobar</a:t>
+            </a:r>
+            <a:r>
+              <a:rPr lang="en-US" dirty="0">
+                <a:latin typeface="Courier" pitchFamily="2" charset="0"/>
+              </a:rPr>
+              <a:t>(</a:t>
+            </a:r>
+            <a:r>
+              <a:rPr lang="en-US" dirty="0" err="1">
+                <a:latin typeface="Courier" pitchFamily="2" charset="0"/>
+              </a:rPr>
+              <a:t>barfoo</a:t>
+            </a:r>
+            <a:r>
+              <a:rPr lang="en-US" dirty="0">
+                <a:latin typeface="Courier" pitchFamily="2" charset="0"/>
+              </a:rPr>
+              <a:t>);</a:t>
+            </a:r>
+            <a:br>
+              <a:rPr lang="en-US" dirty="0">
+                <a:latin typeface="Courier" pitchFamily="2" charset="0"/>
+              </a:rPr>
+            </a:br>
+            <a:r>
+              <a:rPr lang="en-US" dirty="0">
+                <a:latin typeface="Courier" pitchFamily="2" charset="0"/>
+              </a:rPr>
+              <a:t>   actual = </a:t>
+            </a:r>
+            <a:r>
+              <a:rPr lang="en-US" dirty="0" err="1">
+                <a:latin typeface="Courier" pitchFamily="2" charset="0"/>
+              </a:rPr>
+              <a:t>foobar.getData</a:t>
+            </a:r>
+            <a:r>
+              <a:rPr lang="en-US" dirty="0">
+                <a:latin typeface="Courier" pitchFamily="2" charset="0"/>
+              </a:rPr>
+              <a:t>(</a:t>
+            </a:r>
+            <a:r>
+              <a:rPr lang="en-US" dirty="0" err="1">
+                <a:latin typeface="Courier" pitchFamily="2" charset="0"/>
+              </a:rPr>
+              <a:t>expectedId</a:t>
+            </a:r>
+            <a:r>
+              <a:rPr lang="en-US" dirty="0">
+                <a:latin typeface="Courier" pitchFamily="2" charset="0"/>
+              </a:rPr>
+              <a:t>);</a:t>
+            </a:r>
+            <a:br>
+              <a:rPr lang="en-US" dirty="0">
+                <a:latin typeface="Courier" pitchFamily="2" charset="0"/>
+              </a:rPr>
+            </a:br>
+            <a:r>
+              <a:rPr lang="en-US" dirty="0">
+                <a:latin typeface="Courier" pitchFamily="2" charset="0"/>
+              </a:rPr>
+              <a:t>});</a:t>
+            </a:r>
+            <a:endParaRPr lang="en-US" dirty="0"/>
+          </a:p>
+        </p:txBody>
+      </p:sp>
+    </p:spTree>
+    <p:extLst>
+      <p:ext uri="{BB962C8B-B14F-4D97-AF65-F5344CB8AC3E}">
+        <p14:creationId xmlns:p14="http://schemas.microsoft.com/office/powerpoint/2010/main" val="14476136"/>
+      </p:ext>
+    </p:extLst>
+  </p:cSld>
+  <p:clrMapOvr>
+    <a:masterClrMapping/>
+  </p:clrMapOvr>
+</p:sld>
+</file>
+
+<file path=ppt/slides/slide22.xml><?xml version="1.0" encoding="utf-8"?>
+<p:sld xmlns:a="http://schemas.openxmlformats.org/drawingml/2006/main" xmlns:r="http://schemas.openxmlformats.org/officeDocument/2006/relationships" xmlns:p="http://schemas.openxmlformats.org/presentationml/2006/main">
+  <p:cSld>
+    <p:spTree>
+      <p:nvGrpSpPr>
+        <p:cNvPr id="1" name=""/>
+        <p:cNvGrpSpPr/>
+        <p:nvPr/>
+      </p:nvGrpSpPr>
+      <p:grpSpPr>
+        <a:xfrm>
+          <a:off x="0" y="0"/>
+          <a:ext cx="0" cy="0"/>
+          <a:chOff x="0" y="0"/>
+          <a:chExt cx="0" cy="0"/>
+        </a:xfrm>
+      </p:grpSpPr>
+      <p:sp>
+        <p:nvSpPr>
+          <p:cNvPr id="2" name="Title 1">
+            <a:extLst>
+              <a:ext uri="{FF2B5EF4-FFF2-40B4-BE49-F238E27FC236}">
+                <a16:creationId xmlns:a16="http://schemas.microsoft.com/office/drawing/2014/main" id="{0CAD8607-3D0E-F34C-A71C-E1FCD84847DA}"/>
+              </a:ext>
+            </a:extLst>
+          </p:cNvPr>
+          <p:cNvSpPr>
+            <a:spLocks noGrp="1"/>
+          </p:cNvSpPr>
+          <p:nvPr>
+            <p:ph type="title"/>
+          </p:nvPr>
+        </p:nvSpPr>
+        <p:spPr/>
+        <p:txBody>
+          <a:bodyPr/>
+          <a:lstStyle/>
+          <a:p>
+            <a:r>
+              <a:rPr lang="en-US" dirty="0" err="1">
+                <a:latin typeface="Courier" pitchFamily="2" charset="0"/>
+              </a:rPr>
+              <a:t>jasmine.createSpyObj</a:t>
+            </a:r>
+            <a:endParaRPr lang="en-US" dirty="0">
+              <a:latin typeface="Courier" pitchFamily="2" charset="0"/>
+            </a:endParaRPr>
+          </a:p>
+        </p:txBody>
+      </p:sp>
+      <p:sp>
+        <p:nvSpPr>
+          <p:cNvPr id="3" name="Content Placeholder 2">
+            <a:extLst>
+              <a:ext uri="{FF2B5EF4-FFF2-40B4-BE49-F238E27FC236}">
+                <a16:creationId xmlns:a16="http://schemas.microsoft.com/office/drawing/2014/main" id="{3C783A4D-ADD3-FE47-A802-7E1E33980728}"/>
+              </a:ext>
+            </a:extLst>
+          </p:cNvPr>
+          <p:cNvSpPr>
+            <a:spLocks noGrp="1"/>
+          </p:cNvSpPr>
+          <p:nvPr>
+            <p:ph idx="1"/>
+          </p:nvPr>
+        </p:nvSpPr>
+        <p:spPr/>
+        <p:txBody>
+          <a:bodyPr/>
+          <a:lstStyle/>
+          <a:p>
+            <a:r>
+              <a:rPr lang="en-US" dirty="0"/>
+              <a:t>Create an object with multiple </a:t>
+            </a:r>
+            <a:r>
+              <a:rPr lang="en-US" dirty="0" err="1">
+                <a:latin typeface="Courier" pitchFamily="2" charset="0"/>
+              </a:rPr>
+              <a:t>Spy</a:t>
+            </a:r>
+            <a:r>
+              <a:rPr lang="en-US" dirty="0" err="1"/>
+              <a:t>s</a:t>
+            </a:r>
+            <a:r>
+              <a:rPr lang="en-US" dirty="0"/>
+              <a:t> as its members.</a:t>
+            </a:r>
+          </a:p>
+          <a:p>
+            <a:r>
+              <a:rPr lang="en-US" dirty="0"/>
+              <a:t>Takes an array of strings or an object for method names that should be spied.</a:t>
+            </a:r>
+          </a:p>
+          <a:p>
+            <a:r>
+              <a:rPr lang="en-US" dirty="0"/>
+              <a:t>Optionally takes an array of strings or an object for property names that should be spied.</a:t>
+            </a:r>
+          </a:p>
+        </p:txBody>
+      </p:sp>
+    </p:spTree>
+    <p:extLst>
+      <p:ext uri="{BB962C8B-B14F-4D97-AF65-F5344CB8AC3E}">
+        <p14:creationId xmlns:p14="http://schemas.microsoft.com/office/powerpoint/2010/main" val="2267043303"/>
+      </p:ext>
+    </p:extLst>
+  </p:cSld>
+  <p:clrMapOvr>
+    <a:masterClrMapping/>
+  </p:clrMapOvr>
+</p:sld>
+</file>
+
+<file path=ppt/slides/slide23.xml><?xml version="1.0" encoding="utf-8"?>
+<p:sld xmlns:a="http://schemas.openxmlformats.org/drawingml/2006/main" xmlns:r="http://schemas.openxmlformats.org/officeDocument/2006/relationships" xmlns:p="http://schemas.openxmlformats.org/presentationml/2006/main">
+  <p:cSld>
+    <p:spTree>
+      <p:nvGrpSpPr>
+        <p:cNvPr id="1" name=""/>
+        <p:cNvGrpSpPr/>
+        <p:nvPr/>
+      </p:nvGrpSpPr>
+      <p:grpSpPr>
+        <a:xfrm>
+          <a:off x="0" y="0"/>
+          <a:ext cx="0" cy="0"/>
+          <a:chOff x="0" y="0"/>
+          <a:chExt cx="0" cy="0"/>
+        </a:xfrm>
+      </p:grpSpPr>
+      <p:sp>
+        <p:nvSpPr>
+          <p:cNvPr id="2" name="Title 1">
+            <a:extLst>
+              <a:ext uri="{FF2B5EF4-FFF2-40B4-BE49-F238E27FC236}">
+                <a16:creationId xmlns:a16="http://schemas.microsoft.com/office/drawing/2014/main" id="{79994865-825F-AD47-8BDB-16686638750D}"/>
+              </a:ext>
+            </a:extLst>
+          </p:cNvPr>
+          <p:cNvSpPr>
+            <a:spLocks noGrp="1"/>
+          </p:cNvSpPr>
+          <p:nvPr>
+            <p:ph type="title"/>
+          </p:nvPr>
+        </p:nvSpPr>
+        <p:spPr/>
+        <p:txBody>
+          <a:bodyPr/>
+          <a:lstStyle/>
+          <a:p>
+            <a:r>
+              <a:rPr lang="en-US" dirty="0" err="1">
+                <a:latin typeface="Courier" pitchFamily="2" charset="0"/>
+              </a:rPr>
+              <a:t>jasmine.createSpyObj</a:t>
+            </a:r>
+            <a:r>
+              <a:rPr lang="en-US" dirty="0">
+                <a:latin typeface="Courier" pitchFamily="2" charset="0"/>
+              </a:rPr>
+              <a:t> </a:t>
+            </a:r>
+            <a:r>
+              <a:rPr lang="en-US" dirty="0"/>
+              <a:t>example</a:t>
+            </a:r>
+          </a:p>
+        </p:txBody>
+      </p:sp>
+      <p:sp>
+        <p:nvSpPr>
+          <p:cNvPr id="3" name="Content Placeholder 2">
+            <a:extLst>
+              <a:ext uri="{FF2B5EF4-FFF2-40B4-BE49-F238E27FC236}">
+                <a16:creationId xmlns:a16="http://schemas.microsoft.com/office/drawing/2014/main" id="{580C06F1-67EF-1E48-9724-530DCD3E5442}"/>
+              </a:ext>
+            </a:extLst>
+          </p:cNvPr>
+          <p:cNvSpPr>
+            <a:spLocks noGrp="1"/>
+          </p:cNvSpPr>
+          <p:nvPr>
+            <p:ph idx="1"/>
+          </p:nvPr>
+        </p:nvSpPr>
+        <p:spPr/>
+        <p:txBody>
+          <a:bodyPr>
+            <a:normAutofit lnSpcReduction="10000"/>
+          </a:bodyPr>
+          <a:lstStyle/>
+          <a:p>
+            <a:pPr marL="0" indent="0">
+              <a:buNone/>
+            </a:pPr>
+            <a:r>
+              <a:rPr lang="en-US" dirty="0">
+                <a:solidFill>
+                  <a:schemeClr val="accent2">
+                    <a:lumMod val="75000"/>
+                  </a:schemeClr>
+                </a:solidFill>
+                <a:latin typeface="Courier" pitchFamily="2" charset="0"/>
+              </a:rPr>
+              <a:t>let</a:t>
+            </a:r>
+            <a:r>
+              <a:rPr lang="en-US" dirty="0">
+                <a:solidFill>
+                  <a:schemeClr val="accent1">
+                    <a:lumMod val="75000"/>
+                  </a:schemeClr>
+                </a:solidFill>
+                <a:latin typeface="Courier" pitchFamily="2" charset="0"/>
+              </a:rPr>
+              <a:t> </a:t>
+            </a:r>
+            <a:r>
+              <a:rPr lang="en-US" dirty="0" err="1">
+                <a:latin typeface="Courier" pitchFamily="2" charset="0"/>
+              </a:rPr>
+              <a:t>barfoo</a:t>
+            </a:r>
+            <a:r>
+              <a:rPr lang="en-US" dirty="0">
+                <a:latin typeface="Courier" pitchFamily="2" charset="0"/>
+              </a:rPr>
+              <a:t>: </a:t>
+            </a:r>
+            <a:r>
+              <a:rPr lang="en-US" dirty="0" err="1">
+                <a:latin typeface="Courier" pitchFamily="2" charset="0"/>
+              </a:rPr>
+              <a:t>Barfoo</a:t>
+            </a:r>
+            <a:r>
+              <a:rPr lang="en-US" dirty="0">
+                <a:latin typeface="Courier" pitchFamily="2" charset="0"/>
+              </a:rPr>
+              <a:t>;</a:t>
+            </a:r>
+            <a:br>
+              <a:rPr lang="en-US" dirty="0">
+                <a:latin typeface="Courier" pitchFamily="2" charset="0"/>
+              </a:rPr>
+            </a:br>
+            <a:endParaRPr lang="en-US" dirty="0">
+              <a:latin typeface="Courier" pitchFamily="2" charset="0"/>
+            </a:endParaRPr>
+          </a:p>
+          <a:p>
+            <a:pPr marL="0" indent="0">
+              <a:buNone/>
+            </a:pPr>
+            <a:r>
+              <a:rPr lang="en-US" dirty="0" err="1">
+                <a:solidFill>
+                  <a:schemeClr val="accent1">
+                    <a:lumMod val="75000"/>
+                  </a:schemeClr>
+                </a:solidFill>
+                <a:latin typeface="Courier" pitchFamily="2" charset="0"/>
+              </a:rPr>
+              <a:t>beforeEach</a:t>
+            </a:r>
+            <a:r>
+              <a:rPr lang="en-US" dirty="0">
+                <a:latin typeface="Courier" pitchFamily="2" charset="0"/>
+              </a:rPr>
+              <a:t>(</a:t>
+            </a:r>
+            <a:r>
+              <a:rPr lang="en-US" dirty="0">
+                <a:solidFill>
+                  <a:schemeClr val="accent2">
+                    <a:lumMod val="75000"/>
+                  </a:schemeClr>
+                </a:solidFill>
+                <a:latin typeface="Courier" pitchFamily="2" charset="0"/>
+              </a:rPr>
+              <a:t>function</a:t>
+            </a:r>
+            <a:r>
+              <a:rPr lang="en-US" dirty="0">
+                <a:latin typeface="Courier" pitchFamily="2" charset="0"/>
+              </a:rPr>
+              <a:t>() {</a:t>
+            </a:r>
+            <a:br>
+              <a:rPr lang="en-US" dirty="0">
+                <a:latin typeface="Courier" pitchFamily="2" charset="0"/>
+              </a:rPr>
+            </a:br>
+            <a:r>
+              <a:rPr lang="en-US" dirty="0">
+                <a:latin typeface="Courier" pitchFamily="2" charset="0"/>
+              </a:rPr>
+              <a:t>   </a:t>
+            </a:r>
+            <a:r>
+              <a:rPr lang="en-US" dirty="0" err="1">
+                <a:latin typeface="Courier" pitchFamily="2" charset="0"/>
+              </a:rPr>
+              <a:t>barfoo</a:t>
+            </a:r>
+            <a:r>
+              <a:rPr lang="en-US" dirty="0">
+                <a:latin typeface="Courier" pitchFamily="2" charset="0"/>
+              </a:rPr>
+              <a:t> = </a:t>
+            </a:r>
+            <a:r>
+              <a:rPr lang="en-US" b="1" dirty="0" err="1">
+                <a:solidFill>
+                  <a:schemeClr val="accent1">
+                    <a:lumMod val="75000"/>
+                  </a:schemeClr>
+                </a:solidFill>
+                <a:latin typeface="Courier" pitchFamily="2" charset="0"/>
+              </a:rPr>
+              <a:t>jasmine.createSpyObj</a:t>
+            </a:r>
+            <a:r>
+              <a:rPr lang="en-US" dirty="0">
+                <a:latin typeface="Courier" pitchFamily="2" charset="0"/>
+              </a:rPr>
+              <a:t>(</a:t>
+            </a:r>
+            <a:r>
+              <a:rPr lang="en-US" dirty="0">
+                <a:solidFill>
+                  <a:schemeClr val="accent6">
+                    <a:lumMod val="75000"/>
+                  </a:schemeClr>
+                </a:solidFill>
+                <a:latin typeface="Courier" pitchFamily="2" charset="0"/>
+              </a:rPr>
+              <a:t>'</a:t>
+            </a:r>
+            <a:r>
+              <a:rPr lang="en-US" dirty="0" err="1">
+                <a:solidFill>
+                  <a:schemeClr val="accent6">
+                    <a:lumMod val="75000"/>
+                  </a:schemeClr>
+                </a:solidFill>
+                <a:latin typeface="Courier" pitchFamily="2" charset="0"/>
+              </a:rPr>
+              <a:t>barfoo</a:t>
+            </a:r>
+            <a:r>
+              <a:rPr lang="en-US" dirty="0">
+                <a:solidFill>
+                  <a:schemeClr val="accent6">
+                    <a:lumMod val="75000"/>
+                  </a:schemeClr>
+                </a:solidFill>
+                <a:latin typeface="Courier" pitchFamily="2" charset="0"/>
+              </a:rPr>
+              <a:t>'</a:t>
+            </a:r>
+            <a:r>
+              <a:rPr lang="en-US" dirty="0">
+                <a:latin typeface="Courier" pitchFamily="2" charset="0"/>
+              </a:rPr>
+              <a:t>, {</a:t>
+            </a:r>
+            <a:br>
+              <a:rPr lang="en-US" dirty="0">
+                <a:latin typeface="Courier" pitchFamily="2" charset="0"/>
+              </a:rPr>
+            </a:br>
+            <a:r>
+              <a:rPr lang="en-US" dirty="0">
+                <a:latin typeface="Courier" pitchFamily="2" charset="0"/>
+              </a:rPr>
+              <a:t>      </a:t>
+            </a:r>
+            <a:r>
+              <a:rPr lang="en-US" dirty="0" err="1">
+                <a:latin typeface="Courier" pitchFamily="2" charset="0"/>
+              </a:rPr>
+              <a:t>init</a:t>
+            </a:r>
+            <a:r>
+              <a:rPr lang="en-US" dirty="0">
+                <a:latin typeface="Courier" pitchFamily="2" charset="0"/>
+              </a:rPr>
+              <a:t>: </a:t>
+            </a:r>
+            <a:r>
+              <a:rPr lang="en-US" dirty="0">
+                <a:solidFill>
+                  <a:schemeClr val="accent2">
+                    <a:lumMod val="75000"/>
+                  </a:schemeClr>
+                </a:solidFill>
+                <a:latin typeface="Courier" pitchFamily="2" charset="0"/>
+              </a:rPr>
+              <a:t>undefined</a:t>
+            </a:r>
+            <a:r>
+              <a:rPr lang="en-US" dirty="0">
+                <a:latin typeface="Courier" pitchFamily="2" charset="0"/>
+              </a:rPr>
+              <a:t>,</a:t>
+            </a:r>
+            <a:br>
+              <a:rPr lang="en-US" dirty="0">
+                <a:latin typeface="Courier" pitchFamily="2" charset="0"/>
+              </a:rPr>
+            </a:br>
+            <a:r>
+              <a:rPr lang="en-US" dirty="0">
+                <a:latin typeface="Courier" pitchFamily="2" charset="0"/>
+              </a:rPr>
+              <a:t>      </a:t>
+            </a:r>
+            <a:r>
+              <a:rPr lang="en-US" dirty="0" err="1">
+                <a:latin typeface="Courier" pitchFamily="2" charset="0"/>
+              </a:rPr>
+              <a:t>fetchBarData</a:t>
+            </a:r>
+            <a:r>
+              <a:rPr lang="en-US" dirty="0">
+                <a:latin typeface="Courier" pitchFamily="2" charset="0"/>
+              </a:rPr>
+              <a:t>: </a:t>
+            </a:r>
+            <a:r>
+              <a:rPr lang="en-US" dirty="0" err="1">
+                <a:latin typeface="Courier" pitchFamily="2" charset="0"/>
+              </a:rPr>
+              <a:t>expectedBarResult</a:t>
+            </a:r>
+            <a:r>
+              <a:rPr lang="en-US" dirty="0">
+                <a:latin typeface="Courier" pitchFamily="2" charset="0"/>
+              </a:rPr>
+              <a:t>,</a:t>
+            </a:r>
+            <a:br>
+              <a:rPr lang="en-US" dirty="0">
+                <a:latin typeface="Courier" pitchFamily="2" charset="0"/>
+              </a:rPr>
+            </a:br>
+            <a:r>
+              <a:rPr lang="en-US" dirty="0">
+                <a:latin typeface="Courier" pitchFamily="2" charset="0"/>
+              </a:rPr>
+              <a:t>      </a:t>
+            </a:r>
+            <a:r>
+              <a:rPr lang="en-US" dirty="0" err="1">
+                <a:latin typeface="Courier" pitchFamily="2" charset="0"/>
+              </a:rPr>
+              <a:t>fetchFooData</a:t>
+            </a:r>
+            <a:r>
+              <a:rPr lang="en-US" dirty="0">
+                <a:latin typeface="Courier" pitchFamily="2" charset="0"/>
+              </a:rPr>
+              <a:t>: </a:t>
+            </a:r>
+            <a:r>
+              <a:rPr lang="en-US" dirty="0" err="1">
+                <a:latin typeface="Courier" pitchFamily="2" charset="0"/>
+              </a:rPr>
+              <a:t>expectedFooResult</a:t>
+            </a:r>
+            <a:r>
+              <a:rPr lang="en-US" dirty="0">
+                <a:latin typeface="Courier" pitchFamily="2" charset="0"/>
+              </a:rPr>
+              <a:t>,</a:t>
+            </a:r>
+            <a:br>
+              <a:rPr lang="en-US" dirty="0">
+                <a:latin typeface="Courier" pitchFamily="2" charset="0"/>
+              </a:rPr>
+            </a:br>
+            <a:r>
+              <a:rPr lang="en-US" dirty="0">
+                <a:latin typeface="Courier" pitchFamily="2" charset="0"/>
+              </a:rPr>
+              <a:t>   });</a:t>
+            </a:r>
+            <a:br>
+              <a:rPr lang="en-US" dirty="0">
+                <a:latin typeface="Courier" pitchFamily="2" charset="0"/>
+              </a:rPr>
+            </a:br>
+            <a:r>
+              <a:rPr lang="en-US" dirty="0">
+                <a:latin typeface="Courier" pitchFamily="2" charset="0"/>
+              </a:rPr>
+              <a:t>   </a:t>
+            </a:r>
+            <a:r>
+              <a:rPr lang="en-US" dirty="0" err="1">
+                <a:latin typeface="Courier" pitchFamily="2" charset="0"/>
+              </a:rPr>
+              <a:t>foobar</a:t>
+            </a:r>
+            <a:r>
+              <a:rPr lang="en-US" dirty="0">
+                <a:latin typeface="Courier" pitchFamily="2" charset="0"/>
+              </a:rPr>
+              <a:t> = </a:t>
+            </a:r>
+            <a:r>
+              <a:rPr lang="en-US" dirty="0">
+                <a:solidFill>
+                  <a:schemeClr val="accent2">
+                    <a:lumMod val="75000"/>
+                  </a:schemeClr>
+                </a:solidFill>
+                <a:latin typeface="Courier" pitchFamily="2" charset="0"/>
+              </a:rPr>
+              <a:t>new</a:t>
+            </a:r>
+            <a:r>
+              <a:rPr lang="en-US" dirty="0">
+                <a:latin typeface="Courier" pitchFamily="2" charset="0"/>
+              </a:rPr>
+              <a:t> </a:t>
+            </a:r>
+            <a:r>
+              <a:rPr lang="en-US" dirty="0" err="1">
+                <a:latin typeface="Courier" pitchFamily="2" charset="0"/>
+              </a:rPr>
+              <a:t>Foobar</a:t>
+            </a:r>
+            <a:r>
+              <a:rPr lang="en-US" dirty="0">
+                <a:latin typeface="Courier" pitchFamily="2" charset="0"/>
+              </a:rPr>
+              <a:t>(</a:t>
+            </a:r>
+            <a:r>
+              <a:rPr lang="en-US" dirty="0" err="1">
+                <a:latin typeface="Courier" pitchFamily="2" charset="0"/>
+              </a:rPr>
+              <a:t>barfoo</a:t>
+            </a:r>
+            <a:r>
+              <a:rPr lang="en-US" dirty="0">
+                <a:latin typeface="Courier" pitchFamily="2" charset="0"/>
+              </a:rPr>
+              <a:t>);</a:t>
+            </a:r>
+            <a:br>
+              <a:rPr lang="en-US" dirty="0">
+                <a:latin typeface="Courier" pitchFamily="2" charset="0"/>
+              </a:rPr>
+            </a:br>
+            <a:r>
+              <a:rPr lang="en-US" dirty="0">
+                <a:latin typeface="Courier" pitchFamily="2" charset="0"/>
+              </a:rPr>
+              <a:t>   actual = </a:t>
+            </a:r>
+            <a:r>
+              <a:rPr lang="en-US" dirty="0" err="1">
+                <a:latin typeface="Courier" pitchFamily="2" charset="0"/>
+              </a:rPr>
+              <a:t>foobar.getData</a:t>
+            </a:r>
+            <a:r>
+              <a:rPr lang="en-US" dirty="0">
+                <a:latin typeface="Courier" pitchFamily="2" charset="0"/>
+              </a:rPr>
+              <a:t>(</a:t>
+            </a:r>
+            <a:r>
+              <a:rPr lang="en-US" dirty="0" err="1">
+                <a:latin typeface="Courier" pitchFamily="2" charset="0"/>
+              </a:rPr>
+              <a:t>expectedId</a:t>
+            </a:r>
+            <a:r>
+              <a:rPr lang="en-US" dirty="0">
+                <a:latin typeface="Courier" pitchFamily="2" charset="0"/>
+              </a:rPr>
+              <a:t>);</a:t>
+            </a:r>
+            <a:br>
+              <a:rPr lang="en-US" dirty="0">
+                <a:latin typeface="Courier" pitchFamily="2" charset="0"/>
+              </a:rPr>
+            </a:br>
+            <a:r>
+              <a:rPr lang="en-US" dirty="0">
+                <a:latin typeface="Courier" pitchFamily="2" charset="0"/>
+              </a:rPr>
+              <a:t>});</a:t>
+            </a:r>
+            <a:endParaRPr lang="en-US" dirty="0"/>
+          </a:p>
+          <a:p>
+            <a:pPr marL="0" indent="0">
+              <a:buNone/>
+            </a:pPr>
+            <a:endParaRPr lang="en-US" dirty="0"/>
+          </a:p>
+        </p:txBody>
+      </p:sp>
+    </p:spTree>
+    <p:extLst>
+      <p:ext uri="{BB962C8B-B14F-4D97-AF65-F5344CB8AC3E}">
+        <p14:creationId xmlns:p14="http://schemas.microsoft.com/office/powerpoint/2010/main" val="3386767995"/>
       </p:ext>
     </p:extLst>
   </p:cSld>

--- a/presentations/Introduction to Jasmine Framework.pptx
+++ b/presentations/Introduction to Jasmine Framework.pptx
@@ -4646,7 +4646,9 @@
           <a:lstStyle/>
           <a:p>
             <a:r>
-              <a:rPr lang="en-US" dirty="0" err="1"/>
+              <a:rPr lang="en-US" dirty="0" err="1">
+                <a:latin typeface="Courier" pitchFamily="2" charset="0"/>
+              </a:rPr>
               <a:t>spyOn</a:t>
             </a:r>
             <a:r>
@@ -4674,14 +4676,79 @@
         </p:nvSpPr>
         <p:spPr/>
         <p:txBody>
-          <a:bodyPr/>
+          <a:bodyPr>
+            <a:normAutofit/>
+          </a:bodyPr>
           <a:lstStyle/>
           <a:p>
             <a:pPr marL="0" indent="0">
               <a:buNone/>
             </a:pPr>
             <a:r>
-              <a:rPr lang="en-US" b="1" dirty="0">
+              <a:rPr lang="en-US" dirty="0">
+                <a:solidFill>
+                  <a:schemeClr val="accent2">
+                    <a:lumMod val="75000"/>
+                  </a:schemeClr>
+                </a:solidFill>
+                <a:latin typeface="Courier" pitchFamily="2" charset="0"/>
+              </a:rPr>
+              <a:t>let</a:t>
+            </a:r>
+            <a:r>
+              <a:rPr lang="en-US" dirty="0">
+                <a:latin typeface="Courier" pitchFamily="2" charset="0"/>
+              </a:rPr>
+              <a:t> </a:t>
+            </a:r>
+            <a:r>
+              <a:rPr lang="en-US" dirty="0" err="1">
+                <a:latin typeface="Courier" pitchFamily="2" charset="0"/>
+              </a:rPr>
+              <a:t>barfoo</a:t>
+            </a:r>
+            <a:r>
+              <a:rPr lang="en-US" dirty="0">
+                <a:latin typeface="Courier" pitchFamily="2" charset="0"/>
+              </a:rPr>
+              <a:t>: </a:t>
+            </a:r>
+            <a:r>
+              <a:rPr lang="en-US" dirty="0" err="1">
+                <a:latin typeface="Courier" pitchFamily="2" charset="0"/>
+              </a:rPr>
+              <a:t>Barfoo</a:t>
+            </a:r>
+            <a:r>
+              <a:rPr lang="en-US" dirty="0">
+                <a:latin typeface="Courier" pitchFamily="2" charset="0"/>
+              </a:rPr>
+              <a:t>;</a:t>
+            </a:r>
+            <a:br>
+              <a:rPr lang="en-US" dirty="0">
+                <a:latin typeface="Courier" pitchFamily="2" charset="0"/>
+              </a:rPr>
+            </a:br>
+            <a:r>
+              <a:rPr lang="en-US" dirty="0">
+                <a:solidFill>
+                  <a:schemeClr val="accent2">
+                    <a:lumMod val="75000"/>
+                  </a:schemeClr>
+                </a:solidFill>
+                <a:latin typeface="Courier" pitchFamily="2" charset="0"/>
+              </a:rPr>
+              <a:t>let</a:t>
+            </a:r>
+            <a:r>
+              <a:rPr lang="en-US" dirty="0">
+                <a:latin typeface="Courier" pitchFamily="2" charset="0"/>
+              </a:rPr>
+              <a:t> spy: </a:t>
+            </a:r>
+            <a:r>
+              <a:rPr lang="en-US" b="1" dirty="0" err="1">
                 <a:solidFill>
                   <a:schemeClr val="accent1">
                     <a:lumMod val="75000"/>
@@ -4689,7 +4756,34 @@
                 </a:solidFill>
                 <a:latin typeface="Courier" pitchFamily="2" charset="0"/>
               </a:rPr>
-              <a:t>it</a:t>
+              <a:t>jasmine.Spy</a:t>
+            </a:r>
+            <a:r>
+              <a:rPr lang="en-US" dirty="0">
+                <a:latin typeface="Courier" pitchFamily="2" charset="0"/>
+              </a:rPr>
+              <a:t>;</a:t>
+            </a:r>
+            <a:br>
+              <a:rPr lang="en-US" dirty="0">
+                <a:latin typeface="Courier" pitchFamily="2" charset="0"/>
+              </a:rPr>
+            </a:br>
+            <a:br>
+              <a:rPr lang="en-US" dirty="0">
+                <a:latin typeface="Courier" pitchFamily="2" charset="0"/>
+              </a:rPr>
+            </a:br>
+            <a:r>
+              <a:rPr lang="en-US" dirty="0" err="1">
+                <a:solidFill>
+                  <a:schemeClr val="accent1">
+                    <a:lumMod val="75000"/>
+                  </a:schemeClr>
+                </a:solidFill>
+                <a:latin typeface="Courier" pitchFamily="2" charset="0"/>
+              </a:rPr>
+              <a:t>beforeEach</a:t>
             </a:r>
             <a:r>
               <a:rPr lang="en-US" dirty="0">
@@ -4700,13 +4794,208 @@
             <a:r>
               <a:rPr lang="en-US" dirty="0">
                 <a:solidFill>
+                  <a:schemeClr val="accent2">
+                    <a:lumMod val="75000"/>
+                  </a:schemeClr>
+                </a:solidFill>
+                <a:latin typeface="Courier" pitchFamily="2" charset="0"/>
+              </a:rPr>
+              <a:t>function</a:t>
+            </a:r>
+            <a:r>
+              <a:rPr lang="en-US" dirty="0">
+                <a:latin typeface="Courier" pitchFamily="2" charset="0"/>
+              </a:rPr>
+              <a:t>() {</a:t>
+            </a:r>
+            <a:br>
+              <a:rPr lang="en-US" dirty="0">
+                <a:latin typeface="Courier" pitchFamily="2" charset="0"/>
+              </a:rPr>
+            </a:br>
+            <a:r>
+              <a:rPr lang="en-US" dirty="0">
+                <a:latin typeface="Courier" pitchFamily="2" charset="0"/>
+              </a:rPr>
+              <a:t>  </a:t>
+            </a:r>
+            <a:r>
+              <a:rPr lang="en-US" dirty="0" err="1">
+                <a:latin typeface="Courier" pitchFamily="2" charset="0"/>
+              </a:rPr>
+              <a:t>barfoo</a:t>
+            </a:r>
+            <a:r>
+              <a:rPr lang="en-US" dirty="0">
+                <a:latin typeface="Courier" pitchFamily="2" charset="0"/>
+              </a:rPr>
+              <a:t> = </a:t>
+            </a:r>
+            <a:r>
+              <a:rPr lang="en-US" dirty="0">
+                <a:solidFill>
+                  <a:schemeClr val="accent2">
+                    <a:lumMod val="75000"/>
+                  </a:schemeClr>
+                </a:solidFill>
+                <a:latin typeface="Courier" pitchFamily="2" charset="0"/>
+              </a:rPr>
+              <a:t>new</a:t>
+            </a:r>
+            <a:r>
+              <a:rPr lang="en-US" dirty="0">
+                <a:latin typeface="Courier" pitchFamily="2" charset="0"/>
+              </a:rPr>
+              <a:t> </a:t>
+            </a:r>
+            <a:r>
+              <a:rPr lang="en-US" dirty="0" err="1">
+                <a:latin typeface="Courier" pitchFamily="2" charset="0"/>
+              </a:rPr>
+              <a:t>Barfoo</a:t>
+            </a:r>
+            <a:r>
+              <a:rPr lang="en-US" dirty="0">
+                <a:latin typeface="Courier" pitchFamily="2" charset="0"/>
+              </a:rPr>
+              <a:t>(</a:t>
+            </a:r>
+            <a:r>
+              <a:rPr lang="en-US" dirty="0">
+                <a:solidFill>
                   <a:schemeClr val="accent6">
                     <a:lumMod val="75000"/>
                   </a:schemeClr>
                 </a:solidFill>
                 <a:latin typeface="Courier" pitchFamily="2" charset="0"/>
               </a:rPr>
-              <a:t>“should return an appropriate object”</a:t>
+              <a:t>'</a:t>
+            </a:r>
+            <a:r>
+              <a:rPr lang="en-US" dirty="0" err="1">
+                <a:solidFill>
+                  <a:schemeClr val="accent6">
+                    <a:lumMod val="75000"/>
+                  </a:schemeClr>
+                </a:solidFill>
+                <a:latin typeface="Courier" pitchFamily="2" charset="0"/>
+              </a:rPr>
+              <a:t>barfoo</a:t>
+            </a:r>
+            <a:r>
+              <a:rPr lang="en-US" dirty="0">
+                <a:solidFill>
+                  <a:schemeClr val="accent6">
+                    <a:lumMod val="75000"/>
+                  </a:schemeClr>
+                </a:solidFill>
+                <a:latin typeface="Courier" pitchFamily="2" charset="0"/>
+              </a:rPr>
+              <a:t>'</a:t>
+            </a:r>
+            <a:r>
+              <a:rPr lang="en-US" dirty="0">
+                <a:latin typeface="Courier" pitchFamily="2" charset="0"/>
+              </a:rPr>
+              <a:t>);</a:t>
+            </a:r>
+            <a:br>
+              <a:rPr lang="en-US" dirty="0">
+                <a:latin typeface="Courier" pitchFamily="2" charset="0"/>
+              </a:rPr>
+            </a:br>
+            <a:r>
+              <a:rPr lang="en-US" dirty="0">
+                <a:latin typeface="Courier" pitchFamily="2" charset="0"/>
+              </a:rPr>
+              <a:t>  </a:t>
+            </a:r>
+            <a:r>
+              <a:rPr lang="en-US" dirty="0" err="1">
+                <a:latin typeface="Courier" pitchFamily="2" charset="0"/>
+              </a:rPr>
+              <a:t>foobar</a:t>
+            </a:r>
+            <a:r>
+              <a:rPr lang="en-US" dirty="0">
+                <a:latin typeface="Courier" pitchFamily="2" charset="0"/>
+              </a:rPr>
+              <a:t> = </a:t>
+            </a:r>
+            <a:r>
+              <a:rPr lang="en-US" dirty="0">
+                <a:solidFill>
+                  <a:schemeClr val="accent2">
+                    <a:lumMod val="75000"/>
+                  </a:schemeClr>
+                </a:solidFill>
+                <a:latin typeface="Courier" pitchFamily="2" charset="0"/>
+              </a:rPr>
+              <a:t>new</a:t>
+            </a:r>
+            <a:r>
+              <a:rPr lang="en-US" dirty="0">
+                <a:latin typeface="Courier" pitchFamily="2" charset="0"/>
+              </a:rPr>
+              <a:t> </a:t>
+            </a:r>
+            <a:r>
+              <a:rPr lang="en-US" dirty="0" err="1">
+                <a:latin typeface="Courier" pitchFamily="2" charset="0"/>
+              </a:rPr>
+              <a:t>Foobar</a:t>
+            </a:r>
+            <a:r>
+              <a:rPr lang="en-US" dirty="0">
+                <a:latin typeface="Courier" pitchFamily="2" charset="0"/>
+              </a:rPr>
+              <a:t>(</a:t>
+            </a:r>
+            <a:r>
+              <a:rPr lang="en-US" dirty="0" err="1">
+                <a:latin typeface="Courier" pitchFamily="2" charset="0"/>
+              </a:rPr>
+              <a:t>barfoo</a:t>
+            </a:r>
+            <a:r>
+              <a:rPr lang="en-US" dirty="0">
+                <a:latin typeface="Courier" pitchFamily="2" charset="0"/>
+              </a:rPr>
+              <a:t>);</a:t>
+            </a:r>
+            <a:br>
+              <a:rPr lang="en-US" dirty="0">
+                <a:latin typeface="Courier" pitchFamily="2" charset="0"/>
+              </a:rPr>
+            </a:br>
+            <a:r>
+              <a:rPr lang="en-US" dirty="0">
+                <a:latin typeface="Courier" pitchFamily="2" charset="0"/>
+              </a:rPr>
+              <a:t>  spy = </a:t>
+            </a:r>
+            <a:r>
+              <a:rPr lang="en-US" b="1" dirty="0" err="1">
+                <a:solidFill>
+                  <a:schemeClr val="accent1">
+                    <a:lumMod val="75000"/>
+                  </a:schemeClr>
+                </a:solidFill>
+                <a:latin typeface="Courier" pitchFamily="2" charset="0"/>
+              </a:rPr>
+              <a:t>spyOn</a:t>
+            </a:r>
+            <a:r>
+              <a:rPr lang="en-US" dirty="0">
+                <a:latin typeface="Courier" pitchFamily="2" charset="0"/>
+              </a:rPr>
+              <a:t>(</a:t>
+            </a:r>
+            <a:r>
+              <a:rPr lang="en-US" dirty="0" err="1">
+                <a:latin typeface="Courier" pitchFamily="2" charset="0"/>
+              </a:rPr>
+              <a:t>barfoo</a:t>
             </a:r>
             <a:r>
               <a:rPr lang="en-US" dirty="0">
@@ -4714,6 +5003,45 @@
               </a:rPr>
               <a:t>,</a:t>
             </a:r>
+            <a:r>
+              <a:rPr lang="en-US" dirty="0">
+                <a:solidFill>
+                  <a:schemeClr val="accent6">
+                    <a:lumMod val="75000"/>
+                  </a:schemeClr>
+                </a:solidFill>
+                <a:latin typeface="Courier" pitchFamily="2" charset="0"/>
+              </a:rPr>
+              <a:t>'</a:t>
+            </a:r>
+            <a:r>
+              <a:rPr lang="en-US" dirty="0" err="1">
+                <a:solidFill>
+                  <a:schemeClr val="accent6">
+                    <a:lumMod val="75000"/>
+                  </a:schemeClr>
+                </a:solidFill>
+                <a:latin typeface="Courier" pitchFamily="2" charset="0"/>
+              </a:rPr>
+              <a:t>fetchData</a:t>
+            </a:r>
+            <a:r>
+              <a:rPr lang="en-US" dirty="0">
+                <a:solidFill>
+                  <a:schemeClr val="accent6">
+                    <a:lumMod val="75000"/>
+                  </a:schemeClr>
+                </a:solidFill>
+                <a:latin typeface="Courier" pitchFamily="2" charset="0"/>
+              </a:rPr>
+              <a:t>'</a:t>
+            </a:r>
+            <a:r>
+              <a:rPr lang="en-US" dirty="0">
+                <a:latin typeface="Courier" pitchFamily="2" charset="0"/>
+              </a:rPr>
+              <a:t>)</a:t>
+            </a:r>
             <a:br>
               <a:rPr lang="en-US" dirty="0">
                 <a:latin typeface="Courier" pitchFamily="2" charset="0"/>
@@ -4723,64 +5051,36 @@
               <a:rPr lang="en-US" dirty="0">
                 <a:latin typeface="Courier" pitchFamily="2" charset="0"/>
               </a:rPr>
-              <a:t>   </a:t>
-            </a:r>
-            <a:r>
-              <a:rPr lang="en-US" b="1" dirty="0">
-                <a:solidFill>
-                  <a:schemeClr val="accent2">
-                    <a:lumMod val="75000"/>
-                  </a:schemeClr>
-                </a:solidFill>
-                <a:latin typeface="Courier" pitchFamily="2" charset="0"/>
-              </a:rPr>
-              <a:t>function</a:t>
-            </a:r>
-            <a:r>
-              <a:rPr lang="en-US" dirty="0">
-                <a:latin typeface="Courier" pitchFamily="2" charset="0"/>
-              </a:rPr>
-              <a:t>() {</a:t>
-            </a:r>
-          </a:p>
-          <a:p>
-            <a:pPr marL="0" indent="0">
-              <a:buNone/>
-            </a:pPr>
-            <a:r>
-              <a:rPr lang="en-US" dirty="0">
-                <a:latin typeface="Courier" pitchFamily="2" charset="0"/>
-              </a:rPr>
-              <a:t>      </a:t>
-            </a:r>
-            <a:r>
-              <a:rPr lang="en-US" b="1" dirty="0">
-                <a:solidFill>
-                  <a:schemeClr val="accent2">
-                    <a:lumMod val="75000"/>
-                  </a:schemeClr>
-                </a:solidFill>
-                <a:latin typeface="Courier" pitchFamily="2" charset="0"/>
-              </a:rPr>
-              <a:t>const</a:t>
-            </a:r>
-            <a:r>
-              <a:rPr lang="en-US" dirty="0">
-                <a:latin typeface="Courier" pitchFamily="2" charset="0"/>
-              </a:rPr>
-              <a:t> obj = </a:t>
+              <a:t>           .</a:t>
+            </a:r>
+            <a:r>
+              <a:rPr lang="en-US" b="1" dirty="0" err="1">
+                <a:solidFill>
+                  <a:schemeClr val="accent1">
+                    <a:lumMod val="75000"/>
+                  </a:schemeClr>
+                </a:solidFill>
+                <a:latin typeface="Courier" pitchFamily="2" charset="0"/>
+              </a:rPr>
+              <a:t>withArgs</a:t>
+            </a:r>
+            <a:r>
+              <a:rPr lang="en-US" dirty="0">
+                <a:latin typeface="Courier" pitchFamily="2" charset="0"/>
+              </a:rPr>
+              <a:t>(</a:t>
             </a:r>
             <a:r>
               <a:rPr lang="en-US" dirty="0" err="1">
                 <a:latin typeface="Courier" pitchFamily="2" charset="0"/>
               </a:rPr>
-              <a:t>sut.doSomething</a:t>
-            </a:r>
-            <a:r>
-              <a:rPr lang="en-US" dirty="0">
-                <a:latin typeface="Courier" pitchFamily="2" charset="0"/>
-              </a:rPr>
-              <a:t>();</a:t>
+              <a:t>expectedId</a:t>
+            </a:r>
+            <a:r>
+              <a:rPr lang="en-US" dirty="0">
+                <a:latin typeface="Courier" pitchFamily="2" charset="0"/>
+              </a:rPr>
+              <a:t>)</a:t>
             </a:r>
             <a:br>
               <a:rPr lang="en-US" dirty="0">
@@ -4791,10 +5091,10 @@
               <a:rPr lang="en-US" dirty="0">
                 <a:latin typeface="Courier" pitchFamily="2" charset="0"/>
               </a:rPr>
-              <a:t>      </a:t>
-            </a:r>
-            <a:r>
-              <a:rPr lang="en-US" b="1" dirty="0">
+              <a:t>           .</a:t>
+            </a:r>
+            <a:r>
+              <a:rPr lang="en-US" b="1" dirty="0" err="1">
                 <a:solidFill>
                   <a:schemeClr val="accent1">
                     <a:lumMod val="75000"/>
@@ -4802,19 +5102,24 @@
                 </a:solidFill>
                 <a:latin typeface="Courier" pitchFamily="2" charset="0"/>
               </a:rPr>
-              <a:t>expect</a:t>
-            </a:r>
-            <a:r>
-              <a:rPr lang="en-US" dirty="0">
-                <a:latin typeface="Courier" pitchFamily="2" charset="0"/>
-              </a:rPr>
-              <a:t>(obj).</a:t>
+              <a:t>and</a:t>
             </a:r>
             <a:r>
               <a:rPr lang="en-US" dirty="0" err="1">
                 <a:latin typeface="Courier" pitchFamily="2" charset="0"/>
               </a:rPr>
-              <a:t>toEqual</a:t>
+              <a:t>.</a:t>
+            </a:r>
+            <a:r>
+              <a:rPr lang="en-US" b="1" dirty="0" err="1">
+                <a:solidFill>
+                  <a:schemeClr val="accent1">
+                    <a:lumMod val="75000"/>
+                  </a:schemeClr>
+                </a:solidFill>
+                <a:latin typeface="Courier" pitchFamily="2" charset="0"/>
+              </a:rPr>
+              <a:t>returnValue</a:t>
             </a:r>
             <a:r>
               <a:rPr lang="en-US" dirty="0">
@@ -4826,13 +5131,13 @@
               <a:rPr lang="en-US" dirty="0" err="1">
                 <a:latin typeface="Courier" pitchFamily="2" charset="0"/>
               </a:rPr>
-              <a:t>expectedObj</a:t>
-            </a:r>
-            <a:r>
-              <a:rPr lang="en-US" dirty="0">
-                <a:latin typeface="Courier" pitchFamily="2" charset="0"/>
-              </a:rPr>
-              <a:t>);      </a:t>
+              <a:t>expectedResult</a:t>
+            </a:r>
+            <a:r>
+              <a:rPr lang="en-US" dirty="0">
+                <a:latin typeface="Courier" pitchFamily="2" charset="0"/>
+              </a:rPr>
+              <a:t>);</a:t>
             </a:r>
             <a:br>
               <a:rPr lang="en-US" dirty="0">
@@ -4843,15 +5148,43 @@
               <a:rPr lang="en-US" dirty="0">
                 <a:latin typeface="Courier" pitchFamily="2" charset="0"/>
               </a:rPr>
+              <a:t>  actual = </a:t>
+            </a:r>
+            <a:r>
+              <a:rPr lang="en-US" dirty="0" err="1">
+                <a:latin typeface="Courier" pitchFamily="2" charset="0"/>
+              </a:rPr>
+              <a:t>foobar.getData</a:t>
+            </a:r>
+            <a:r>
+              <a:rPr lang="en-US" dirty="0">
+                <a:latin typeface="Courier" pitchFamily="2" charset="0"/>
+              </a:rPr>
+              <a:t>(</a:t>
+            </a:r>
+            <a:r>
+              <a:rPr lang="en-US" dirty="0" err="1">
+                <a:latin typeface="Courier" pitchFamily="2" charset="0"/>
+              </a:rPr>
+              <a:t>expectedId</a:t>
+            </a:r>
+            <a:r>
+              <a:rPr lang="en-US" dirty="0">
+                <a:latin typeface="Courier" pitchFamily="2" charset="0"/>
+              </a:rPr>
+              <a:t>);</a:t>
+            </a:r>
+            <a:br>
+              <a:rPr lang="en-US" dirty="0">
+                <a:latin typeface="Courier" pitchFamily="2" charset="0"/>
+              </a:rPr>
+            </a:br>
+            <a:r>
+              <a:rPr lang="en-US" dirty="0">
+                <a:latin typeface="Courier" pitchFamily="2" charset="0"/>
+              </a:rPr>
               <a:t>});</a:t>
             </a:r>
-            <a:endParaRPr lang="en-US" dirty="0"/>
-          </a:p>
-          <a:p>
-            <a:pPr marL="0" indent="0">
-              <a:buNone/>
-            </a:pPr>
-            <a:endParaRPr lang="en-US" dirty="0"/>
           </a:p>
         </p:txBody>
       </p:sp>
@@ -5008,7 +5341,9 @@
           <a:lstStyle/>
           <a:p>
             <a:r>
-              <a:rPr lang="en-US" dirty="0" err="1"/>
+              <a:rPr lang="en-US" dirty="0" err="1">
+                <a:latin typeface="Courier" pitchFamily="2" charset="0"/>
+              </a:rPr>
               <a:t>spyOnProperty</a:t>
             </a:r>
             <a:r>
@@ -5043,7 +5378,82 @@
               <a:buNone/>
             </a:pPr>
             <a:r>
-              <a:rPr lang="en-US" b="1" dirty="0">
+              <a:rPr lang="en-US" dirty="0">
+                <a:solidFill>
+                  <a:schemeClr val="accent2">
+                    <a:lumMod val="75000"/>
+                  </a:schemeClr>
+                </a:solidFill>
+                <a:latin typeface="Courier" pitchFamily="2" charset="0"/>
+              </a:rPr>
+              <a:t>let</a:t>
+            </a:r>
+            <a:r>
+              <a:rPr lang="en-US" dirty="0">
+                <a:latin typeface="Courier" pitchFamily="2" charset="0"/>
+              </a:rPr>
+              <a:t> </a:t>
+            </a:r>
+            <a:r>
+              <a:rPr lang="en-US" dirty="0" err="1">
+                <a:latin typeface="Courier" pitchFamily="2" charset="0"/>
+              </a:rPr>
+              <a:t>barfoo</a:t>
+            </a:r>
+            <a:r>
+              <a:rPr lang="en-US" dirty="0">
+                <a:latin typeface="Courier" pitchFamily="2" charset="0"/>
+              </a:rPr>
+              <a:t>: </a:t>
+            </a:r>
+            <a:r>
+              <a:rPr lang="en-US" dirty="0" err="1">
+                <a:latin typeface="Courier" pitchFamily="2" charset="0"/>
+              </a:rPr>
+              <a:t>Barfoo</a:t>
+            </a:r>
+            <a:r>
+              <a:rPr lang="en-US" dirty="0">
+                <a:latin typeface="Courier" pitchFamily="2" charset="0"/>
+              </a:rPr>
+              <a:t>;</a:t>
+            </a:r>
+            <a:br>
+              <a:rPr lang="en-US" dirty="0">
+                <a:latin typeface="Courier" pitchFamily="2" charset="0"/>
+              </a:rPr>
+            </a:br>
+            <a:r>
+              <a:rPr lang="en-US" dirty="0">
+                <a:solidFill>
+                  <a:schemeClr val="accent2">
+                    <a:lumMod val="75000"/>
+                  </a:schemeClr>
+                </a:solidFill>
+                <a:latin typeface="Courier" pitchFamily="2" charset="0"/>
+              </a:rPr>
+              <a:t>let</a:t>
+            </a:r>
+            <a:r>
+              <a:rPr lang="en-US" dirty="0">
+                <a:latin typeface="Courier" pitchFamily="2" charset="0"/>
+              </a:rPr>
+              <a:t> </a:t>
+            </a:r>
+            <a:r>
+              <a:rPr lang="en-US" dirty="0" err="1">
+                <a:latin typeface="Courier" pitchFamily="2" charset="0"/>
+              </a:rPr>
+              <a:t>propertySpy</a:t>
+            </a:r>
+            <a:r>
+              <a:rPr lang="en-US" dirty="0">
+                <a:latin typeface="Courier" pitchFamily="2" charset="0"/>
+              </a:rPr>
+              <a:t>: </a:t>
+            </a:r>
+            <a:r>
+              <a:rPr lang="en-US" b="1" dirty="0" err="1">
                 <a:solidFill>
                   <a:schemeClr val="accent1">
                     <a:lumMod val="75000"/>
@@ -5051,7 +5461,34 @@
                 </a:solidFill>
                 <a:latin typeface="Courier" pitchFamily="2" charset="0"/>
               </a:rPr>
-              <a:t>it</a:t>
+              <a:t>jasmine.Spy</a:t>
+            </a:r>
+            <a:r>
+              <a:rPr lang="en-US" dirty="0">
+                <a:latin typeface="Courier" pitchFamily="2" charset="0"/>
+              </a:rPr>
+              <a:t>;</a:t>
+            </a:r>
+            <a:br>
+              <a:rPr lang="en-US" dirty="0">
+                <a:latin typeface="Courier" pitchFamily="2" charset="0"/>
+              </a:rPr>
+            </a:br>
+            <a:br>
+              <a:rPr lang="en-US" dirty="0">
+                <a:latin typeface="Courier" pitchFamily="2" charset="0"/>
+              </a:rPr>
+            </a:br>
+            <a:r>
+              <a:rPr lang="en-US" dirty="0" err="1">
+                <a:solidFill>
+                  <a:schemeClr val="accent1">
+                    <a:lumMod val="75000"/>
+                  </a:schemeClr>
+                </a:solidFill>
+                <a:latin typeface="Courier" pitchFamily="2" charset="0"/>
+              </a:rPr>
+              <a:t>beforeEach</a:t>
             </a:r>
             <a:r>
               <a:rPr lang="en-US" dirty="0">
@@ -5062,19 +5499,216 @@
             <a:r>
               <a:rPr lang="en-US" dirty="0">
                 <a:solidFill>
+                  <a:schemeClr val="accent2">
+                    <a:lumMod val="75000"/>
+                  </a:schemeClr>
+                </a:solidFill>
+                <a:latin typeface="Courier" pitchFamily="2" charset="0"/>
+              </a:rPr>
+              <a:t>function</a:t>
+            </a:r>
+            <a:r>
+              <a:rPr lang="en-US" dirty="0">
+                <a:latin typeface="Courier" pitchFamily="2" charset="0"/>
+              </a:rPr>
+              <a:t>() {</a:t>
+            </a:r>
+            <a:br>
+              <a:rPr lang="en-US" dirty="0">
+                <a:latin typeface="Courier" pitchFamily="2" charset="0"/>
+              </a:rPr>
+            </a:br>
+            <a:r>
+              <a:rPr lang="en-US" dirty="0">
+                <a:latin typeface="Courier" pitchFamily="2" charset="0"/>
+              </a:rPr>
+              <a:t>  </a:t>
+            </a:r>
+            <a:r>
+              <a:rPr lang="en-US" dirty="0" err="1">
+                <a:latin typeface="Courier" pitchFamily="2" charset="0"/>
+              </a:rPr>
+              <a:t>barfoo</a:t>
+            </a:r>
+            <a:r>
+              <a:rPr lang="en-US" dirty="0">
+                <a:latin typeface="Courier" pitchFamily="2" charset="0"/>
+              </a:rPr>
+              <a:t> = </a:t>
+            </a:r>
+            <a:r>
+              <a:rPr lang="en-US" dirty="0">
+                <a:solidFill>
+                  <a:schemeClr val="accent2">
+                    <a:lumMod val="75000"/>
+                  </a:schemeClr>
+                </a:solidFill>
+                <a:latin typeface="Courier" pitchFamily="2" charset="0"/>
+              </a:rPr>
+              <a:t>new</a:t>
+            </a:r>
+            <a:r>
+              <a:rPr lang="en-US" dirty="0">
+                <a:latin typeface="Courier" pitchFamily="2" charset="0"/>
+              </a:rPr>
+              <a:t> </a:t>
+            </a:r>
+            <a:r>
+              <a:rPr lang="en-US" dirty="0" err="1">
+                <a:latin typeface="Courier" pitchFamily="2" charset="0"/>
+              </a:rPr>
+              <a:t>Barfoo</a:t>
+            </a:r>
+            <a:r>
+              <a:rPr lang="en-US" dirty="0">
+                <a:latin typeface="Courier" pitchFamily="2" charset="0"/>
+              </a:rPr>
+              <a:t>(</a:t>
+            </a:r>
+            <a:r>
+              <a:rPr lang="en-US" dirty="0" err="1">
+                <a:latin typeface="Courier" pitchFamily="2" charset="0"/>
+              </a:rPr>
+              <a:t>expectedResult</a:t>
+            </a:r>
+            <a:r>
+              <a:rPr lang="en-US" dirty="0">
+                <a:latin typeface="Courier" pitchFamily="2" charset="0"/>
+              </a:rPr>
+              <a:t>);</a:t>
+            </a:r>
+            <a:br>
+              <a:rPr lang="en-US" dirty="0">
+                <a:latin typeface="Courier" pitchFamily="2" charset="0"/>
+              </a:rPr>
+            </a:br>
+            <a:r>
+              <a:rPr lang="en-US" dirty="0">
+                <a:latin typeface="Courier" pitchFamily="2" charset="0"/>
+              </a:rPr>
+              <a:t>  </a:t>
+            </a:r>
+            <a:r>
+              <a:rPr lang="en-US" dirty="0" err="1">
+                <a:latin typeface="Courier" pitchFamily="2" charset="0"/>
+              </a:rPr>
+              <a:t>foobar</a:t>
+            </a:r>
+            <a:r>
+              <a:rPr lang="en-US" dirty="0">
+                <a:latin typeface="Courier" pitchFamily="2" charset="0"/>
+              </a:rPr>
+              <a:t> = </a:t>
+            </a:r>
+            <a:r>
+              <a:rPr lang="en-US" dirty="0">
+                <a:solidFill>
+                  <a:schemeClr val="accent2">
+                    <a:lumMod val="75000"/>
+                  </a:schemeClr>
+                </a:solidFill>
+                <a:latin typeface="Courier" pitchFamily="2" charset="0"/>
+              </a:rPr>
+              <a:t>new</a:t>
+            </a:r>
+            <a:r>
+              <a:rPr lang="en-US" dirty="0">
+                <a:latin typeface="Courier" pitchFamily="2" charset="0"/>
+              </a:rPr>
+              <a:t> </a:t>
+            </a:r>
+            <a:r>
+              <a:rPr lang="en-US" dirty="0" err="1">
+                <a:latin typeface="Courier" pitchFamily="2" charset="0"/>
+              </a:rPr>
+              <a:t>Foobar</a:t>
+            </a:r>
+            <a:r>
+              <a:rPr lang="en-US" dirty="0">
+                <a:latin typeface="Courier" pitchFamily="2" charset="0"/>
+              </a:rPr>
+              <a:t>(</a:t>
+            </a:r>
+            <a:r>
+              <a:rPr lang="en-US" dirty="0" err="1">
+                <a:latin typeface="Courier" pitchFamily="2" charset="0"/>
+              </a:rPr>
+              <a:t>barfoo</a:t>
+            </a:r>
+            <a:r>
+              <a:rPr lang="en-US" dirty="0">
+                <a:latin typeface="Courier" pitchFamily="2" charset="0"/>
+              </a:rPr>
+              <a:t>);</a:t>
+            </a:r>
+            <a:br>
+              <a:rPr lang="en-US" dirty="0">
+                <a:latin typeface="Courier" pitchFamily="2" charset="0"/>
+              </a:rPr>
+            </a:br>
+            <a:r>
+              <a:rPr lang="en-US" dirty="0">
+                <a:latin typeface="Courier" pitchFamily="2" charset="0"/>
+              </a:rPr>
+              <a:t>  </a:t>
+            </a:r>
+            <a:r>
+              <a:rPr lang="en-US" dirty="0" err="1">
+                <a:latin typeface="Courier" pitchFamily="2" charset="0"/>
+              </a:rPr>
+              <a:t>propertySpy</a:t>
+            </a:r>
+            <a:r>
+              <a:rPr lang="en-US" dirty="0">
+                <a:latin typeface="Courier" pitchFamily="2" charset="0"/>
+              </a:rPr>
+              <a:t> = </a:t>
+            </a:r>
+            <a:r>
+              <a:rPr lang="en-US" b="1" dirty="0" err="1">
+                <a:solidFill>
+                  <a:schemeClr val="accent1">
+                    <a:lumMod val="75000"/>
+                  </a:schemeClr>
+                </a:solidFill>
+                <a:latin typeface="Courier" pitchFamily="2" charset="0"/>
+              </a:rPr>
+              <a:t>spyOnProperty</a:t>
+            </a:r>
+            <a:r>
+              <a:rPr lang="en-US" dirty="0">
+                <a:latin typeface="Courier" pitchFamily="2" charset="0"/>
+              </a:rPr>
+              <a:t>(</a:t>
+            </a:r>
+            <a:r>
+              <a:rPr lang="en-US" dirty="0" err="1">
+                <a:latin typeface="Courier" pitchFamily="2" charset="0"/>
+              </a:rPr>
+              <a:t>barfoo</a:t>
+            </a:r>
+            <a:r>
+              <a:rPr lang="en-US" dirty="0">
+                <a:latin typeface="Courier" pitchFamily="2" charset="0"/>
+              </a:rPr>
+              <a:t>, </a:t>
+            </a:r>
+            <a:r>
+              <a:rPr lang="en-US" dirty="0">
+                <a:solidFill>
                   <a:schemeClr val="accent6">
                     <a:lumMod val="75000"/>
                   </a:schemeClr>
                 </a:solidFill>
                 <a:latin typeface="Courier" pitchFamily="2" charset="0"/>
               </a:rPr>
-              <a:t>“should return an appropriate object”</a:t>
-            </a:r>
-            <a:r>
-              <a:rPr lang="en-US" dirty="0">
-                <a:latin typeface="Courier" pitchFamily="2" charset="0"/>
-              </a:rPr>
-              <a:t>,</a:t>
+              <a:t>'name'</a:t>
+            </a:r>
+            <a:r>
+              <a:rPr lang="en-US" dirty="0">
+                <a:latin typeface="Courier" pitchFamily="2" charset="0"/>
+              </a:rPr>
+              <a:t>, </a:t>
             </a:r>
             <a:br>
               <a:rPr lang="en-US" dirty="0">
@@ -5085,58 +5719,63 @@
               <a:rPr lang="en-US" dirty="0">
                 <a:latin typeface="Courier" pitchFamily="2" charset="0"/>
               </a:rPr>
-              <a:t>   </a:t>
-            </a:r>
-            <a:r>
-              <a:rPr lang="en-US" b="1" dirty="0">
-                <a:solidFill>
-                  <a:schemeClr val="accent2">
-                    <a:lumMod val="75000"/>
-                  </a:schemeClr>
-                </a:solidFill>
-                <a:latin typeface="Courier" pitchFamily="2" charset="0"/>
-              </a:rPr>
-              <a:t>function</a:t>
-            </a:r>
-            <a:r>
-              <a:rPr lang="en-US" dirty="0">
-                <a:latin typeface="Courier" pitchFamily="2" charset="0"/>
-              </a:rPr>
-              <a:t>() {</a:t>
-            </a:r>
-          </a:p>
-          <a:p>
-            <a:pPr marL="0" indent="0">
-              <a:buNone/>
-            </a:pPr>
-            <a:r>
-              <a:rPr lang="en-US" dirty="0">
-                <a:latin typeface="Courier" pitchFamily="2" charset="0"/>
-              </a:rPr>
-              <a:t>      </a:t>
-            </a:r>
-            <a:r>
-              <a:rPr lang="en-US" b="1" dirty="0">
-                <a:solidFill>
-                  <a:schemeClr val="accent2">
-                    <a:lumMod val="75000"/>
-                  </a:schemeClr>
-                </a:solidFill>
-                <a:latin typeface="Courier" pitchFamily="2" charset="0"/>
-              </a:rPr>
-              <a:t>const</a:t>
-            </a:r>
-            <a:r>
-              <a:rPr lang="en-US" dirty="0">
-                <a:latin typeface="Courier" pitchFamily="2" charset="0"/>
-              </a:rPr>
-              <a:t> obj = </a:t>
+              <a:t>     </a:t>
+            </a:r>
+            <a:r>
+              <a:rPr lang="en-US" dirty="0">
+                <a:solidFill>
+                  <a:schemeClr val="accent6">
+                    <a:lumMod val="75000"/>
+                  </a:schemeClr>
+                </a:solidFill>
+                <a:latin typeface="Courier" pitchFamily="2" charset="0"/>
+              </a:rPr>
+              <a:t>'get'</a:t>
+            </a:r>
+            <a:r>
+              <a:rPr lang="en-US" dirty="0">
+                <a:latin typeface="Courier" pitchFamily="2" charset="0"/>
+              </a:rPr>
+              <a:t>)</a:t>
+            </a:r>
+            <a:br>
+              <a:rPr lang="en-US" dirty="0">
+                <a:latin typeface="Courier" pitchFamily="2" charset="0"/>
+              </a:rPr>
+            </a:br>
+            <a:r>
+              <a:rPr lang="en-US" dirty="0">
+                <a:latin typeface="Courier" pitchFamily="2" charset="0"/>
+              </a:rPr>
+              <a:t>     .</a:t>
+            </a:r>
+            <a:r>
+              <a:rPr lang="en-US" b="1" dirty="0" err="1">
+                <a:solidFill>
+                  <a:schemeClr val="accent1">
+                    <a:lumMod val="75000"/>
+                  </a:schemeClr>
+                </a:solidFill>
+                <a:latin typeface="Courier" pitchFamily="2" charset="0"/>
+              </a:rPr>
+              <a:t>and</a:t>
             </a:r>
             <a:r>
               <a:rPr lang="en-US" dirty="0" err="1">
                 <a:latin typeface="Courier" pitchFamily="2" charset="0"/>
               </a:rPr>
-              <a:t>sut.doSomething</a:t>
+              <a:t>.</a:t>
+            </a:r>
+            <a:r>
+              <a:rPr lang="en-US" b="1" dirty="0" err="1">
+                <a:solidFill>
+                  <a:schemeClr val="accent1">
+                    <a:lumMod val="75000"/>
+                  </a:schemeClr>
+                </a:solidFill>
+                <a:latin typeface="Courier" pitchFamily="2" charset="0"/>
+              </a:rPr>
+              <a:t>callThrough</a:t>
             </a:r>
             <a:r>
               <a:rPr lang="en-US" dirty="0">
@@ -5153,48 +5792,19 @@
               <a:rPr lang="en-US" dirty="0">
                 <a:latin typeface="Courier" pitchFamily="2" charset="0"/>
               </a:rPr>
-              <a:t>      </a:t>
-            </a:r>
-            <a:r>
-              <a:rPr lang="en-US" b="1" dirty="0">
-                <a:solidFill>
-                  <a:schemeClr val="accent1">
-                    <a:lumMod val="75000"/>
-                  </a:schemeClr>
-                </a:solidFill>
-                <a:latin typeface="Courier" pitchFamily="2" charset="0"/>
-              </a:rPr>
-              <a:t>expect</a:t>
-            </a:r>
-            <a:r>
-              <a:rPr lang="en-US" dirty="0">
-                <a:latin typeface="Courier" pitchFamily="2" charset="0"/>
-              </a:rPr>
-              <a:t>(obj).</a:t>
+              <a:t>  actual = </a:t>
             </a:r>
             <a:r>
               <a:rPr lang="en-US" dirty="0" err="1">
                 <a:latin typeface="Courier" pitchFamily="2" charset="0"/>
               </a:rPr>
-              <a:t>toEqual</a:t>
-            </a:r>
-            <a:r>
-              <a:rPr lang="en-US" dirty="0">
-                <a:latin typeface="Courier" pitchFamily="2" charset="0"/>
-              </a:rPr>
-              <a:t>(</a:t>
-            </a:r>
-            <a:r>
-              <a:rPr lang="en-US" dirty="0" err="1">
-                <a:latin typeface="Courier" pitchFamily="2" charset="0"/>
-              </a:rPr>
-              <a:t>expectedObj</a:t>
-            </a:r>
-            <a:r>
-              <a:rPr lang="en-US" dirty="0">
-                <a:latin typeface="Courier" pitchFamily="2" charset="0"/>
-              </a:rPr>
-              <a:t>);      </a:t>
+              <a:t>foobar.barfooName</a:t>
+            </a:r>
+            <a:r>
+              <a:rPr lang="en-US" dirty="0">
+                <a:latin typeface="Courier" pitchFamily="2" charset="0"/>
+              </a:rPr>
+              <a:t>;</a:t>
             </a:r>
             <a:br>
               <a:rPr lang="en-US" dirty="0">
@@ -5207,13 +5817,6 @@
               </a:rPr>
               <a:t>});</a:t>
             </a:r>
-            <a:endParaRPr lang="en-US" dirty="0"/>
-          </a:p>
-          <a:p>
-            <a:pPr marL="0" indent="0">
-              <a:buNone/>
-            </a:pPr>
-            <a:endParaRPr lang="en-US" dirty="0"/>
           </a:p>
         </p:txBody>
       </p:sp>
@@ -5774,45 +6377,72 @@
               <a:t>      .</a:t>
             </a:r>
             <a:r>
+              <a:rPr lang="en-US" b="1" dirty="0" err="1">
+                <a:solidFill>
+                  <a:schemeClr val="accent1">
+                    <a:lumMod val="75000"/>
+                  </a:schemeClr>
+                </a:solidFill>
+                <a:latin typeface="Courier" pitchFamily="2" charset="0"/>
+              </a:rPr>
+              <a:t>withArgs</a:t>
+            </a:r>
+            <a:r>
+              <a:rPr lang="en-US" dirty="0">
+                <a:latin typeface="Courier" pitchFamily="2" charset="0"/>
+              </a:rPr>
+              <a:t>(</a:t>
+            </a:r>
+            <a:r>
               <a:rPr lang="en-US" dirty="0" err="1">
                 <a:latin typeface="Courier" pitchFamily="2" charset="0"/>
               </a:rPr>
-              <a:t>withArgs</a:t>
-            </a:r>
-            <a:r>
-              <a:rPr lang="en-US" dirty="0">
-                <a:latin typeface="Courier" pitchFamily="2" charset="0"/>
-              </a:rPr>
-              <a:t>(</a:t>
+              <a:t>expectedId</a:t>
+            </a:r>
+            <a:r>
+              <a:rPr lang="en-US" dirty="0">
+                <a:latin typeface="Courier" pitchFamily="2" charset="0"/>
+              </a:rPr>
+              <a:t>)</a:t>
+            </a:r>
+            <a:br>
+              <a:rPr lang="en-US" dirty="0">
+                <a:latin typeface="Courier" pitchFamily="2" charset="0"/>
+              </a:rPr>
+            </a:br>
+            <a:r>
+              <a:rPr lang="en-US" dirty="0">
+                <a:latin typeface="Courier" pitchFamily="2" charset="0"/>
+              </a:rPr>
+              <a:t>      .</a:t>
+            </a:r>
+            <a:r>
+              <a:rPr lang="en-US" b="1" dirty="0" err="1">
+                <a:solidFill>
+                  <a:schemeClr val="accent1">
+                    <a:lumMod val="75000"/>
+                  </a:schemeClr>
+                </a:solidFill>
+                <a:latin typeface="Courier" pitchFamily="2" charset="0"/>
+              </a:rPr>
+              <a:t>and</a:t>
             </a:r>
             <a:r>
               <a:rPr lang="en-US" dirty="0" err="1">
                 <a:latin typeface="Courier" pitchFamily="2" charset="0"/>
               </a:rPr>
-              <a:t>expectedId</a:t>
-            </a:r>
-            <a:r>
-              <a:rPr lang="en-US" dirty="0">
-                <a:latin typeface="Courier" pitchFamily="2" charset="0"/>
-              </a:rPr>
-              <a:t>)</a:t>
-            </a:r>
-            <a:br>
-              <a:rPr lang="en-US" dirty="0">
-                <a:latin typeface="Courier" pitchFamily="2" charset="0"/>
-              </a:rPr>
-            </a:br>
-            <a:r>
-              <a:rPr lang="en-US" dirty="0">
-                <a:latin typeface="Courier" pitchFamily="2" charset="0"/>
-              </a:rPr>
-              <a:t>      .</a:t>
-            </a:r>
-            <a:r>
-              <a:rPr lang="en-US" dirty="0" err="1">
-                <a:latin typeface="Courier" pitchFamily="2" charset="0"/>
-              </a:rPr>
-              <a:t>and.returnValue</a:t>
+              <a:t>.</a:t>
+            </a:r>
+            <a:r>
+              <a:rPr lang="en-US" b="1" dirty="0" err="1">
+                <a:solidFill>
+                  <a:schemeClr val="accent1">
+                    <a:lumMod val="75000"/>
+                  </a:schemeClr>
+                </a:solidFill>
+                <a:latin typeface="Courier" pitchFamily="2" charset="0"/>
+              </a:rPr>
+              <a:t>returnValue</a:t>
             </a:r>
             <a:r>
               <a:rPr lang="en-US" dirty="0">

--- a/presentations/Introduction to Jasmine Framework.pptx
+++ b/presentations/Introduction to Jasmine Framework.pptx
@@ -22,12 +22,14 @@
     <p:sldId id="276" r:id="rId16"/>
     <p:sldId id="263" r:id="rId17"/>
     <p:sldId id="277" r:id="rId18"/>
-    <p:sldId id="273" r:id="rId19"/>
-    <p:sldId id="278" r:id="rId20"/>
-    <p:sldId id="274" r:id="rId21"/>
-    <p:sldId id="279" r:id="rId22"/>
-    <p:sldId id="275" r:id="rId23"/>
-    <p:sldId id="280" r:id="rId24"/>
+    <p:sldId id="281" r:id="rId19"/>
+    <p:sldId id="273" r:id="rId20"/>
+    <p:sldId id="278" r:id="rId21"/>
+    <p:sldId id="282" r:id="rId22"/>
+    <p:sldId id="274" r:id="rId23"/>
+    <p:sldId id="279" r:id="rId24"/>
+    <p:sldId id="275" r:id="rId25"/>
+    <p:sldId id="280" r:id="rId26"/>
   </p:sldIdLst>
   <p:sldSz cx="12192000" cy="6858000"/>
   <p:notesSz cx="6858000" cy="9144000"/>
@@ -4653,7 +4655,7 @@
             </a:r>
             <a:r>
               <a:rPr lang="en-US" dirty="0"/>
-              <a:t> example</a:t>
+              <a:t> example: setting expectations</a:t>
             </a:r>
           </a:p>
         </p:txBody>
@@ -5223,7 +5225,7 @@
           <p:cNvPr id="2" name="Title 1">
             <a:extLst>
               <a:ext uri="{FF2B5EF4-FFF2-40B4-BE49-F238E27FC236}">
-                <a16:creationId xmlns:a16="http://schemas.microsoft.com/office/drawing/2014/main" id="{0CAD8607-3D0E-F34C-A71C-E1FCD84847DA}"/>
+                <a16:creationId xmlns:a16="http://schemas.microsoft.com/office/drawing/2014/main" id="{DEE82D6E-D9E8-024F-B818-352CE75A7EF8}"/>
               </a:ext>
             </a:extLst>
           </p:cNvPr>
@@ -5243,11 +5245,12 @@
               <a:rPr lang="en-US" dirty="0" err="1">
                 <a:latin typeface="Courier" pitchFamily="2" charset="0"/>
               </a:rPr>
-              <a:t>spyOnProperty</a:t>
-            </a:r>
-            <a:endParaRPr lang="en-US" dirty="0">
-              <a:latin typeface="Courier" pitchFamily="2" charset="0"/>
-            </a:endParaRPr>
+              <a:t>spyOn</a:t>
+            </a:r>
+            <a:r>
+              <a:rPr lang="en-US" dirty="0"/>
+              <a:t> example: interaction verification</a:t>
+            </a:r>
           </a:p>
         </p:txBody>
       </p:sp>
@@ -5256,7 +5259,7 @@
           <p:cNvPr id="3" name="Content Placeholder 2">
             <a:extLst>
               <a:ext uri="{FF2B5EF4-FFF2-40B4-BE49-F238E27FC236}">
-                <a16:creationId xmlns:a16="http://schemas.microsoft.com/office/drawing/2014/main" id="{3C783A4D-ADD3-FE47-A802-7E1E33980728}"/>
+                <a16:creationId xmlns:a16="http://schemas.microsoft.com/office/drawing/2014/main" id="{EA2DD2EC-5A86-1943-814A-43F4B91FF11F}"/>
               </a:ext>
             </a:extLst>
           </p:cNvPr>
@@ -5269,22 +5272,250 @@
         </p:nvSpPr>
         <p:spPr/>
         <p:txBody>
-          <a:bodyPr/>
+          <a:bodyPr>
+            <a:normAutofit/>
+          </a:bodyPr>
           <a:lstStyle/>
           <a:p>
-            <a:r>
-              <a:rPr lang="en-US" dirty="0"/>
-              <a:t>Install a spy on a property onto an existing object that was installed with </a:t>
-            </a:r>
-            <a:r>
-              <a:rPr lang="en-US" dirty="0" err="1">
-                <a:latin typeface="Courier" pitchFamily="2" charset="0"/>
-              </a:rPr>
-              <a:t>Object.defineProperty</a:t>
-            </a:r>
-            <a:r>
-              <a:rPr lang="en-US" dirty="0"/>
-              <a:t>.</a:t>
+            <a:pPr marL="0" indent="0">
+              <a:buNone/>
+            </a:pPr>
+            <a:r>
+              <a:rPr lang="en-US" dirty="0">
+                <a:solidFill>
+                  <a:schemeClr val="accent2">
+                    <a:lumMod val="75000"/>
+                  </a:schemeClr>
+                </a:solidFill>
+                <a:latin typeface="Courier" pitchFamily="2" charset="0"/>
+              </a:rPr>
+              <a:t>let</a:t>
+            </a:r>
+            <a:r>
+              <a:rPr lang="en-US" dirty="0">
+                <a:latin typeface="Courier" pitchFamily="2" charset="0"/>
+              </a:rPr>
+              <a:t> spy: </a:t>
+            </a:r>
+            <a:r>
+              <a:rPr lang="en-US" b="1" dirty="0" err="1">
+                <a:solidFill>
+                  <a:schemeClr val="accent1">
+                    <a:lumMod val="75000"/>
+                  </a:schemeClr>
+                </a:solidFill>
+                <a:latin typeface="Courier" pitchFamily="2" charset="0"/>
+              </a:rPr>
+              <a:t>jasmine.Spy</a:t>
+            </a:r>
+            <a:r>
+              <a:rPr lang="en-US" dirty="0">
+                <a:latin typeface="Courier" pitchFamily="2" charset="0"/>
+              </a:rPr>
+              <a:t>;</a:t>
+            </a:r>
+            <a:br>
+              <a:rPr lang="en-US" dirty="0">
+                <a:latin typeface="Courier" pitchFamily="2" charset="0"/>
+              </a:rPr>
+            </a:br>
+            <a:br>
+              <a:rPr lang="en-US" dirty="0">
+                <a:latin typeface="Courier" pitchFamily="2" charset="0"/>
+              </a:rPr>
+            </a:br>
+            <a:r>
+              <a:rPr lang="en-US" dirty="0" err="1">
+                <a:solidFill>
+                  <a:schemeClr val="accent1">
+                    <a:lumMod val="75000"/>
+                  </a:schemeClr>
+                </a:solidFill>
+                <a:latin typeface="Courier" pitchFamily="2" charset="0"/>
+              </a:rPr>
+              <a:t>beforeEach</a:t>
+            </a:r>
+            <a:r>
+              <a:rPr lang="en-US" dirty="0">
+                <a:latin typeface="Courier" pitchFamily="2" charset="0"/>
+              </a:rPr>
+              <a:t>(</a:t>
+            </a:r>
+            <a:r>
+              <a:rPr lang="en-US" dirty="0">
+                <a:solidFill>
+                  <a:schemeClr val="accent2">
+                    <a:lumMod val="75000"/>
+                  </a:schemeClr>
+                </a:solidFill>
+                <a:latin typeface="Courier" pitchFamily="2" charset="0"/>
+              </a:rPr>
+              <a:t>function</a:t>
+            </a:r>
+            <a:r>
+              <a:rPr lang="en-US" dirty="0">
+                <a:latin typeface="Courier" pitchFamily="2" charset="0"/>
+              </a:rPr>
+              <a:t>() {</a:t>
+            </a:r>
+            <a:br>
+              <a:rPr lang="en-US" dirty="0">
+                <a:latin typeface="Courier" pitchFamily="2" charset="0"/>
+              </a:rPr>
+            </a:br>
+            <a:r>
+              <a:rPr lang="en-US" dirty="0">
+                <a:latin typeface="Courier" pitchFamily="2" charset="0"/>
+              </a:rPr>
+              <a:t>   …</a:t>
+            </a:r>
+            <a:br>
+              <a:rPr lang="en-US" dirty="0">
+                <a:latin typeface="Courier" pitchFamily="2" charset="0"/>
+              </a:rPr>
+            </a:br>
+            <a:r>
+              <a:rPr lang="en-US" dirty="0">
+                <a:latin typeface="Courier" pitchFamily="2" charset="0"/>
+              </a:rPr>
+              <a:t>});</a:t>
+            </a:r>
+            <a:br>
+              <a:rPr lang="en-US" dirty="0">
+                <a:solidFill>
+                  <a:schemeClr val="accent1">
+                    <a:lumMod val="75000"/>
+                  </a:schemeClr>
+                </a:solidFill>
+                <a:latin typeface="Courier" pitchFamily="2" charset="0"/>
+              </a:rPr>
+            </a:br>
+            <a:br>
+              <a:rPr lang="en-US" dirty="0">
+                <a:solidFill>
+                  <a:schemeClr val="accent1">
+                    <a:lumMod val="75000"/>
+                  </a:schemeClr>
+                </a:solidFill>
+                <a:latin typeface="Courier" pitchFamily="2" charset="0"/>
+              </a:rPr>
+            </a:br>
+            <a:br>
+              <a:rPr lang="en-US" dirty="0">
+                <a:solidFill>
+                  <a:schemeClr val="accent1">
+                    <a:lumMod val="75000"/>
+                  </a:schemeClr>
+                </a:solidFill>
+                <a:latin typeface="Courier" pitchFamily="2" charset="0"/>
+              </a:rPr>
+            </a:br>
+            <a:r>
+              <a:rPr lang="en-US" dirty="0">
+                <a:solidFill>
+                  <a:schemeClr val="accent1">
+                    <a:lumMod val="75000"/>
+                  </a:schemeClr>
+                </a:solidFill>
+                <a:latin typeface="Courier" pitchFamily="2" charset="0"/>
+              </a:rPr>
+              <a:t>it</a:t>
+            </a:r>
+            <a:r>
+              <a:rPr lang="en-US" dirty="0">
+                <a:latin typeface="Courier" pitchFamily="2" charset="0"/>
+              </a:rPr>
+              <a:t>(</a:t>
+            </a:r>
+            <a:r>
+              <a:rPr lang="en-US" dirty="0">
+                <a:solidFill>
+                  <a:schemeClr val="accent6">
+                    <a:lumMod val="75000"/>
+                  </a:schemeClr>
+                </a:solidFill>
+                <a:latin typeface="Courier" pitchFamily="2" charset="0"/>
+              </a:rPr>
+              <a:t>'should invoke </a:t>
+            </a:r>
+            <a:r>
+              <a:rPr lang="en-US" dirty="0" err="1">
+                <a:solidFill>
+                  <a:schemeClr val="accent6">
+                    <a:lumMod val="75000"/>
+                  </a:schemeClr>
+                </a:solidFill>
+                <a:latin typeface="Courier" pitchFamily="2" charset="0"/>
+              </a:rPr>
+              <a:t>Barfoo.fetchData</a:t>
+            </a:r>
+            <a:r>
+              <a:rPr lang="en-US" dirty="0">
+                <a:solidFill>
+                  <a:schemeClr val="accent6">
+                    <a:lumMod val="75000"/>
+                  </a:schemeClr>
+                </a:solidFill>
+                <a:latin typeface="Courier" pitchFamily="2" charset="0"/>
+              </a:rPr>
+              <a:t>'</a:t>
+            </a:r>
+            <a:r>
+              <a:rPr lang="en-US" dirty="0">
+                <a:latin typeface="Courier" pitchFamily="2" charset="0"/>
+              </a:rPr>
+              <a:t>, () =&gt; {</a:t>
+            </a:r>
+            <a:br>
+              <a:rPr lang="en-US" dirty="0">
+                <a:latin typeface="Courier" pitchFamily="2" charset="0"/>
+              </a:rPr>
+            </a:br>
+            <a:r>
+              <a:rPr lang="en-US" dirty="0">
+                <a:latin typeface="Courier" pitchFamily="2" charset="0"/>
+              </a:rPr>
+              <a:t>   expect(spy).</a:t>
+            </a:r>
+            <a:r>
+              <a:rPr lang="en-US" b="1" dirty="0" err="1">
+                <a:solidFill>
+                  <a:schemeClr val="accent1">
+                    <a:lumMod val="75000"/>
+                  </a:schemeClr>
+                </a:solidFill>
+                <a:latin typeface="Courier" pitchFamily="2" charset="0"/>
+              </a:rPr>
+              <a:t>toHaveBeenCalledWith</a:t>
+            </a:r>
+            <a:r>
+              <a:rPr lang="en-US" dirty="0">
+                <a:latin typeface="Courier" pitchFamily="2" charset="0"/>
+              </a:rPr>
+              <a:t>(</a:t>
+            </a:r>
+            <a:r>
+              <a:rPr lang="en-US" dirty="0" err="1">
+                <a:latin typeface="Courier" pitchFamily="2" charset="0"/>
+              </a:rPr>
+              <a:t>expectedId</a:t>
+            </a:r>
+            <a:r>
+              <a:rPr lang="en-US" dirty="0">
+                <a:latin typeface="Courier" pitchFamily="2" charset="0"/>
+              </a:rPr>
+              <a:t>);</a:t>
+            </a:r>
+            <a:br>
+              <a:rPr lang="en-US" dirty="0">
+                <a:latin typeface="Courier" pitchFamily="2" charset="0"/>
+              </a:rPr>
+            </a:br>
+            <a:r>
+              <a:rPr lang="en-US" dirty="0">
+                <a:latin typeface="Courier" pitchFamily="2" charset="0"/>
+              </a:rPr>
+              <a:t>});</a:t>
             </a:r>
           </a:p>
         </p:txBody>
@@ -5292,7 +5523,7 @@
     </p:spTree>
     <p:extLst>
       <p:ext uri="{BB962C8B-B14F-4D97-AF65-F5344CB8AC3E}">
-        <p14:creationId xmlns:p14="http://schemas.microsoft.com/office/powerpoint/2010/main" val="750028978"/>
+        <p14:creationId xmlns:p14="http://schemas.microsoft.com/office/powerpoint/2010/main" val="2046298533"/>
       </p:ext>
     </p:extLst>
   </p:cSld>
@@ -5324,7 +5555,7 @@
           <p:cNvPr id="2" name="Title 1">
             <a:extLst>
               <a:ext uri="{FF2B5EF4-FFF2-40B4-BE49-F238E27FC236}">
-                <a16:creationId xmlns:a16="http://schemas.microsoft.com/office/drawing/2014/main" id="{B49F7FB7-AFFA-6446-8B31-635750F7822B}"/>
+                <a16:creationId xmlns:a16="http://schemas.microsoft.com/office/drawing/2014/main" id="{0CAD8607-3D0E-F34C-A71C-E1FCD84847DA}"/>
               </a:ext>
             </a:extLst>
           </p:cNvPr>
@@ -5346,10 +5577,9 @@
               </a:rPr>
               <a:t>spyOnProperty</a:t>
             </a:r>
-            <a:r>
-              <a:rPr lang="en-US" dirty="0"/>
-              <a:t> example</a:t>
-            </a:r>
+            <a:endParaRPr lang="en-US" dirty="0">
+              <a:latin typeface="Courier" pitchFamily="2" charset="0"/>
+            </a:endParaRPr>
           </a:p>
         </p:txBody>
       </p:sp>
@@ -5358,7 +5588,7 @@
           <p:cNvPr id="3" name="Content Placeholder 2">
             <a:extLst>
               <a:ext uri="{FF2B5EF4-FFF2-40B4-BE49-F238E27FC236}">
-                <a16:creationId xmlns:a16="http://schemas.microsoft.com/office/drawing/2014/main" id="{8F19BA60-E734-C748-8980-8A388087B87A}"/>
+                <a16:creationId xmlns:a16="http://schemas.microsoft.com/office/drawing/2014/main" id="{3C783A4D-ADD3-FE47-A802-7E1E33980728}"/>
               </a:ext>
             </a:extLst>
           </p:cNvPr>
@@ -5374,448 +5604,19 @@
           <a:bodyPr/>
           <a:lstStyle/>
           <a:p>
-            <a:pPr marL="0" indent="0">
-              <a:buNone/>
-            </a:pPr>
-            <a:r>
-              <a:rPr lang="en-US" dirty="0">
-                <a:solidFill>
-                  <a:schemeClr val="accent2">
-                    <a:lumMod val="75000"/>
-                  </a:schemeClr>
-                </a:solidFill>
-                <a:latin typeface="Courier" pitchFamily="2" charset="0"/>
-              </a:rPr>
-              <a:t>let</a:t>
-            </a:r>
-            <a:r>
-              <a:rPr lang="en-US" dirty="0">
-                <a:latin typeface="Courier" pitchFamily="2" charset="0"/>
-              </a:rPr>
-              <a:t> </a:t>
-            </a:r>
-            <a:r>
-              <a:rPr lang="en-US" dirty="0" err="1">
-                <a:latin typeface="Courier" pitchFamily="2" charset="0"/>
-              </a:rPr>
-              <a:t>barfoo</a:t>
-            </a:r>
-            <a:r>
-              <a:rPr lang="en-US" dirty="0">
-                <a:latin typeface="Courier" pitchFamily="2" charset="0"/>
-              </a:rPr>
-              <a:t>: </a:t>
-            </a:r>
-            <a:r>
-              <a:rPr lang="en-US" dirty="0" err="1">
-                <a:latin typeface="Courier" pitchFamily="2" charset="0"/>
-              </a:rPr>
-              <a:t>Barfoo</a:t>
-            </a:r>
-            <a:r>
-              <a:rPr lang="en-US" dirty="0">
-                <a:latin typeface="Courier" pitchFamily="2" charset="0"/>
-              </a:rPr>
-              <a:t>;</a:t>
-            </a:r>
-            <a:br>
-              <a:rPr lang="en-US" dirty="0">
-                <a:latin typeface="Courier" pitchFamily="2" charset="0"/>
-              </a:rPr>
-            </a:br>
-            <a:r>
-              <a:rPr lang="en-US" dirty="0">
-                <a:solidFill>
-                  <a:schemeClr val="accent2">
-                    <a:lumMod val="75000"/>
-                  </a:schemeClr>
-                </a:solidFill>
-                <a:latin typeface="Courier" pitchFamily="2" charset="0"/>
-              </a:rPr>
-              <a:t>let</a:t>
-            </a:r>
-            <a:r>
-              <a:rPr lang="en-US" dirty="0">
-                <a:latin typeface="Courier" pitchFamily="2" charset="0"/>
-              </a:rPr>
-              <a:t> </a:t>
-            </a:r>
-            <a:r>
-              <a:rPr lang="en-US" dirty="0" err="1">
-                <a:latin typeface="Courier" pitchFamily="2" charset="0"/>
-              </a:rPr>
-              <a:t>propertySpy</a:t>
-            </a:r>
-            <a:r>
-              <a:rPr lang="en-US" dirty="0">
-                <a:latin typeface="Courier" pitchFamily="2" charset="0"/>
-              </a:rPr>
-              <a:t>: </a:t>
-            </a:r>
-            <a:r>
-              <a:rPr lang="en-US" b="1" dirty="0" err="1">
-                <a:solidFill>
-                  <a:schemeClr val="accent1">
-                    <a:lumMod val="75000"/>
-                  </a:schemeClr>
-                </a:solidFill>
-                <a:latin typeface="Courier" pitchFamily="2" charset="0"/>
-              </a:rPr>
-              <a:t>jasmine.Spy</a:t>
-            </a:r>
-            <a:r>
-              <a:rPr lang="en-US" dirty="0">
-                <a:latin typeface="Courier" pitchFamily="2" charset="0"/>
-              </a:rPr>
-              <a:t>;</a:t>
-            </a:r>
-            <a:br>
-              <a:rPr lang="en-US" dirty="0">
-                <a:latin typeface="Courier" pitchFamily="2" charset="0"/>
-              </a:rPr>
-            </a:br>
-            <a:br>
-              <a:rPr lang="en-US" dirty="0">
-                <a:latin typeface="Courier" pitchFamily="2" charset="0"/>
-              </a:rPr>
-            </a:br>
-            <a:r>
-              <a:rPr lang="en-US" dirty="0" err="1">
-                <a:solidFill>
-                  <a:schemeClr val="accent1">
-                    <a:lumMod val="75000"/>
-                  </a:schemeClr>
-                </a:solidFill>
-                <a:latin typeface="Courier" pitchFamily="2" charset="0"/>
-              </a:rPr>
-              <a:t>beforeEach</a:t>
-            </a:r>
-            <a:r>
-              <a:rPr lang="en-US" dirty="0">
-                <a:latin typeface="Courier" pitchFamily="2" charset="0"/>
-              </a:rPr>
-              <a:t>(</a:t>
-            </a:r>
-            <a:r>
-              <a:rPr lang="en-US" dirty="0">
-                <a:solidFill>
-                  <a:schemeClr val="accent2">
-                    <a:lumMod val="75000"/>
-                  </a:schemeClr>
-                </a:solidFill>
-                <a:latin typeface="Courier" pitchFamily="2" charset="0"/>
-              </a:rPr>
-              <a:t>function</a:t>
-            </a:r>
-            <a:r>
-              <a:rPr lang="en-US" dirty="0">
-                <a:latin typeface="Courier" pitchFamily="2" charset="0"/>
-              </a:rPr>
-              <a:t>() {</a:t>
-            </a:r>
-            <a:br>
-              <a:rPr lang="en-US" dirty="0">
-                <a:latin typeface="Courier" pitchFamily="2" charset="0"/>
-              </a:rPr>
-            </a:br>
-            <a:r>
-              <a:rPr lang="en-US" dirty="0">
-                <a:latin typeface="Courier" pitchFamily="2" charset="0"/>
-              </a:rPr>
-              <a:t>  </a:t>
-            </a:r>
-            <a:r>
-              <a:rPr lang="en-US" dirty="0" err="1">
-                <a:latin typeface="Courier" pitchFamily="2" charset="0"/>
-              </a:rPr>
-              <a:t>barfoo</a:t>
-            </a:r>
-            <a:r>
-              <a:rPr lang="en-US" dirty="0">
-                <a:latin typeface="Courier" pitchFamily="2" charset="0"/>
-              </a:rPr>
-              <a:t> = </a:t>
-            </a:r>
-            <a:r>
-              <a:rPr lang="en-US" dirty="0">
-                <a:solidFill>
-                  <a:schemeClr val="accent2">
-                    <a:lumMod val="75000"/>
-                  </a:schemeClr>
-                </a:solidFill>
-                <a:latin typeface="Courier" pitchFamily="2" charset="0"/>
-              </a:rPr>
-              <a:t>new</a:t>
-            </a:r>
-            <a:r>
-              <a:rPr lang="en-US" dirty="0">
-                <a:latin typeface="Courier" pitchFamily="2" charset="0"/>
-              </a:rPr>
-              <a:t> </a:t>
-            </a:r>
-            <a:r>
-              <a:rPr lang="en-US" dirty="0" err="1">
-                <a:latin typeface="Courier" pitchFamily="2" charset="0"/>
-              </a:rPr>
-              <a:t>Barfoo</a:t>
-            </a:r>
-            <a:r>
-              <a:rPr lang="en-US" dirty="0">
-                <a:latin typeface="Courier" pitchFamily="2" charset="0"/>
-              </a:rPr>
-              <a:t>(</a:t>
-            </a:r>
-            <a:r>
-              <a:rPr lang="en-US" dirty="0" err="1">
-                <a:latin typeface="Courier" pitchFamily="2" charset="0"/>
-              </a:rPr>
-              <a:t>expectedResult</a:t>
-            </a:r>
-            <a:r>
-              <a:rPr lang="en-US" dirty="0">
-                <a:latin typeface="Courier" pitchFamily="2" charset="0"/>
-              </a:rPr>
-              <a:t>);</a:t>
-            </a:r>
-            <a:br>
-              <a:rPr lang="en-US" dirty="0">
-                <a:latin typeface="Courier" pitchFamily="2" charset="0"/>
-              </a:rPr>
-            </a:br>
-            <a:r>
-              <a:rPr lang="en-US" dirty="0">
-                <a:latin typeface="Courier" pitchFamily="2" charset="0"/>
-              </a:rPr>
-              <a:t>  </a:t>
-            </a:r>
-            <a:r>
-              <a:rPr lang="en-US" dirty="0" err="1">
-                <a:latin typeface="Courier" pitchFamily="2" charset="0"/>
-              </a:rPr>
-              <a:t>foobar</a:t>
-            </a:r>
-            <a:r>
-              <a:rPr lang="en-US" dirty="0">
-                <a:latin typeface="Courier" pitchFamily="2" charset="0"/>
-              </a:rPr>
-              <a:t> = </a:t>
-            </a:r>
-            <a:r>
-              <a:rPr lang="en-US" dirty="0">
-                <a:solidFill>
-                  <a:schemeClr val="accent2">
-                    <a:lumMod val="75000"/>
-                  </a:schemeClr>
-                </a:solidFill>
-                <a:latin typeface="Courier" pitchFamily="2" charset="0"/>
-              </a:rPr>
-              <a:t>new</a:t>
-            </a:r>
-            <a:r>
-              <a:rPr lang="en-US" dirty="0">
-                <a:latin typeface="Courier" pitchFamily="2" charset="0"/>
-              </a:rPr>
-              <a:t> </a:t>
-            </a:r>
-            <a:r>
-              <a:rPr lang="en-US" dirty="0" err="1">
-                <a:latin typeface="Courier" pitchFamily="2" charset="0"/>
-              </a:rPr>
-              <a:t>Foobar</a:t>
-            </a:r>
-            <a:r>
-              <a:rPr lang="en-US" dirty="0">
-                <a:latin typeface="Courier" pitchFamily="2" charset="0"/>
-              </a:rPr>
-              <a:t>(</a:t>
-            </a:r>
-            <a:r>
-              <a:rPr lang="en-US" dirty="0" err="1">
-                <a:latin typeface="Courier" pitchFamily="2" charset="0"/>
-              </a:rPr>
-              <a:t>barfoo</a:t>
-            </a:r>
-            <a:r>
-              <a:rPr lang="en-US" dirty="0">
-                <a:latin typeface="Courier" pitchFamily="2" charset="0"/>
-              </a:rPr>
-              <a:t>);</a:t>
-            </a:r>
-            <a:br>
-              <a:rPr lang="en-US" dirty="0">
-                <a:latin typeface="Courier" pitchFamily="2" charset="0"/>
-              </a:rPr>
-            </a:br>
-            <a:r>
-              <a:rPr lang="en-US" dirty="0">
-                <a:latin typeface="Courier" pitchFamily="2" charset="0"/>
-              </a:rPr>
-              <a:t>  </a:t>
-            </a:r>
-            <a:r>
-              <a:rPr lang="en-US" dirty="0" err="1">
-                <a:latin typeface="Courier" pitchFamily="2" charset="0"/>
-              </a:rPr>
-              <a:t>propertySpy</a:t>
-            </a:r>
-            <a:r>
-              <a:rPr lang="en-US" dirty="0">
-                <a:latin typeface="Courier" pitchFamily="2" charset="0"/>
-              </a:rPr>
-              <a:t> = </a:t>
-            </a:r>
-            <a:r>
-              <a:rPr lang="en-US" b="1" dirty="0" err="1">
-                <a:solidFill>
-                  <a:schemeClr val="accent1">
-                    <a:lumMod val="75000"/>
-                  </a:schemeClr>
-                </a:solidFill>
-                <a:latin typeface="Courier" pitchFamily="2" charset="0"/>
-              </a:rPr>
-              <a:t>spyOnProperty</a:t>
-            </a:r>
-            <a:r>
-              <a:rPr lang="en-US" dirty="0">
-                <a:latin typeface="Courier" pitchFamily="2" charset="0"/>
-              </a:rPr>
-              <a:t>(</a:t>
-            </a:r>
-            <a:r>
-              <a:rPr lang="en-US" dirty="0" err="1">
-                <a:latin typeface="Courier" pitchFamily="2" charset="0"/>
-              </a:rPr>
-              <a:t>barfoo</a:t>
-            </a:r>
-            <a:r>
-              <a:rPr lang="en-US" dirty="0">
-                <a:latin typeface="Courier" pitchFamily="2" charset="0"/>
-              </a:rPr>
-              <a:t>, </a:t>
-            </a:r>
-            <a:r>
-              <a:rPr lang="en-US" dirty="0">
-                <a:solidFill>
-                  <a:schemeClr val="accent6">
-                    <a:lumMod val="75000"/>
-                  </a:schemeClr>
-                </a:solidFill>
-                <a:latin typeface="Courier" pitchFamily="2" charset="0"/>
-              </a:rPr>
-              <a:t>'name'</a:t>
-            </a:r>
-            <a:r>
-              <a:rPr lang="en-US" dirty="0">
-                <a:latin typeface="Courier" pitchFamily="2" charset="0"/>
-              </a:rPr>
-              <a:t>, </a:t>
-            </a:r>
-            <a:br>
-              <a:rPr lang="en-US" dirty="0">
-                <a:latin typeface="Courier" pitchFamily="2" charset="0"/>
-              </a:rPr>
-            </a:br>
-            <a:r>
-              <a:rPr lang="en-US" dirty="0">
-                <a:latin typeface="Courier" pitchFamily="2" charset="0"/>
-              </a:rPr>
-              <a:t>     </a:t>
-            </a:r>
-            <a:r>
-              <a:rPr lang="en-US" dirty="0">
-                <a:solidFill>
-                  <a:schemeClr val="accent6">
-                    <a:lumMod val="75000"/>
-                  </a:schemeClr>
-                </a:solidFill>
-                <a:latin typeface="Courier" pitchFamily="2" charset="0"/>
-              </a:rPr>
-              <a:t>'get'</a:t>
-            </a:r>
-            <a:r>
-              <a:rPr lang="en-US" dirty="0">
-                <a:latin typeface="Courier" pitchFamily="2" charset="0"/>
-              </a:rPr>
-              <a:t>)</a:t>
-            </a:r>
-            <a:br>
-              <a:rPr lang="en-US" dirty="0">
-                <a:latin typeface="Courier" pitchFamily="2" charset="0"/>
-              </a:rPr>
-            </a:br>
-            <a:r>
-              <a:rPr lang="en-US" dirty="0">
-                <a:latin typeface="Courier" pitchFamily="2" charset="0"/>
-              </a:rPr>
-              <a:t>     .</a:t>
-            </a:r>
-            <a:r>
-              <a:rPr lang="en-US" b="1" dirty="0" err="1">
-                <a:solidFill>
-                  <a:schemeClr val="accent1">
-                    <a:lumMod val="75000"/>
-                  </a:schemeClr>
-                </a:solidFill>
-                <a:latin typeface="Courier" pitchFamily="2" charset="0"/>
-              </a:rPr>
-              <a:t>and</a:t>
-            </a:r>
-            <a:r>
-              <a:rPr lang="en-US" dirty="0" err="1">
-                <a:latin typeface="Courier" pitchFamily="2" charset="0"/>
-              </a:rPr>
+            <a:r>
+              <a:rPr lang="en-US" dirty="0"/>
+              <a:t>Install a spy on a property onto an existing object that was installed with </a:t>
+            </a:r>
+            <a:r>
+              <a:rPr lang="en-US" dirty="0" err="1">
+                <a:latin typeface="Courier" pitchFamily="2" charset="0"/>
+              </a:rPr>
+              <a:t>Object.defineProperty</a:t>
+            </a:r>
+            <a:r>
+              <a:rPr lang="en-US" dirty="0"/>
               <a:t>.</a:t>
-            </a:r>
-            <a:r>
-              <a:rPr lang="en-US" b="1" dirty="0" err="1">
-                <a:solidFill>
-                  <a:schemeClr val="accent1">
-                    <a:lumMod val="75000"/>
-                  </a:schemeClr>
-                </a:solidFill>
-                <a:latin typeface="Courier" pitchFamily="2" charset="0"/>
-              </a:rPr>
-              <a:t>callThrough</a:t>
-            </a:r>
-            <a:r>
-              <a:rPr lang="en-US" dirty="0">
-                <a:latin typeface="Courier" pitchFamily="2" charset="0"/>
-              </a:rPr>
-              <a:t>();</a:t>
-            </a:r>
-            <a:br>
-              <a:rPr lang="en-US" dirty="0">
-                <a:latin typeface="Courier" pitchFamily="2" charset="0"/>
-              </a:rPr>
-            </a:br>
-            <a:r>
-              <a:rPr lang="en-US" dirty="0">
-                <a:latin typeface="Courier" pitchFamily="2" charset="0"/>
-              </a:rPr>
-              <a:t>  actual = </a:t>
-            </a:r>
-            <a:r>
-              <a:rPr lang="en-US" dirty="0" err="1">
-                <a:latin typeface="Courier" pitchFamily="2" charset="0"/>
-              </a:rPr>
-              <a:t>foobar.barfooName</a:t>
-            </a:r>
-            <a:r>
-              <a:rPr lang="en-US" dirty="0">
-                <a:latin typeface="Courier" pitchFamily="2" charset="0"/>
-              </a:rPr>
-              <a:t>;</a:t>
-            </a:r>
-            <a:br>
-              <a:rPr lang="en-US" dirty="0">
-                <a:latin typeface="Courier" pitchFamily="2" charset="0"/>
-              </a:rPr>
-            </a:br>
-            <a:r>
-              <a:rPr lang="en-US" dirty="0">
-                <a:latin typeface="Courier" pitchFamily="2" charset="0"/>
-              </a:rPr>
-              <a:t>});</a:t>
             </a:r>
           </a:p>
         </p:txBody>
@@ -5823,7 +5624,7 @@
     </p:spTree>
     <p:extLst>
       <p:ext uri="{BB962C8B-B14F-4D97-AF65-F5344CB8AC3E}">
-        <p14:creationId xmlns:p14="http://schemas.microsoft.com/office/powerpoint/2010/main" val="2561869717"/>
+        <p14:creationId xmlns:p14="http://schemas.microsoft.com/office/powerpoint/2010/main" val="750028978"/>
       </p:ext>
     </p:extLst>
   </p:cSld>
@@ -5980,7 +5781,7 @@
           <p:cNvPr id="2" name="Title 1">
             <a:extLst>
               <a:ext uri="{FF2B5EF4-FFF2-40B4-BE49-F238E27FC236}">
-                <a16:creationId xmlns:a16="http://schemas.microsoft.com/office/drawing/2014/main" id="{0CAD8607-3D0E-F34C-A71C-E1FCD84847DA}"/>
+                <a16:creationId xmlns:a16="http://schemas.microsoft.com/office/drawing/2014/main" id="{B49F7FB7-AFFA-6446-8B31-635750F7822B}"/>
               </a:ext>
             </a:extLst>
           </p:cNvPr>
@@ -6000,11 +5801,12 @@
               <a:rPr lang="en-US" dirty="0" err="1">
                 <a:latin typeface="Courier" pitchFamily="2" charset="0"/>
               </a:rPr>
-              <a:t>jasmine.createSpy</a:t>
-            </a:r>
-            <a:endParaRPr lang="en-US" dirty="0">
-              <a:latin typeface="Courier" pitchFamily="2" charset="0"/>
-            </a:endParaRPr>
+              <a:t>spyOnProperty</a:t>
+            </a:r>
+            <a:r>
+              <a:rPr lang="en-US" dirty="0"/>
+              <a:t> example</a:t>
+            </a:r>
           </a:p>
         </p:txBody>
       </p:sp>
@@ -6013,7 +5815,7 @@
           <p:cNvPr id="3" name="Content Placeholder 2">
             <a:extLst>
               <a:ext uri="{FF2B5EF4-FFF2-40B4-BE49-F238E27FC236}">
-                <a16:creationId xmlns:a16="http://schemas.microsoft.com/office/drawing/2014/main" id="{3C783A4D-ADD3-FE47-A802-7E1E33980728}"/>
+                <a16:creationId xmlns:a16="http://schemas.microsoft.com/office/drawing/2014/main" id="{8F19BA60-E734-C748-8980-8A388087B87A}"/>
               </a:ext>
             </a:extLst>
           </p:cNvPr>
@@ -6029,16 +5831,448 @@
           <a:bodyPr/>
           <a:lstStyle/>
           <a:p>
-            <a:r>
-              <a:rPr lang="en-US" dirty="0"/>
-              <a:t>Create a bare Spy object. </a:t>
-            </a:r>
-          </a:p>
-          <a:p>
-            <a:pPr lvl="1"/>
-            <a:r>
-              <a:rPr lang="en-US" dirty="0"/>
-              <a:t>This won't be installed anywhere and will not have any implementation behind it.</a:t>
+            <a:pPr marL="0" indent="0">
+              <a:buNone/>
+            </a:pPr>
+            <a:r>
+              <a:rPr lang="en-US" dirty="0">
+                <a:solidFill>
+                  <a:schemeClr val="accent2">
+                    <a:lumMod val="75000"/>
+                  </a:schemeClr>
+                </a:solidFill>
+                <a:latin typeface="Courier" pitchFamily="2" charset="0"/>
+              </a:rPr>
+              <a:t>let</a:t>
+            </a:r>
+            <a:r>
+              <a:rPr lang="en-US" dirty="0">
+                <a:latin typeface="Courier" pitchFamily="2" charset="0"/>
+              </a:rPr>
+              <a:t> </a:t>
+            </a:r>
+            <a:r>
+              <a:rPr lang="en-US" dirty="0" err="1">
+                <a:latin typeface="Courier" pitchFamily="2" charset="0"/>
+              </a:rPr>
+              <a:t>barfoo</a:t>
+            </a:r>
+            <a:r>
+              <a:rPr lang="en-US" dirty="0">
+                <a:latin typeface="Courier" pitchFamily="2" charset="0"/>
+              </a:rPr>
+              <a:t>: </a:t>
+            </a:r>
+            <a:r>
+              <a:rPr lang="en-US" dirty="0" err="1">
+                <a:latin typeface="Courier" pitchFamily="2" charset="0"/>
+              </a:rPr>
+              <a:t>Barfoo</a:t>
+            </a:r>
+            <a:r>
+              <a:rPr lang="en-US" dirty="0">
+                <a:latin typeface="Courier" pitchFamily="2" charset="0"/>
+              </a:rPr>
+              <a:t>;</a:t>
+            </a:r>
+            <a:br>
+              <a:rPr lang="en-US" dirty="0">
+                <a:latin typeface="Courier" pitchFamily="2" charset="0"/>
+              </a:rPr>
+            </a:br>
+            <a:r>
+              <a:rPr lang="en-US" dirty="0">
+                <a:solidFill>
+                  <a:schemeClr val="accent2">
+                    <a:lumMod val="75000"/>
+                  </a:schemeClr>
+                </a:solidFill>
+                <a:latin typeface="Courier" pitchFamily="2" charset="0"/>
+              </a:rPr>
+              <a:t>let</a:t>
+            </a:r>
+            <a:r>
+              <a:rPr lang="en-US" dirty="0">
+                <a:latin typeface="Courier" pitchFamily="2" charset="0"/>
+              </a:rPr>
+              <a:t> </a:t>
+            </a:r>
+            <a:r>
+              <a:rPr lang="en-US" dirty="0" err="1">
+                <a:latin typeface="Courier" pitchFamily="2" charset="0"/>
+              </a:rPr>
+              <a:t>propertySpy</a:t>
+            </a:r>
+            <a:r>
+              <a:rPr lang="en-US" dirty="0">
+                <a:latin typeface="Courier" pitchFamily="2" charset="0"/>
+              </a:rPr>
+              <a:t>: </a:t>
+            </a:r>
+            <a:r>
+              <a:rPr lang="en-US" b="1" dirty="0" err="1">
+                <a:solidFill>
+                  <a:schemeClr val="accent1">
+                    <a:lumMod val="75000"/>
+                  </a:schemeClr>
+                </a:solidFill>
+                <a:latin typeface="Courier" pitchFamily="2" charset="0"/>
+              </a:rPr>
+              <a:t>jasmine.Spy</a:t>
+            </a:r>
+            <a:r>
+              <a:rPr lang="en-US" dirty="0">
+                <a:latin typeface="Courier" pitchFamily="2" charset="0"/>
+              </a:rPr>
+              <a:t>;</a:t>
+            </a:r>
+            <a:br>
+              <a:rPr lang="en-US" dirty="0">
+                <a:latin typeface="Courier" pitchFamily="2" charset="0"/>
+              </a:rPr>
+            </a:br>
+            <a:br>
+              <a:rPr lang="en-US" dirty="0">
+                <a:latin typeface="Courier" pitchFamily="2" charset="0"/>
+              </a:rPr>
+            </a:br>
+            <a:r>
+              <a:rPr lang="en-US" dirty="0" err="1">
+                <a:solidFill>
+                  <a:schemeClr val="accent1">
+                    <a:lumMod val="75000"/>
+                  </a:schemeClr>
+                </a:solidFill>
+                <a:latin typeface="Courier" pitchFamily="2" charset="0"/>
+              </a:rPr>
+              <a:t>beforeEach</a:t>
+            </a:r>
+            <a:r>
+              <a:rPr lang="en-US" dirty="0">
+                <a:latin typeface="Courier" pitchFamily="2" charset="0"/>
+              </a:rPr>
+              <a:t>(</a:t>
+            </a:r>
+            <a:r>
+              <a:rPr lang="en-US" dirty="0">
+                <a:solidFill>
+                  <a:schemeClr val="accent2">
+                    <a:lumMod val="75000"/>
+                  </a:schemeClr>
+                </a:solidFill>
+                <a:latin typeface="Courier" pitchFamily="2" charset="0"/>
+              </a:rPr>
+              <a:t>function</a:t>
+            </a:r>
+            <a:r>
+              <a:rPr lang="en-US" dirty="0">
+                <a:latin typeface="Courier" pitchFamily="2" charset="0"/>
+              </a:rPr>
+              <a:t>() {</a:t>
+            </a:r>
+            <a:br>
+              <a:rPr lang="en-US" dirty="0">
+                <a:latin typeface="Courier" pitchFamily="2" charset="0"/>
+              </a:rPr>
+            </a:br>
+            <a:r>
+              <a:rPr lang="en-US" dirty="0">
+                <a:latin typeface="Courier" pitchFamily="2" charset="0"/>
+              </a:rPr>
+              <a:t>  </a:t>
+            </a:r>
+            <a:r>
+              <a:rPr lang="en-US" dirty="0" err="1">
+                <a:latin typeface="Courier" pitchFamily="2" charset="0"/>
+              </a:rPr>
+              <a:t>barfoo</a:t>
+            </a:r>
+            <a:r>
+              <a:rPr lang="en-US" dirty="0">
+                <a:latin typeface="Courier" pitchFamily="2" charset="0"/>
+              </a:rPr>
+              <a:t> = </a:t>
+            </a:r>
+            <a:r>
+              <a:rPr lang="en-US" dirty="0">
+                <a:solidFill>
+                  <a:schemeClr val="accent2">
+                    <a:lumMod val="75000"/>
+                  </a:schemeClr>
+                </a:solidFill>
+                <a:latin typeface="Courier" pitchFamily="2" charset="0"/>
+              </a:rPr>
+              <a:t>new</a:t>
+            </a:r>
+            <a:r>
+              <a:rPr lang="en-US" dirty="0">
+                <a:latin typeface="Courier" pitchFamily="2" charset="0"/>
+              </a:rPr>
+              <a:t> </a:t>
+            </a:r>
+            <a:r>
+              <a:rPr lang="en-US" dirty="0" err="1">
+                <a:latin typeface="Courier" pitchFamily="2" charset="0"/>
+              </a:rPr>
+              <a:t>Barfoo</a:t>
+            </a:r>
+            <a:r>
+              <a:rPr lang="en-US" dirty="0">
+                <a:latin typeface="Courier" pitchFamily="2" charset="0"/>
+              </a:rPr>
+              <a:t>(</a:t>
+            </a:r>
+            <a:r>
+              <a:rPr lang="en-US" dirty="0" err="1">
+                <a:latin typeface="Courier" pitchFamily="2" charset="0"/>
+              </a:rPr>
+              <a:t>expectedResult</a:t>
+            </a:r>
+            <a:r>
+              <a:rPr lang="en-US" dirty="0">
+                <a:latin typeface="Courier" pitchFamily="2" charset="0"/>
+              </a:rPr>
+              <a:t>);</a:t>
+            </a:r>
+            <a:br>
+              <a:rPr lang="en-US" dirty="0">
+                <a:latin typeface="Courier" pitchFamily="2" charset="0"/>
+              </a:rPr>
+            </a:br>
+            <a:r>
+              <a:rPr lang="en-US" dirty="0">
+                <a:latin typeface="Courier" pitchFamily="2" charset="0"/>
+              </a:rPr>
+              <a:t>  </a:t>
+            </a:r>
+            <a:r>
+              <a:rPr lang="en-US" dirty="0" err="1">
+                <a:latin typeface="Courier" pitchFamily="2" charset="0"/>
+              </a:rPr>
+              <a:t>foobar</a:t>
+            </a:r>
+            <a:r>
+              <a:rPr lang="en-US" dirty="0">
+                <a:latin typeface="Courier" pitchFamily="2" charset="0"/>
+              </a:rPr>
+              <a:t> = </a:t>
+            </a:r>
+            <a:r>
+              <a:rPr lang="en-US" dirty="0">
+                <a:solidFill>
+                  <a:schemeClr val="accent2">
+                    <a:lumMod val="75000"/>
+                  </a:schemeClr>
+                </a:solidFill>
+                <a:latin typeface="Courier" pitchFamily="2" charset="0"/>
+              </a:rPr>
+              <a:t>new</a:t>
+            </a:r>
+            <a:r>
+              <a:rPr lang="en-US" dirty="0">
+                <a:latin typeface="Courier" pitchFamily="2" charset="0"/>
+              </a:rPr>
+              <a:t> </a:t>
+            </a:r>
+            <a:r>
+              <a:rPr lang="en-US" dirty="0" err="1">
+                <a:latin typeface="Courier" pitchFamily="2" charset="0"/>
+              </a:rPr>
+              <a:t>Foobar</a:t>
+            </a:r>
+            <a:r>
+              <a:rPr lang="en-US" dirty="0">
+                <a:latin typeface="Courier" pitchFamily="2" charset="0"/>
+              </a:rPr>
+              <a:t>(</a:t>
+            </a:r>
+            <a:r>
+              <a:rPr lang="en-US" dirty="0" err="1">
+                <a:latin typeface="Courier" pitchFamily="2" charset="0"/>
+              </a:rPr>
+              <a:t>barfoo</a:t>
+            </a:r>
+            <a:r>
+              <a:rPr lang="en-US" dirty="0">
+                <a:latin typeface="Courier" pitchFamily="2" charset="0"/>
+              </a:rPr>
+              <a:t>);</a:t>
+            </a:r>
+            <a:br>
+              <a:rPr lang="en-US" dirty="0">
+                <a:latin typeface="Courier" pitchFamily="2" charset="0"/>
+              </a:rPr>
+            </a:br>
+            <a:r>
+              <a:rPr lang="en-US" dirty="0">
+                <a:latin typeface="Courier" pitchFamily="2" charset="0"/>
+              </a:rPr>
+              <a:t>  </a:t>
+            </a:r>
+            <a:r>
+              <a:rPr lang="en-US" dirty="0" err="1">
+                <a:latin typeface="Courier" pitchFamily="2" charset="0"/>
+              </a:rPr>
+              <a:t>propertySpy</a:t>
+            </a:r>
+            <a:r>
+              <a:rPr lang="en-US" dirty="0">
+                <a:latin typeface="Courier" pitchFamily="2" charset="0"/>
+              </a:rPr>
+              <a:t> = </a:t>
+            </a:r>
+            <a:r>
+              <a:rPr lang="en-US" b="1" dirty="0" err="1">
+                <a:solidFill>
+                  <a:schemeClr val="accent1">
+                    <a:lumMod val="75000"/>
+                  </a:schemeClr>
+                </a:solidFill>
+                <a:latin typeface="Courier" pitchFamily="2" charset="0"/>
+              </a:rPr>
+              <a:t>spyOnProperty</a:t>
+            </a:r>
+            <a:r>
+              <a:rPr lang="en-US" dirty="0">
+                <a:latin typeface="Courier" pitchFamily="2" charset="0"/>
+              </a:rPr>
+              <a:t>(</a:t>
+            </a:r>
+            <a:r>
+              <a:rPr lang="en-US" dirty="0" err="1">
+                <a:latin typeface="Courier" pitchFamily="2" charset="0"/>
+              </a:rPr>
+              <a:t>barfoo</a:t>
+            </a:r>
+            <a:r>
+              <a:rPr lang="en-US" dirty="0">
+                <a:latin typeface="Courier" pitchFamily="2" charset="0"/>
+              </a:rPr>
+              <a:t>, </a:t>
+            </a:r>
+            <a:r>
+              <a:rPr lang="en-US" dirty="0">
+                <a:solidFill>
+                  <a:schemeClr val="accent6">
+                    <a:lumMod val="75000"/>
+                  </a:schemeClr>
+                </a:solidFill>
+                <a:latin typeface="Courier" pitchFamily="2" charset="0"/>
+              </a:rPr>
+              <a:t>'name'</a:t>
+            </a:r>
+            <a:r>
+              <a:rPr lang="en-US" dirty="0">
+                <a:latin typeface="Courier" pitchFamily="2" charset="0"/>
+              </a:rPr>
+              <a:t>, </a:t>
+            </a:r>
+            <a:br>
+              <a:rPr lang="en-US" dirty="0">
+                <a:latin typeface="Courier" pitchFamily="2" charset="0"/>
+              </a:rPr>
+            </a:br>
+            <a:r>
+              <a:rPr lang="en-US" dirty="0">
+                <a:latin typeface="Courier" pitchFamily="2" charset="0"/>
+              </a:rPr>
+              <a:t>     </a:t>
+            </a:r>
+            <a:r>
+              <a:rPr lang="en-US" dirty="0">
+                <a:solidFill>
+                  <a:schemeClr val="accent6">
+                    <a:lumMod val="75000"/>
+                  </a:schemeClr>
+                </a:solidFill>
+                <a:latin typeface="Courier" pitchFamily="2" charset="0"/>
+              </a:rPr>
+              <a:t>'get'</a:t>
+            </a:r>
+            <a:r>
+              <a:rPr lang="en-US" dirty="0">
+                <a:latin typeface="Courier" pitchFamily="2" charset="0"/>
+              </a:rPr>
+              <a:t>)</a:t>
+            </a:r>
+            <a:br>
+              <a:rPr lang="en-US" dirty="0">
+                <a:latin typeface="Courier" pitchFamily="2" charset="0"/>
+              </a:rPr>
+            </a:br>
+            <a:r>
+              <a:rPr lang="en-US" dirty="0">
+                <a:latin typeface="Courier" pitchFamily="2" charset="0"/>
+              </a:rPr>
+              <a:t>     .</a:t>
+            </a:r>
+            <a:r>
+              <a:rPr lang="en-US" b="1" dirty="0" err="1">
+                <a:solidFill>
+                  <a:schemeClr val="accent1">
+                    <a:lumMod val="75000"/>
+                  </a:schemeClr>
+                </a:solidFill>
+                <a:latin typeface="Courier" pitchFamily="2" charset="0"/>
+              </a:rPr>
+              <a:t>and</a:t>
+            </a:r>
+            <a:r>
+              <a:rPr lang="en-US" dirty="0" err="1">
+                <a:latin typeface="Courier" pitchFamily="2" charset="0"/>
+              </a:rPr>
+              <a:t>.</a:t>
+            </a:r>
+            <a:r>
+              <a:rPr lang="en-US" b="1" dirty="0" err="1">
+                <a:solidFill>
+                  <a:schemeClr val="accent1">
+                    <a:lumMod val="75000"/>
+                  </a:schemeClr>
+                </a:solidFill>
+                <a:latin typeface="Courier" pitchFamily="2" charset="0"/>
+              </a:rPr>
+              <a:t>callThrough</a:t>
+            </a:r>
+            <a:r>
+              <a:rPr lang="en-US" dirty="0">
+                <a:latin typeface="Courier" pitchFamily="2" charset="0"/>
+              </a:rPr>
+              <a:t>();</a:t>
+            </a:r>
+            <a:br>
+              <a:rPr lang="en-US" dirty="0">
+                <a:latin typeface="Courier" pitchFamily="2" charset="0"/>
+              </a:rPr>
+            </a:br>
+            <a:r>
+              <a:rPr lang="en-US" dirty="0">
+                <a:latin typeface="Courier" pitchFamily="2" charset="0"/>
+              </a:rPr>
+              <a:t>  actual = </a:t>
+            </a:r>
+            <a:r>
+              <a:rPr lang="en-US" dirty="0" err="1">
+                <a:latin typeface="Courier" pitchFamily="2" charset="0"/>
+              </a:rPr>
+              <a:t>foobar.barfooName</a:t>
+            </a:r>
+            <a:r>
+              <a:rPr lang="en-US" dirty="0">
+                <a:latin typeface="Courier" pitchFamily="2" charset="0"/>
+              </a:rPr>
+              <a:t>;</a:t>
+            </a:r>
+            <a:br>
+              <a:rPr lang="en-US" dirty="0">
+                <a:latin typeface="Courier" pitchFamily="2" charset="0"/>
+              </a:rPr>
+            </a:br>
+            <a:r>
+              <a:rPr lang="en-US" dirty="0">
+                <a:latin typeface="Courier" pitchFamily="2" charset="0"/>
+              </a:rPr>
+              <a:t>});</a:t>
             </a:r>
           </a:p>
         </p:txBody>
@@ -6046,7 +6280,7 @@
     </p:spTree>
     <p:extLst>
       <p:ext uri="{BB962C8B-B14F-4D97-AF65-F5344CB8AC3E}">
-        <p14:creationId xmlns:p14="http://schemas.microsoft.com/office/powerpoint/2010/main" val="3865388083"/>
+        <p14:creationId xmlns:p14="http://schemas.microsoft.com/office/powerpoint/2010/main" val="2561869717"/>
       </p:ext>
     </p:extLst>
   </p:cSld>
@@ -6078,7 +6312,7 @@
           <p:cNvPr id="2" name="Title 1">
             <a:extLst>
               <a:ext uri="{FF2B5EF4-FFF2-40B4-BE49-F238E27FC236}">
-                <a16:creationId xmlns:a16="http://schemas.microsoft.com/office/drawing/2014/main" id="{4F980159-DD0A-DF4E-BB5D-C1F10F7E71CA}"/>
+                <a16:creationId xmlns:a16="http://schemas.microsoft.com/office/drawing/2014/main" id="{B49F7FB7-AFFA-6446-8B31-635750F7822B}"/>
               </a:ext>
             </a:extLst>
           </p:cNvPr>
@@ -6098,17 +6332,11 @@
               <a:rPr lang="en-US" dirty="0" err="1">
                 <a:latin typeface="Courier" pitchFamily="2" charset="0"/>
               </a:rPr>
-              <a:t>jasmine.createSpy</a:t>
-            </a:r>
-            <a:r>
-              <a:rPr lang="en-US" dirty="0">
-                <a:latin typeface="Courier" pitchFamily="2" charset="0"/>
-              </a:rPr>
-              <a:t> </a:t>
+              <a:t>spyOnProperty</a:t>
             </a:r>
             <a:r>
               <a:rPr lang="en-US" dirty="0"/>
-              <a:t>example</a:t>
+              <a:t> example</a:t>
             </a:r>
           </a:p>
         </p:txBody>
@@ -6118,7 +6346,7 @@
           <p:cNvPr id="3" name="Content Placeholder 2">
             <a:extLst>
               <a:ext uri="{FF2B5EF4-FFF2-40B4-BE49-F238E27FC236}">
-                <a16:creationId xmlns:a16="http://schemas.microsoft.com/office/drawing/2014/main" id="{EAADB446-8D8C-054F-979D-822652D41748}"/>
+                <a16:creationId xmlns:a16="http://schemas.microsoft.com/office/drawing/2014/main" id="{8F19BA60-E734-C748-8980-8A388087B87A}"/>
               </a:ext>
             </a:extLst>
           </p:cNvPr>
@@ -6131,9 +6359,7 @@
         </p:nvSpPr>
         <p:spPr/>
         <p:txBody>
-          <a:bodyPr>
-            <a:normAutofit/>
-          </a:bodyPr>
+          <a:bodyPr/>
           <a:lstStyle/>
           <a:p>
             <a:pPr marL="0" indent="0">
@@ -6152,6 +6378,24 @@
             </a:r>
             <a:r>
               <a:rPr lang="en-US" dirty="0">
+                <a:latin typeface="Courier" pitchFamily="2" charset="0"/>
+              </a:rPr>
+              <a:t> </a:t>
+            </a:r>
+            <a:r>
+              <a:rPr lang="en-US" dirty="0" err="1">
+                <a:latin typeface="Courier" pitchFamily="2" charset="0"/>
+              </a:rPr>
+              <a:t>propertySpy</a:t>
+            </a:r>
+            <a:r>
+              <a:rPr lang="en-US" dirty="0">
+                <a:latin typeface="Courier" pitchFamily="2" charset="0"/>
+              </a:rPr>
+              <a:t>: </a:t>
+            </a:r>
+            <a:r>
+              <a:rPr lang="en-US" b="1" dirty="0" err="1">
                 <a:solidFill>
                   <a:schemeClr val="accent1">
                     <a:lumMod val="75000"/>
@@ -6159,25 +6403,7 @@
                 </a:solidFill>
                 <a:latin typeface="Courier" pitchFamily="2" charset="0"/>
               </a:rPr>
-              <a:t> </a:t>
-            </a:r>
-            <a:r>
-              <a:rPr lang="en-US" dirty="0" err="1">
-                <a:latin typeface="Courier" pitchFamily="2" charset="0"/>
-              </a:rPr>
-              <a:t>barfoo</a:t>
-            </a:r>
-            <a:r>
-              <a:rPr lang="en-US" dirty="0">
-                <a:latin typeface="Courier" pitchFamily="2" charset="0"/>
-              </a:rPr>
-              <a:t>: </a:t>
-            </a:r>
-            <a:r>
-              <a:rPr lang="en-US" dirty="0" err="1">
-                <a:latin typeface="Courier" pitchFamily="2" charset="0"/>
-              </a:rPr>
-              <a:t>Barfoo</a:t>
+              <a:t>jasmine.Spy</a:t>
             </a:r>
             <a:r>
               <a:rPr lang="en-US" dirty="0">
@@ -6238,19 +6464,56 @@
               <a:rPr lang="en-US" dirty="0">
                 <a:latin typeface="Courier" pitchFamily="2" charset="0"/>
               </a:rPr>
-              <a:t>   </a:t>
-            </a:r>
-            <a:r>
-              <a:rPr lang="en-US" dirty="0" err="1">
-                <a:latin typeface="Courier" pitchFamily="2" charset="0"/>
-              </a:rPr>
-              <a:t>barfoo</a:t>
-            </a:r>
-            <a:r>
-              <a:rPr lang="en-US" dirty="0">
-                <a:latin typeface="Courier" pitchFamily="2" charset="0"/>
-              </a:rPr>
-              <a:t> = </a:t>
+              <a:t>   …</a:t>
+            </a:r>
+            <a:br>
+              <a:rPr lang="en-US" dirty="0">
+                <a:latin typeface="Courier" pitchFamily="2" charset="0"/>
+              </a:rPr>
+            </a:br>
+            <a:r>
+              <a:rPr lang="en-US" dirty="0">
+                <a:latin typeface="Courier" pitchFamily="2" charset="0"/>
+              </a:rPr>
+              <a:t>});</a:t>
+            </a:r>
+            <a:br>
+              <a:rPr lang="en-US">
+                <a:latin typeface="Courier" pitchFamily="2" charset="0"/>
+              </a:rPr>
+            </a:br>
+            <a:br>
+              <a:rPr lang="en-US">
+                <a:latin typeface="Courier" pitchFamily="2" charset="0"/>
+              </a:rPr>
+            </a:br>
+            <a:br>
+              <a:rPr lang="en-US" dirty="0">
+                <a:latin typeface="Courier" pitchFamily="2" charset="0"/>
+              </a:rPr>
+            </a:br>
+            <a:r>
+              <a:rPr lang="en-US" dirty="0">
+                <a:latin typeface="Courier" pitchFamily="2" charset="0"/>
+              </a:rPr>
+              <a:t>it(</a:t>
+            </a:r>
+            <a:r>
+              <a:rPr lang="en-US" dirty="0">
+                <a:solidFill>
+                  <a:schemeClr val="accent6">
+                    <a:lumMod val="75000"/>
+                  </a:schemeClr>
+                </a:solidFill>
+                <a:latin typeface="Courier" pitchFamily="2" charset="0"/>
+              </a:rPr>
+              <a:t>'should invoke name getter'</a:t>
+            </a:r>
+            <a:r>
+              <a:rPr lang="en-US" dirty="0">
+                <a:latin typeface="Courier" pitchFamily="2" charset="0"/>
+              </a:rPr>
+              <a:t>, </a:t>
             </a:r>
             <a:r>
               <a:rPr lang="en-US" dirty="0">
@@ -6261,19 +6524,35 @@
                 </a:solidFill>
                 <a:latin typeface="Courier" pitchFamily="2" charset="0"/>
               </a:rPr>
-              <a:t>new</a:t>
-            </a:r>
-            <a:r>
-              <a:rPr lang="en-US" dirty="0">
-                <a:latin typeface="Courier" pitchFamily="2" charset="0"/>
-              </a:rPr>
-              <a:t> </a:t>
-            </a:r>
-            <a:r>
-              <a:rPr lang="en-US" dirty="0" err="1">
-                <a:latin typeface="Courier" pitchFamily="2" charset="0"/>
-              </a:rPr>
-              <a:t>Barfoo</a:t>
+              <a:t>function</a:t>
+            </a:r>
+            <a:r>
+              <a:rPr lang="en-US" dirty="0">
+                <a:latin typeface="Courier" pitchFamily="2" charset="0"/>
+              </a:rPr>
+              <a:t>() {</a:t>
+            </a:r>
+            <a:br>
+              <a:rPr lang="en-US" dirty="0">
+                <a:latin typeface="Courier" pitchFamily="2" charset="0"/>
+              </a:rPr>
+            </a:br>
+            <a:r>
+              <a:rPr lang="en-US" dirty="0">
+                <a:latin typeface="Courier" pitchFamily="2" charset="0"/>
+              </a:rPr>
+              <a:t>  </a:t>
+            </a:r>
+            <a:r>
+              <a:rPr lang="en-US" dirty="0">
+                <a:solidFill>
+                  <a:schemeClr val="accent1">
+                    <a:lumMod val="75000"/>
+                  </a:schemeClr>
+                </a:solidFill>
+                <a:latin typeface="Courier" pitchFamily="2" charset="0"/>
+              </a:rPr>
+              <a:t>expect</a:t>
             </a:r>
             <a:r>
               <a:rPr lang="en-US" dirty="0">
@@ -6282,43 +6561,33 @@
               <a:t>(</a:t>
             </a:r>
             <a:r>
-              <a:rPr lang="en-US" dirty="0">
-                <a:solidFill>
-                  <a:schemeClr val="accent6">
-                    <a:lumMod val="75000"/>
-                  </a:schemeClr>
-                </a:solidFill>
-                <a:latin typeface="Courier" pitchFamily="2" charset="0"/>
-              </a:rPr>
-              <a:t>'</a:t>
-            </a:r>
-            <a:r>
-              <a:rPr lang="en-US" dirty="0" err="1">
-                <a:solidFill>
-                  <a:schemeClr val="accent6">
-                    <a:lumMod val="75000"/>
-                  </a:schemeClr>
-                </a:solidFill>
-                <a:latin typeface="Courier" pitchFamily="2" charset="0"/>
-              </a:rPr>
-              <a:t>barfoo</a:t>
-            </a:r>
-            <a:r>
-              <a:rPr lang="en-US" dirty="0">
-                <a:solidFill>
-                  <a:schemeClr val="accent6">
-                    <a:lumMod val="75000"/>
-                  </a:schemeClr>
-                </a:solidFill>
-                <a:latin typeface="Courier" pitchFamily="2" charset="0"/>
-              </a:rPr>
-              <a:t>'</a:t>
-            </a:r>
-            <a:r>
-              <a:rPr lang="en-US" dirty="0">
-                <a:latin typeface="Courier" pitchFamily="2" charset="0"/>
-              </a:rPr>
-              <a:t>);</a:t>
+              <a:rPr lang="en-US" dirty="0" err="1">
+                <a:latin typeface="Courier" pitchFamily="2" charset="0"/>
+              </a:rPr>
+              <a:t>propertySpy</a:t>
+            </a:r>
+            <a:r>
+              <a:rPr lang="en-US" dirty="0">
+                <a:latin typeface="Courier" pitchFamily="2" charset="0"/>
+              </a:rPr>
+              <a:t>).</a:t>
+            </a:r>
+            <a:r>
+              <a:rPr lang="en-US" b="1" dirty="0" err="1">
+                <a:solidFill>
+                  <a:schemeClr val="accent1">
+                    <a:lumMod val="75000"/>
+                  </a:schemeClr>
+                </a:solidFill>
+                <a:latin typeface="Courier" pitchFamily="2" charset="0"/>
+              </a:rPr>
+              <a:t>toHaveBeenCalled</a:t>
+            </a:r>
+            <a:r>
+              <a:rPr lang="en-US" dirty="0">
+                <a:latin typeface="Courier" pitchFamily="2" charset="0"/>
+              </a:rPr>
+              <a:t>();</a:t>
             </a:r>
             <a:br>
               <a:rPr lang="en-US" dirty="0">
@@ -6329,257 +6598,15 @@
               <a:rPr lang="en-US" dirty="0">
                 <a:latin typeface="Courier" pitchFamily="2" charset="0"/>
               </a:rPr>
-              <a:t>   </a:t>
-            </a:r>
-            <a:r>
-              <a:rPr lang="en-US" dirty="0" err="1">
-                <a:latin typeface="Courier" pitchFamily="2" charset="0"/>
-              </a:rPr>
-              <a:t>barfoo.fetchData</a:t>
-            </a:r>
-            <a:r>
-              <a:rPr lang="en-US" dirty="0">
-                <a:latin typeface="Courier" pitchFamily="2" charset="0"/>
-              </a:rPr>
-              <a:t> = </a:t>
-            </a:r>
-            <a:r>
-              <a:rPr lang="en-US" b="1" dirty="0" err="1">
-                <a:solidFill>
-                  <a:schemeClr val="accent1">
-                    <a:lumMod val="75000"/>
-                  </a:schemeClr>
-                </a:solidFill>
-                <a:latin typeface="Courier" pitchFamily="2" charset="0"/>
-              </a:rPr>
-              <a:t>jasmine.createSpy</a:t>
-            </a:r>
-            <a:r>
-              <a:rPr lang="en-US" b="1" dirty="0">
-                <a:solidFill>
-                  <a:schemeClr val="accent1">
-                    <a:lumMod val="75000"/>
-                  </a:schemeClr>
-                </a:solidFill>
-                <a:latin typeface="Courier" pitchFamily="2" charset="0"/>
-              </a:rPr>
-              <a:t>()</a:t>
-            </a:r>
-            <a:br>
-              <a:rPr lang="en-US" dirty="0">
-                <a:latin typeface="Courier" pitchFamily="2" charset="0"/>
-              </a:rPr>
-            </a:br>
-            <a:r>
-              <a:rPr lang="en-US" dirty="0">
-                <a:latin typeface="Courier" pitchFamily="2" charset="0"/>
-              </a:rPr>
-              <a:t>      .</a:t>
-            </a:r>
-            <a:r>
-              <a:rPr lang="en-US" b="1" dirty="0" err="1">
-                <a:solidFill>
-                  <a:schemeClr val="accent1">
-                    <a:lumMod val="75000"/>
-                  </a:schemeClr>
-                </a:solidFill>
-                <a:latin typeface="Courier" pitchFamily="2" charset="0"/>
-              </a:rPr>
-              <a:t>withArgs</a:t>
-            </a:r>
-            <a:r>
-              <a:rPr lang="en-US" dirty="0">
-                <a:latin typeface="Courier" pitchFamily="2" charset="0"/>
-              </a:rPr>
-              <a:t>(</a:t>
-            </a:r>
-            <a:r>
-              <a:rPr lang="en-US" dirty="0" err="1">
-                <a:latin typeface="Courier" pitchFamily="2" charset="0"/>
-              </a:rPr>
-              <a:t>expectedId</a:t>
-            </a:r>
-            <a:r>
-              <a:rPr lang="en-US" dirty="0">
-                <a:latin typeface="Courier" pitchFamily="2" charset="0"/>
-              </a:rPr>
-              <a:t>)</a:t>
-            </a:r>
-            <a:br>
-              <a:rPr lang="en-US" dirty="0">
-                <a:latin typeface="Courier" pitchFamily="2" charset="0"/>
-              </a:rPr>
-            </a:br>
-            <a:r>
-              <a:rPr lang="en-US" dirty="0">
-                <a:latin typeface="Courier" pitchFamily="2" charset="0"/>
-              </a:rPr>
-              <a:t>      .</a:t>
-            </a:r>
-            <a:r>
-              <a:rPr lang="en-US" b="1" dirty="0" err="1">
-                <a:solidFill>
-                  <a:schemeClr val="accent1">
-                    <a:lumMod val="75000"/>
-                  </a:schemeClr>
-                </a:solidFill>
-                <a:latin typeface="Courier" pitchFamily="2" charset="0"/>
-              </a:rPr>
-              <a:t>and</a:t>
-            </a:r>
-            <a:r>
-              <a:rPr lang="en-US" dirty="0" err="1">
-                <a:latin typeface="Courier" pitchFamily="2" charset="0"/>
-              </a:rPr>
-              <a:t>.</a:t>
-            </a:r>
-            <a:r>
-              <a:rPr lang="en-US" b="1" dirty="0" err="1">
-                <a:solidFill>
-                  <a:schemeClr val="accent1">
-                    <a:lumMod val="75000"/>
-                  </a:schemeClr>
-                </a:solidFill>
-                <a:latin typeface="Courier" pitchFamily="2" charset="0"/>
-              </a:rPr>
-              <a:t>returnValue</a:t>
-            </a:r>
-            <a:r>
-              <a:rPr lang="en-US" dirty="0">
-                <a:latin typeface="Courier" pitchFamily="2" charset="0"/>
-              </a:rPr>
-              <a:t>(</a:t>
-            </a:r>
-            <a:r>
-              <a:rPr lang="en-US" dirty="0" err="1">
-                <a:latin typeface="Courier" pitchFamily="2" charset="0"/>
-              </a:rPr>
-              <a:t>expectedResult</a:t>
-            </a:r>
-            <a:r>
-              <a:rPr lang="en-US" dirty="0">
-                <a:latin typeface="Courier" pitchFamily="2" charset="0"/>
-              </a:rPr>
-              <a:t>);</a:t>
-            </a:r>
-            <a:br>
-              <a:rPr lang="en-US" dirty="0">
-                <a:latin typeface="Courier" pitchFamily="2" charset="0"/>
-              </a:rPr>
-            </a:br>
-            <a:r>
-              <a:rPr lang="en-US" dirty="0">
-                <a:latin typeface="Courier" pitchFamily="2" charset="0"/>
-              </a:rPr>
-              <a:t>   </a:t>
-            </a:r>
-            <a:r>
-              <a:rPr lang="en-US" dirty="0" err="1">
-                <a:latin typeface="Courier" pitchFamily="2" charset="0"/>
-              </a:rPr>
-              <a:t>foobar</a:t>
-            </a:r>
-            <a:r>
-              <a:rPr lang="en-US" dirty="0">
-                <a:latin typeface="Courier" pitchFamily="2" charset="0"/>
-              </a:rPr>
-              <a:t> = </a:t>
-            </a:r>
-            <a:r>
-              <a:rPr lang="en-US" dirty="0">
-                <a:solidFill>
-                  <a:schemeClr val="accent2">
-                    <a:lumMod val="75000"/>
-                  </a:schemeClr>
-                </a:solidFill>
-                <a:latin typeface="Courier" pitchFamily="2" charset="0"/>
-              </a:rPr>
-              <a:t>new</a:t>
-            </a:r>
-            <a:r>
-              <a:rPr lang="en-US" dirty="0">
-                <a:latin typeface="Courier" pitchFamily="2" charset="0"/>
-              </a:rPr>
-              <a:t> </a:t>
-            </a:r>
-            <a:r>
-              <a:rPr lang="en-US" dirty="0" err="1">
-                <a:latin typeface="Courier" pitchFamily="2" charset="0"/>
-              </a:rPr>
-              <a:t>Foobar</a:t>
-            </a:r>
-            <a:r>
-              <a:rPr lang="en-US" dirty="0">
-                <a:latin typeface="Courier" pitchFamily="2" charset="0"/>
-              </a:rPr>
-              <a:t>(</a:t>
-            </a:r>
-            <a:r>
-              <a:rPr lang="en-US" dirty="0" err="1">
-                <a:latin typeface="Courier" pitchFamily="2" charset="0"/>
-              </a:rPr>
-              <a:t>barfoo</a:t>
-            </a:r>
-            <a:r>
-              <a:rPr lang="en-US" dirty="0">
-                <a:latin typeface="Courier" pitchFamily="2" charset="0"/>
-              </a:rPr>
-              <a:t>);</a:t>
-            </a:r>
-            <a:br>
-              <a:rPr lang="en-US" dirty="0">
-                <a:latin typeface="Courier" pitchFamily="2" charset="0"/>
-              </a:rPr>
-            </a:br>
-            <a:r>
-              <a:rPr lang="en-US" dirty="0">
-                <a:latin typeface="Courier" pitchFamily="2" charset="0"/>
-              </a:rPr>
-              <a:t>   actual = </a:t>
-            </a:r>
-            <a:r>
-              <a:rPr lang="en-US" dirty="0" err="1">
-                <a:latin typeface="Courier" pitchFamily="2" charset="0"/>
-              </a:rPr>
-              <a:t>foobar.getData</a:t>
-            </a:r>
-            <a:r>
-              <a:rPr lang="en-US" dirty="0">
-                <a:latin typeface="Courier" pitchFamily="2" charset="0"/>
-              </a:rPr>
-              <a:t>(</a:t>
-            </a:r>
-            <a:r>
-              <a:rPr lang="en-US" dirty="0" err="1">
-                <a:latin typeface="Courier" pitchFamily="2" charset="0"/>
-              </a:rPr>
-              <a:t>expectedId</a:t>
-            </a:r>
-            <a:r>
-              <a:rPr lang="en-US" dirty="0">
-                <a:latin typeface="Courier" pitchFamily="2" charset="0"/>
-              </a:rPr>
-              <a:t>);</a:t>
-            </a:r>
-            <a:br>
-              <a:rPr lang="en-US" dirty="0">
-                <a:latin typeface="Courier" pitchFamily="2" charset="0"/>
-              </a:rPr>
-            </a:br>
-            <a:r>
-              <a:rPr lang="en-US" dirty="0">
-                <a:latin typeface="Courier" pitchFamily="2" charset="0"/>
-              </a:rPr>
               <a:t>});</a:t>
             </a:r>
-            <a:endParaRPr lang="en-US" dirty="0"/>
           </a:p>
         </p:txBody>
       </p:sp>
     </p:spTree>
     <p:extLst>
       <p:ext uri="{BB962C8B-B14F-4D97-AF65-F5344CB8AC3E}">
-        <p14:creationId xmlns:p14="http://schemas.microsoft.com/office/powerpoint/2010/main" val="14476136"/>
+        <p14:creationId xmlns:p14="http://schemas.microsoft.com/office/powerpoint/2010/main" val="532421382"/>
       </p:ext>
     </p:extLst>
   </p:cSld>
@@ -6631,6 +6658,637 @@
               <a:rPr lang="en-US" dirty="0" err="1">
                 <a:latin typeface="Courier" pitchFamily="2" charset="0"/>
               </a:rPr>
+              <a:t>jasmine.createSpy</a:t>
+            </a:r>
+            <a:endParaRPr lang="en-US" dirty="0">
+              <a:latin typeface="Courier" pitchFamily="2" charset="0"/>
+            </a:endParaRPr>
+          </a:p>
+        </p:txBody>
+      </p:sp>
+      <p:sp>
+        <p:nvSpPr>
+          <p:cNvPr id="3" name="Content Placeholder 2">
+            <a:extLst>
+              <a:ext uri="{FF2B5EF4-FFF2-40B4-BE49-F238E27FC236}">
+                <a16:creationId xmlns:a16="http://schemas.microsoft.com/office/drawing/2014/main" id="{3C783A4D-ADD3-FE47-A802-7E1E33980728}"/>
+              </a:ext>
+            </a:extLst>
+          </p:cNvPr>
+          <p:cNvSpPr>
+            <a:spLocks noGrp="1"/>
+          </p:cNvSpPr>
+          <p:nvPr>
+            <p:ph idx="1"/>
+          </p:nvPr>
+        </p:nvSpPr>
+        <p:spPr/>
+        <p:txBody>
+          <a:bodyPr/>
+          <a:lstStyle/>
+          <a:p>
+            <a:r>
+              <a:rPr lang="en-US" dirty="0"/>
+              <a:t>Create a bare Spy object. </a:t>
+            </a:r>
+          </a:p>
+          <a:p>
+            <a:pPr lvl="1"/>
+            <a:r>
+              <a:rPr lang="en-US" dirty="0"/>
+              <a:t>This won't be installed anywhere and will not have any implementation behind it.</a:t>
+            </a:r>
+          </a:p>
+        </p:txBody>
+      </p:sp>
+    </p:spTree>
+    <p:extLst>
+      <p:ext uri="{BB962C8B-B14F-4D97-AF65-F5344CB8AC3E}">
+        <p14:creationId xmlns:p14="http://schemas.microsoft.com/office/powerpoint/2010/main" val="3865388083"/>
+      </p:ext>
+    </p:extLst>
+  </p:cSld>
+  <p:clrMapOvr>
+    <a:masterClrMapping/>
+  </p:clrMapOvr>
+</p:sld>
+</file>
+
+<file path=ppt/slides/slide23.xml><?xml version="1.0" encoding="utf-8"?>
+<p:sld xmlns:a="http://schemas.openxmlformats.org/drawingml/2006/main" xmlns:r="http://schemas.openxmlformats.org/officeDocument/2006/relationships" xmlns:p="http://schemas.openxmlformats.org/presentationml/2006/main">
+  <p:cSld>
+    <p:spTree>
+      <p:nvGrpSpPr>
+        <p:cNvPr id="1" name=""/>
+        <p:cNvGrpSpPr/>
+        <p:nvPr/>
+      </p:nvGrpSpPr>
+      <p:grpSpPr>
+        <a:xfrm>
+          <a:off x="0" y="0"/>
+          <a:ext cx="0" cy="0"/>
+          <a:chOff x="0" y="0"/>
+          <a:chExt cx="0" cy="0"/>
+        </a:xfrm>
+      </p:grpSpPr>
+      <p:sp>
+        <p:nvSpPr>
+          <p:cNvPr id="2" name="Title 1">
+            <a:extLst>
+              <a:ext uri="{FF2B5EF4-FFF2-40B4-BE49-F238E27FC236}">
+                <a16:creationId xmlns:a16="http://schemas.microsoft.com/office/drawing/2014/main" id="{4F980159-DD0A-DF4E-BB5D-C1F10F7E71CA}"/>
+              </a:ext>
+            </a:extLst>
+          </p:cNvPr>
+          <p:cNvSpPr>
+            <a:spLocks noGrp="1"/>
+          </p:cNvSpPr>
+          <p:nvPr>
+            <p:ph type="title"/>
+          </p:nvPr>
+        </p:nvSpPr>
+        <p:spPr/>
+        <p:txBody>
+          <a:bodyPr/>
+          <a:lstStyle/>
+          <a:p>
+            <a:r>
+              <a:rPr lang="en-US" dirty="0" err="1">
+                <a:latin typeface="Courier" pitchFamily="2" charset="0"/>
+              </a:rPr>
+              <a:t>jasmine.createSpy</a:t>
+            </a:r>
+            <a:r>
+              <a:rPr lang="en-US" dirty="0">
+                <a:latin typeface="Courier" pitchFamily="2" charset="0"/>
+              </a:rPr>
+              <a:t> </a:t>
+            </a:r>
+            <a:r>
+              <a:rPr lang="en-US" dirty="0"/>
+              <a:t>example</a:t>
+            </a:r>
+          </a:p>
+        </p:txBody>
+      </p:sp>
+      <p:sp>
+        <p:nvSpPr>
+          <p:cNvPr id="3" name="Content Placeholder 2">
+            <a:extLst>
+              <a:ext uri="{FF2B5EF4-FFF2-40B4-BE49-F238E27FC236}">
+                <a16:creationId xmlns:a16="http://schemas.microsoft.com/office/drawing/2014/main" id="{EAADB446-8D8C-054F-979D-822652D41748}"/>
+              </a:ext>
+            </a:extLst>
+          </p:cNvPr>
+          <p:cNvSpPr>
+            <a:spLocks noGrp="1"/>
+          </p:cNvSpPr>
+          <p:nvPr>
+            <p:ph idx="1"/>
+          </p:nvPr>
+        </p:nvSpPr>
+        <p:spPr/>
+        <p:txBody>
+          <a:bodyPr>
+            <a:normAutofit/>
+          </a:bodyPr>
+          <a:lstStyle/>
+          <a:p>
+            <a:pPr marL="0" indent="0">
+              <a:buNone/>
+            </a:pPr>
+            <a:r>
+              <a:rPr lang="en-US" dirty="0">
+                <a:solidFill>
+                  <a:schemeClr val="accent2">
+                    <a:lumMod val="75000"/>
+                  </a:schemeClr>
+                </a:solidFill>
+                <a:latin typeface="Courier" pitchFamily="2" charset="0"/>
+              </a:rPr>
+              <a:t>let</a:t>
+            </a:r>
+            <a:r>
+              <a:rPr lang="en-US" dirty="0">
+                <a:solidFill>
+                  <a:schemeClr val="accent1">
+                    <a:lumMod val="75000"/>
+                  </a:schemeClr>
+                </a:solidFill>
+                <a:latin typeface="Courier" pitchFamily="2" charset="0"/>
+              </a:rPr>
+              <a:t> </a:t>
+            </a:r>
+            <a:r>
+              <a:rPr lang="en-US" dirty="0" err="1">
+                <a:latin typeface="Courier" pitchFamily="2" charset="0"/>
+              </a:rPr>
+              <a:t>barfoo</a:t>
+            </a:r>
+            <a:r>
+              <a:rPr lang="en-US" dirty="0">
+                <a:latin typeface="Courier" pitchFamily="2" charset="0"/>
+              </a:rPr>
+              <a:t>: </a:t>
+            </a:r>
+            <a:r>
+              <a:rPr lang="en-US" dirty="0" err="1">
+                <a:latin typeface="Courier" pitchFamily="2" charset="0"/>
+              </a:rPr>
+              <a:t>Barfoo</a:t>
+            </a:r>
+            <a:r>
+              <a:rPr lang="en-US" dirty="0">
+                <a:latin typeface="Courier" pitchFamily="2" charset="0"/>
+              </a:rPr>
+              <a:t>;</a:t>
+            </a:r>
+            <a:br>
+              <a:rPr lang="en-US" dirty="0">
+                <a:latin typeface="Courier" pitchFamily="2" charset="0"/>
+              </a:rPr>
+            </a:br>
+            <a:br>
+              <a:rPr lang="en-US" dirty="0">
+                <a:latin typeface="Courier" pitchFamily="2" charset="0"/>
+              </a:rPr>
+            </a:br>
+            <a:r>
+              <a:rPr lang="en-US" dirty="0" err="1">
+                <a:solidFill>
+                  <a:schemeClr val="accent1">
+                    <a:lumMod val="75000"/>
+                  </a:schemeClr>
+                </a:solidFill>
+                <a:latin typeface="Courier" pitchFamily="2" charset="0"/>
+              </a:rPr>
+              <a:t>beforeEach</a:t>
+            </a:r>
+            <a:r>
+              <a:rPr lang="en-US" dirty="0">
+                <a:latin typeface="Courier" pitchFamily="2" charset="0"/>
+              </a:rPr>
+              <a:t>(</a:t>
+            </a:r>
+            <a:r>
+              <a:rPr lang="en-US" dirty="0">
+                <a:solidFill>
+                  <a:schemeClr val="accent2">
+                    <a:lumMod val="75000"/>
+                  </a:schemeClr>
+                </a:solidFill>
+                <a:latin typeface="Courier" pitchFamily="2" charset="0"/>
+              </a:rPr>
+              <a:t>function</a:t>
+            </a:r>
+            <a:r>
+              <a:rPr lang="en-US" dirty="0">
+                <a:latin typeface="Courier" pitchFamily="2" charset="0"/>
+              </a:rPr>
+              <a:t>() {</a:t>
+            </a:r>
+            <a:br>
+              <a:rPr lang="en-US" dirty="0">
+                <a:latin typeface="Courier" pitchFamily="2" charset="0"/>
+              </a:rPr>
+            </a:br>
+            <a:r>
+              <a:rPr lang="en-US" dirty="0">
+                <a:latin typeface="Courier" pitchFamily="2" charset="0"/>
+              </a:rPr>
+              <a:t>   </a:t>
+            </a:r>
+            <a:r>
+              <a:rPr lang="en-US" dirty="0" err="1">
+                <a:latin typeface="Courier" pitchFamily="2" charset="0"/>
+              </a:rPr>
+              <a:t>barfoo</a:t>
+            </a:r>
+            <a:r>
+              <a:rPr lang="en-US" dirty="0">
+                <a:latin typeface="Courier" pitchFamily="2" charset="0"/>
+              </a:rPr>
+              <a:t> = </a:t>
+            </a:r>
+            <a:r>
+              <a:rPr lang="en-US" dirty="0">
+                <a:solidFill>
+                  <a:schemeClr val="accent2">
+                    <a:lumMod val="75000"/>
+                  </a:schemeClr>
+                </a:solidFill>
+                <a:latin typeface="Courier" pitchFamily="2" charset="0"/>
+              </a:rPr>
+              <a:t>new</a:t>
+            </a:r>
+            <a:r>
+              <a:rPr lang="en-US" dirty="0">
+                <a:latin typeface="Courier" pitchFamily="2" charset="0"/>
+              </a:rPr>
+              <a:t> </a:t>
+            </a:r>
+            <a:r>
+              <a:rPr lang="en-US" dirty="0" err="1">
+                <a:latin typeface="Courier" pitchFamily="2" charset="0"/>
+              </a:rPr>
+              <a:t>Barfoo</a:t>
+            </a:r>
+            <a:r>
+              <a:rPr lang="en-US" dirty="0">
+                <a:latin typeface="Courier" pitchFamily="2" charset="0"/>
+              </a:rPr>
+              <a:t>(</a:t>
+            </a:r>
+            <a:r>
+              <a:rPr lang="en-US" dirty="0">
+                <a:solidFill>
+                  <a:schemeClr val="accent6">
+                    <a:lumMod val="75000"/>
+                  </a:schemeClr>
+                </a:solidFill>
+                <a:latin typeface="Courier" pitchFamily="2" charset="0"/>
+              </a:rPr>
+              <a:t>'</a:t>
+            </a:r>
+            <a:r>
+              <a:rPr lang="en-US" dirty="0" err="1">
+                <a:solidFill>
+                  <a:schemeClr val="accent6">
+                    <a:lumMod val="75000"/>
+                  </a:schemeClr>
+                </a:solidFill>
+                <a:latin typeface="Courier" pitchFamily="2" charset="0"/>
+              </a:rPr>
+              <a:t>barfoo</a:t>
+            </a:r>
+            <a:r>
+              <a:rPr lang="en-US" dirty="0">
+                <a:solidFill>
+                  <a:schemeClr val="accent6">
+                    <a:lumMod val="75000"/>
+                  </a:schemeClr>
+                </a:solidFill>
+                <a:latin typeface="Courier" pitchFamily="2" charset="0"/>
+              </a:rPr>
+              <a:t>'</a:t>
+            </a:r>
+            <a:r>
+              <a:rPr lang="en-US" dirty="0">
+                <a:latin typeface="Courier" pitchFamily="2" charset="0"/>
+              </a:rPr>
+              <a:t>);</a:t>
+            </a:r>
+            <a:br>
+              <a:rPr lang="en-US" dirty="0">
+                <a:latin typeface="Courier" pitchFamily="2" charset="0"/>
+              </a:rPr>
+            </a:br>
+            <a:r>
+              <a:rPr lang="en-US" dirty="0">
+                <a:latin typeface="Courier" pitchFamily="2" charset="0"/>
+              </a:rPr>
+              <a:t>   </a:t>
+            </a:r>
+            <a:r>
+              <a:rPr lang="en-US" dirty="0" err="1">
+                <a:latin typeface="Courier" pitchFamily="2" charset="0"/>
+              </a:rPr>
+              <a:t>barfoo.fetchData</a:t>
+            </a:r>
+            <a:r>
+              <a:rPr lang="en-US" dirty="0">
+                <a:latin typeface="Courier" pitchFamily="2" charset="0"/>
+              </a:rPr>
+              <a:t> = </a:t>
+            </a:r>
+            <a:r>
+              <a:rPr lang="en-US" b="1" dirty="0" err="1">
+                <a:solidFill>
+                  <a:schemeClr val="accent1">
+                    <a:lumMod val="75000"/>
+                  </a:schemeClr>
+                </a:solidFill>
+                <a:latin typeface="Courier" pitchFamily="2" charset="0"/>
+              </a:rPr>
+              <a:t>jasmine.createSpy</a:t>
+            </a:r>
+            <a:r>
+              <a:rPr lang="en-US" b="1" dirty="0">
+                <a:solidFill>
+                  <a:schemeClr val="accent1">
+                    <a:lumMod val="75000"/>
+                  </a:schemeClr>
+                </a:solidFill>
+                <a:latin typeface="Courier" pitchFamily="2" charset="0"/>
+              </a:rPr>
+              <a:t>()</a:t>
+            </a:r>
+            <a:br>
+              <a:rPr lang="en-US" dirty="0">
+                <a:latin typeface="Courier" pitchFamily="2" charset="0"/>
+              </a:rPr>
+            </a:br>
+            <a:r>
+              <a:rPr lang="en-US" dirty="0">
+                <a:latin typeface="Courier" pitchFamily="2" charset="0"/>
+              </a:rPr>
+              <a:t>      .</a:t>
+            </a:r>
+            <a:r>
+              <a:rPr lang="en-US" b="1" dirty="0" err="1">
+                <a:solidFill>
+                  <a:schemeClr val="accent1">
+                    <a:lumMod val="75000"/>
+                  </a:schemeClr>
+                </a:solidFill>
+                <a:latin typeface="Courier" pitchFamily="2" charset="0"/>
+              </a:rPr>
+              <a:t>withArgs</a:t>
+            </a:r>
+            <a:r>
+              <a:rPr lang="en-US" dirty="0">
+                <a:latin typeface="Courier" pitchFamily="2" charset="0"/>
+              </a:rPr>
+              <a:t>(</a:t>
+            </a:r>
+            <a:r>
+              <a:rPr lang="en-US" dirty="0" err="1">
+                <a:latin typeface="Courier" pitchFamily="2" charset="0"/>
+              </a:rPr>
+              <a:t>expectedId</a:t>
+            </a:r>
+            <a:r>
+              <a:rPr lang="en-US" dirty="0">
+                <a:latin typeface="Courier" pitchFamily="2" charset="0"/>
+              </a:rPr>
+              <a:t>)</a:t>
+            </a:r>
+            <a:br>
+              <a:rPr lang="en-US" dirty="0">
+                <a:latin typeface="Courier" pitchFamily="2" charset="0"/>
+              </a:rPr>
+            </a:br>
+            <a:r>
+              <a:rPr lang="en-US" dirty="0">
+                <a:latin typeface="Courier" pitchFamily="2" charset="0"/>
+              </a:rPr>
+              <a:t>      .</a:t>
+            </a:r>
+            <a:r>
+              <a:rPr lang="en-US" b="1" dirty="0" err="1">
+                <a:solidFill>
+                  <a:schemeClr val="accent1">
+                    <a:lumMod val="75000"/>
+                  </a:schemeClr>
+                </a:solidFill>
+                <a:latin typeface="Courier" pitchFamily="2" charset="0"/>
+              </a:rPr>
+              <a:t>and</a:t>
+            </a:r>
+            <a:r>
+              <a:rPr lang="en-US" dirty="0" err="1">
+                <a:latin typeface="Courier" pitchFamily="2" charset="0"/>
+              </a:rPr>
+              <a:t>.</a:t>
+            </a:r>
+            <a:r>
+              <a:rPr lang="en-US" b="1" dirty="0" err="1">
+                <a:solidFill>
+                  <a:schemeClr val="accent1">
+                    <a:lumMod val="75000"/>
+                  </a:schemeClr>
+                </a:solidFill>
+                <a:latin typeface="Courier" pitchFamily="2" charset="0"/>
+              </a:rPr>
+              <a:t>returnValue</a:t>
+            </a:r>
+            <a:r>
+              <a:rPr lang="en-US" dirty="0">
+                <a:latin typeface="Courier" pitchFamily="2" charset="0"/>
+              </a:rPr>
+              <a:t>(</a:t>
+            </a:r>
+            <a:r>
+              <a:rPr lang="en-US" dirty="0" err="1">
+                <a:latin typeface="Courier" pitchFamily="2" charset="0"/>
+              </a:rPr>
+              <a:t>expectedResult</a:t>
+            </a:r>
+            <a:r>
+              <a:rPr lang="en-US" dirty="0">
+                <a:latin typeface="Courier" pitchFamily="2" charset="0"/>
+              </a:rPr>
+              <a:t>);</a:t>
+            </a:r>
+            <a:br>
+              <a:rPr lang="en-US" dirty="0">
+                <a:latin typeface="Courier" pitchFamily="2" charset="0"/>
+              </a:rPr>
+            </a:br>
+            <a:r>
+              <a:rPr lang="en-US" dirty="0">
+                <a:latin typeface="Courier" pitchFamily="2" charset="0"/>
+              </a:rPr>
+              <a:t>   </a:t>
+            </a:r>
+            <a:r>
+              <a:rPr lang="en-US" dirty="0" err="1">
+                <a:latin typeface="Courier" pitchFamily="2" charset="0"/>
+              </a:rPr>
+              <a:t>foobar</a:t>
+            </a:r>
+            <a:r>
+              <a:rPr lang="en-US" dirty="0">
+                <a:latin typeface="Courier" pitchFamily="2" charset="0"/>
+              </a:rPr>
+              <a:t> = </a:t>
+            </a:r>
+            <a:r>
+              <a:rPr lang="en-US" dirty="0">
+                <a:solidFill>
+                  <a:schemeClr val="accent2">
+                    <a:lumMod val="75000"/>
+                  </a:schemeClr>
+                </a:solidFill>
+                <a:latin typeface="Courier" pitchFamily="2" charset="0"/>
+              </a:rPr>
+              <a:t>new</a:t>
+            </a:r>
+            <a:r>
+              <a:rPr lang="en-US" dirty="0">
+                <a:latin typeface="Courier" pitchFamily="2" charset="0"/>
+              </a:rPr>
+              <a:t> </a:t>
+            </a:r>
+            <a:r>
+              <a:rPr lang="en-US" dirty="0" err="1">
+                <a:latin typeface="Courier" pitchFamily="2" charset="0"/>
+              </a:rPr>
+              <a:t>Foobar</a:t>
+            </a:r>
+            <a:r>
+              <a:rPr lang="en-US" dirty="0">
+                <a:latin typeface="Courier" pitchFamily="2" charset="0"/>
+              </a:rPr>
+              <a:t>(</a:t>
+            </a:r>
+            <a:r>
+              <a:rPr lang="en-US" dirty="0" err="1">
+                <a:latin typeface="Courier" pitchFamily="2" charset="0"/>
+              </a:rPr>
+              <a:t>barfoo</a:t>
+            </a:r>
+            <a:r>
+              <a:rPr lang="en-US" dirty="0">
+                <a:latin typeface="Courier" pitchFamily="2" charset="0"/>
+              </a:rPr>
+              <a:t>);</a:t>
+            </a:r>
+            <a:br>
+              <a:rPr lang="en-US" dirty="0">
+                <a:latin typeface="Courier" pitchFamily="2" charset="0"/>
+              </a:rPr>
+            </a:br>
+            <a:r>
+              <a:rPr lang="en-US" dirty="0">
+                <a:latin typeface="Courier" pitchFamily="2" charset="0"/>
+              </a:rPr>
+              <a:t>   actual = </a:t>
+            </a:r>
+            <a:r>
+              <a:rPr lang="en-US" dirty="0" err="1">
+                <a:latin typeface="Courier" pitchFamily="2" charset="0"/>
+              </a:rPr>
+              <a:t>foobar.getData</a:t>
+            </a:r>
+            <a:r>
+              <a:rPr lang="en-US" dirty="0">
+                <a:latin typeface="Courier" pitchFamily="2" charset="0"/>
+              </a:rPr>
+              <a:t>(</a:t>
+            </a:r>
+            <a:r>
+              <a:rPr lang="en-US" dirty="0" err="1">
+                <a:latin typeface="Courier" pitchFamily="2" charset="0"/>
+              </a:rPr>
+              <a:t>expectedId</a:t>
+            </a:r>
+            <a:r>
+              <a:rPr lang="en-US" dirty="0">
+                <a:latin typeface="Courier" pitchFamily="2" charset="0"/>
+              </a:rPr>
+              <a:t>);</a:t>
+            </a:r>
+            <a:br>
+              <a:rPr lang="en-US" dirty="0">
+                <a:latin typeface="Courier" pitchFamily="2" charset="0"/>
+              </a:rPr>
+            </a:br>
+            <a:r>
+              <a:rPr lang="en-US" dirty="0">
+                <a:latin typeface="Courier" pitchFamily="2" charset="0"/>
+              </a:rPr>
+              <a:t>});</a:t>
+            </a:r>
+            <a:endParaRPr lang="en-US" dirty="0"/>
+          </a:p>
+        </p:txBody>
+      </p:sp>
+    </p:spTree>
+    <p:extLst>
+      <p:ext uri="{BB962C8B-B14F-4D97-AF65-F5344CB8AC3E}">
+        <p14:creationId xmlns:p14="http://schemas.microsoft.com/office/powerpoint/2010/main" val="14476136"/>
+      </p:ext>
+    </p:extLst>
+  </p:cSld>
+  <p:clrMapOvr>
+    <a:masterClrMapping/>
+  </p:clrMapOvr>
+</p:sld>
+</file>
+
+<file path=ppt/slides/slide24.xml><?xml version="1.0" encoding="utf-8"?>
+<p:sld xmlns:a="http://schemas.openxmlformats.org/drawingml/2006/main" xmlns:r="http://schemas.openxmlformats.org/officeDocument/2006/relationships" xmlns:p="http://schemas.openxmlformats.org/presentationml/2006/main">
+  <p:cSld>
+    <p:spTree>
+      <p:nvGrpSpPr>
+        <p:cNvPr id="1" name=""/>
+        <p:cNvGrpSpPr/>
+        <p:nvPr/>
+      </p:nvGrpSpPr>
+      <p:grpSpPr>
+        <a:xfrm>
+          <a:off x="0" y="0"/>
+          <a:ext cx="0" cy="0"/>
+          <a:chOff x="0" y="0"/>
+          <a:chExt cx="0" cy="0"/>
+        </a:xfrm>
+      </p:grpSpPr>
+      <p:sp>
+        <p:nvSpPr>
+          <p:cNvPr id="2" name="Title 1">
+            <a:extLst>
+              <a:ext uri="{FF2B5EF4-FFF2-40B4-BE49-F238E27FC236}">
+                <a16:creationId xmlns:a16="http://schemas.microsoft.com/office/drawing/2014/main" id="{0CAD8607-3D0E-F34C-A71C-E1FCD84847DA}"/>
+              </a:ext>
+            </a:extLst>
+          </p:cNvPr>
+          <p:cNvSpPr>
+            <a:spLocks noGrp="1"/>
+          </p:cNvSpPr>
+          <p:nvPr>
+            <p:ph type="title"/>
+          </p:nvPr>
+        </p:nvSpPr>
+        <p:spPr/>
+        <p:txBody>
+          <a:bodyPr/>
+          <a:lstStyle/>
+          <a:p>
+            <a:r>
+              <a:rPr lang="en-US" dirty="0" err="1">
+                <a:latin typeface="Courier" pitchFamily="2" charset="0"/>
+              </a:rPr>
               <a:t>jasmine.createSpyObj</a:t>
             </a:r>
             <a:endParaRPr lang="en-US" dirty="0">
@@ -6706,7 +7364,7 @@
 </p:sld>
 </file>
 
-<file path=ppt/slides/slide23.xml><?xml version="1.0" encoding="utf-8"?>
+<file path=ppt/slides/slide25.xml><?xml version="1.0" encoding="utf-8"?>
 <p:sld xmlns:a="http://schemas.openxmlformats.org/drawingml/2006/main" xmlns:r="http://schemas.openxmlformats.org/officeDocument/2006/relationships" xmlns:p="http://schemas.openxmlformats.org/presentationml/2006/main">
   <p:cSld>
     <p:spTree>

--- a/presentations/Introduction to Jasmine Framework.pptx
+++ b/presentations/Introduction to Jasmine Framework.pptx
@@ -28,8 +28,10 @@
     <p:sldId id="282" r:id="rId22"/>
     <p:sldId id="274" r:id="rId23"/>
     <p:sldId id="279" r:id="rId24"/>
-    <p:sldId id="275" r:id="rId25"/>
-    <p:sldId id="280" r:id="rId26"/>
+    <p:sldId id="283" r:id="rId25"/>
+    <p:sldId id="275" r:id="rId26"/>
+    <p:sldId id="280" r:id="rId27"/>
+    <p:sldId id="284" r:id="rId28"/>
   </p:sldIdLst>
   <p:sldSz cx="12192000" cy="6858000"/>
   <p:notesSz cx="6858000" cy="9144000"/>
@@ -4655,7 +4657,7 @@
             </a:r>
             <a:r>
               <a:rPr lang="en-US" dirty="0"/>
-              <a:t> example: setting expectations</a:t>
+              <a:t> expectations</a:t>
             </a:r>
           </a:p>
         </p:txBody>
@@ -5249,7 +5251,7 @@
             </a:r>
             <a:r>
               <a:rPr lang="en-US" dirty="0"/>
-              <a:t> example: interaction verification</a:t>
+              <a:t> verification</a:t>
             </a:r>
           </a:p>
         </p:txBody>
@@ -5475,7 +5477,24 @@
               <a:rPr lang="en-US" dirty="0">
                 <a:latin typeface="Courier" pitchFamily="2" charset="0"/>
               </a:rPr>
-              <a:t>   expect(spy).</a:t>
+              <a:t>   </a:t>
+            </a:r>
+            <a:r>
+              <a:rPr lang="en-US" dirty="0">
+                <a:solidFill>
+                  <a:schemeClr val="accent1">
+                    <a:lumMod val="75000"/>
+                  </a:schemeClr>
+                </a:solidFill>
+                <a:latin typeface="Courier" pitchFamily="2" charset="0"/>
+              </a:rPr>
+              <a:t>expect</a:t>
+            </a:r>
+            <a:r>
+              <a:rPr lang="en-US" dirty="0">
+                <a:latin typeface="Courier" pitchFamily="2" charset="0"/>
+              </a:rPr>
+              <a:t>(spy).</a:t>
             </a:r>
             <a:r>
               <a:rPr lang="en-US" b="1" dirty="0" err="1">
@@ -5805,7 +5824,7 @@
             </a:r>
             <a:r>
               <a:rPr lang="en-US" dirty="0"/>
-              <a:t> example</a:t>
+              <a:t> expectations</a:t>
             </a:r>
           </a:p>
         </p:txBody>
@@ -6336,7 +6355,7 @@
             </a:r>
             <a:r>
               <a:rPr lang="en-US" dirty="0"/>
-              <a:t> example</a:t>
+              <a:t> verification</a:t>
             </a:r>
           </a:p>
         </p:txBody>
@@ -6478,25 +6497,36 @@
               <a:t>});</a:t>
             </a:r>
             <a:br>
-              <a:rPr lang="en-US">
-                <a:latin typeface="Courier" pitchFamily="2" charset="0"/>
-              </a:rPr>
-            </a:br>
-            <a:br>
-              <a:rPr lang="en-US">
-                <a:latin typeface="Courier" pitchFamily="2" charset="0"/>
-              </a:rPr>
-            </a:br>
-            <a:br>
-              <a:rPr lang="en-US" dirty="0">
-                <a:latin typeface="Courier" pitchFamily="2" charset="0"/>
-              </a:rPr>
-            </a:br>
-            <a:r>
-              <a:rPr lang="en-US" dirty="0">
-                <a:latin typeface="Courier" pitchFamily="2" charset="0"/>
-              </a:rPr>
-              <a:t>it(</a:t>
+              <a:rPr lang="en-US" dirty="0">
+                <a:latin typeface="Courier" pitchFamily="2" charset="0"/>
+              </a:rPr>
+            </a:br>
+            <a:br>
+              <a:rPr lang="en-US" dirty="0">
+                <a:latin typeface="Courier" pitchFamily="2" charset="0"/>
+              </a:rPr>
+            </a:br>
+            <a:br>
+              <a:rPr lang="en-US" dirty="0">
+                <a:latin typeface="Courier" pitchFamily="2" charset="0"/>
+              </a:rPr>
+            </a:br>
+            <a:r>
+              <a:rPr lang="en-US" dirty="0">
+                <a:solidFill>
+                  <a:schemeClr val="accent1">
+                    <a:lumMod val="75000"/>
+                  </a:schemeClr>
+                </a:solidFill>
+                <a:latin typeface="Courier" pitchFamily="2" charset="0"/>
+              </a:rPr>
+              <a:t>it</a:t>
+            </a:r>
+            <a:r>
+              <a:rPr lang="en-US" dirty="0">
+                <a:latin typeface="Courier" pitchFamily="2" charset="0"/>
+              </a:rPr>
+              <a:t>(</a:t>
             </a:r>
             <a:r>
               <a:rPr lang="en-US" dirty="0">
@@ -6766,7 +6796,7 @@
             </a:r>
             <a:r>
               <a:rPr lang="en-US" dirty="0"/>
-              <a:t>example</a:t>
+              <a:t>expectations</a:t>
             </a:r>
           </a:p>
         </p:txBody>
@@ -7269,7 +7299,7 @@
           <p:cNvPr id="2" name="Title 1">
             <a:extLst>
               <a:ext uri="{FF2B5EF4-FFF2-40B4-BE49-F238E27FC236}">
-                <a16:creationId xmlns:a16="http://schemas.microsoft.com/office/drawing/2014/main" id="{0CAD8607-3D0E-F34C-A71C-E1FCD84847DA}"/>
+                <a16:creationId xmlns:a16="http://schemas.microsoft.com/office/drawing/2014/main" id="{4F980159-DD0A-DF4E-BB5D-C1F10F7E71CA}"/>
               </a:ext>
             </a:extLst>
           </p:cNvPr>
@@ -7289,11 +7319,18 @@
               <a:rPr lang="en-US" dirty="0" err="1">
                 <a:latin typeface="Courier" pitchFamily="2" charset="0"/>
               </a:rPr>
-              <a:t>jasmine.createSpyObj</a:t>
-            </a:r>
-            <a:endParaRPr lang="en-US" dirty="0">
-              <a:latin typeface="Courier" pitchFamily="2" charset="0"/>
-            </a:endParaRPr>
+              <a:t>jasmine.createSpy</a:t>
+            </a:r>
+            <a:r>
+              <a:rPr lang="en-US" dirty="0">
+                <a:latin typeface="Courier" pitchFamily="2" charset="0"/>
+              </a:rPr>
+              <a:t> </a:t>
+            </a:r>
+            <a:r>
+              <a:rPr lang="en-US" dirty="0"/>
+              <a:t>verification</a:t>
+            </a:r>
           </a:p>
         </p:txBody>
       </p:sp>
@@ -7302,7 +7339,7 @@
           <p:cNvPr id="3" name="Content Placeholder 2">
             <a:extLst>
               <a:ext uri="{FF2B5EF4-FFF2-40B4-BE49-F238E27FC236}">
-                <a16:creationId xmlns:a16="http://schemas.microsoft.com/office/drawing/2014/main" id="{3C783A4D-ADD3-FE47-A802-7E1E33980728}"/>
+                <a16:creationId xmlns:a16="http://schemas.microsoft.com/office/drawing/2014/main" id="{EAADB446-8D8C-054F-979D-822652D41748}"/>
               </a:ext>
             </a:extLst>
           </p:cNvPr>
@@ -7315,46 +7352,319 @@
         </p:nvSpPr>
         <p:spPr/>
         <p:txBody>
-          <a:bodyPr/>
+          <a:bodyPr>
+            <a:normAutofit lnSpcReduction="10000"/>
+          </a:bodyPr>
           <a:lstStyle/>
           <a:p>
-            <a:r>
-              <a:rPr lang="en-US" dirty="0"/>
-              <a:t>Create an object with multiple </a:t>
-            </a:r>
-            <a:r>
-              <a:rPr lang="en-US" dirty="0" err="1">
-                <a:latin typeface="Courier" pitchFamily="2" charset="0"/>
-              </a:rPr>
-              <a:t>Spy</a:t>
-            </a:r>
-            <a:r>
-              <a:rPr lang="en-US" dirty="0" err="1"/>
-              <a:t>s</a:t>
-            </a:r>
-            <a:r>
-              <a:rPr lang="en-US" dirty="0"/>
-              <a:t> as its members.</a:t>
-            </a:r>
-          </a:p>
-          <a:p>
-            <a:r>
-              <a:rPr lang="en-US" dirty="0"/>
-              <a:t>Takes an array of strings or an object for method names that should be spied.</a:t>
-            </a:r>
-          </a:p>
-          <a:p>
-            <a:r>
-              <a:rPr lang="en-US" dirty="0"/>
-              <a:t>Optionally takes an array of strings or an object for property names that should be spied.</a:t>
-            </a:r>
+            <a:pPr marL="0" indent="0">
+              <a:buNone/>
+            </a:pPr>
+            <a:r>
+              <a:rPr lang="en-US" dirty="0">
+                <a:solidFill>
+                  <a:schemeClr val="accent2">
+                    <a:lumMod val="75000"/>
+                  </a:schemeClr>
+                </a:solidFill>
+                <a:latin typeface="Courier" pitchFamily="2" charset="0"/>
+              </a:rPr>
+              <a:t>let</a:t>
+            </a:r>
+            <a:r>
+              <a:rPr lang="en-US" dirty="0">
+                <a:solidFill>
+                  <a:schemeClr val="accent1">
+                    <a:lumMod val="75000"/>
+                  </a:schemeClr>
+                </a:solidFill>
+                <a:latin typeface="Courier" pitchFamily="2" charset="0"/>
+              </a:rPr>
+              <a:t> </a:t>
+            </a:r>
+            <a:r>
+              <a:rPr lang="en-US" dirty="0" err="1">
+                <a:latin typeface="Courier" pitchFamily="2" charset="0"/>
+              </a:rPr>
+              <a:t>barfoo</a:t>
+            </a:r>
+            <a:r>
+              <a:rPr lang="en-US" dirty="0">
+                <a:latin typeface="Courier" pitchFamily="2" charset="0"/>
+              </a:rPr>
+              <a:t>: </a:t>
+            </a:r>
+            <a:r>
+              <a:rPr lang="en-US" dirty="0" err="1">
+                <a:latin typeface="Courier" pitchFamily="2" charset="0"/>
+              </a:rPr>
+              <a:t>Barfoo</a:t>
+            </a:r>
+            <a:r>
+              <a:rPr lang="en-US" dirty="0">
+                <a:latin typeface="Courier" pitchFamily="2" charset="0"/>
+              </a:rPr>
+              <a:t>;</a:t>
+            </a:r>
+            <a:br>
+              <a:rPr lang="en-US" dirty="0">
+                <a:latin typeface="Courier" pitchFamily="2" charset="0"/>
+              </a:rPr>
+            </a:br>
+            <a:br>
+              <a:rPr lang="en-US" dirty="0">
+                <a:latin typeface="Courier" pitchFamily="2" charset="0"/>
+              </a:rPr>
+            </a:br>
+            <a:r>
+              <a:rPr lang="en-US" dirty="0" err="1">
+                <a:solidFill>
+                  <a:schemeClr val="accent1">
+                    <a:lumMod val="75000"/>
+                  </a:schemeClr>
+                </a:solidFill>
+                <a:latin typeface="Courier" pitchFamily="2" charset="0"/>
+              </a:rPr>
+              <a:t>beforeEach</a:t>
+            </a:r>
+            <a:r>
+              <a:rPr lang="en-US" dirty="0">
+                <a:latin typeface="Courier" pitchFamily="2" charset="0"/>
+              </a:rPr>
+              <a:t>(</a:t>
+            </a:r>
+            <a:r>
+              <a:rPr lang="en-US" dirty="0">
+                <a:solidFill>
+                  <a:schemeClr val="accent2">
+                    <a:lumMod val="75000"/>
+                  </a:schemeClr>
+                </a:solidFill>
+                <a:latin typeface="Courier" pitchFamily="2" charset="0"/>
+              </a:rPr>
+              <a:t>function</a:t>
+            </a:r>
+            <a:r>
+              <a:rPr lang="en-US" dirty="0">
+                <a:latin typeface="Courier" pitchFamily="2" charset="0"/>
+              </a:rPr>
+              <a:t>() {</a:t>
+            </a:r>
+            <a:br>
+              <a:rPr lang="en-US" dirty="0">
+                <a:latin typeface="Courier" pitchFamily="2" charset="0"/>
+              </a:rPr>
+            </a:br>
+            <a:r>
+              <a:rPr lang="en-US" dirty="0">
+                <a:latin typeface="Courier" pitchFamily="2" charset="0"/>
+              </a:rPr>
+              <a:t>   …</a:t>
+            </a:r>
+            <a:br>
+              <a:rPr lang="en-US" dirty="0">
+                <a:latin typeface="Courier" pitchFamily="2" charset="0"/>
+              </a:rPr>
+            </a:br>
+            <a:r>
+              <a:rPr lang="en-US" dirty="0">
+                <a:latin typeface="Courier" pitchFamily="2" charset="0"/>
+              </a:rPr>
+              <a:t>});</a:t>
+            </a:r>
+            <a:br>
+              <a:rPr lang="en-US" dirty="0">
+                <a:latin typeface="Courier" pitchFamily="2" charset="0"/>
+              </a:rPr>
+            </a:br>
+            <a:r>
+              <a:rPr lang="en-US" dirty="0">
+                <a:latin typeface="Courier" pitchFamily="2" charset="0"/>
+              </a:rPr>
+              <a:t> </a:t>
+            </a:r>
+            <a:br>
+              <a:rPr lang="en-US" dirty="0">
+                <a:latin typeface="Courier" pitchFamily="2" charset="0"/>
+              </a:rPr>
+            </a:br>
+            <a:br>
+              <a:rPr lang="en-US" dirty="0">
+                <a:latin typeface="Courier" pitchFamily="2" charset="0"/>
+              </a:rPr>
+            </a:br>
+            <a:r>
+              <a:rPr lang="en-US" dirty="0">
+                <a:solidFill>
+                  <a:schemeClr val="accent1">
+                    <a:lumMod val="75000"/>
+                  </a:schemeClr>
+                </a:solidFill>
+                <a:latin typeface="Courier" pitchFamily="2" charset="0"/>
+              </a:rPr>
+              <a:t>it</a:t>
+            </a:r>
+            <a:r>
+              <a:rPr lang="en-US" dirty="0">
+                <a:latin typeface="Courier" pitchFamily="2" charset="0"/>
+              </a:rPr>
+              <a:t>(</a:t>
+            </a:r>
+            <a:r>
+              <a:rPr lang="en-US" dirty="0">
+                <a:solidFill>
+                  <a:schemeClr val="accent6">
+                    <a:lumMod val="75000"/>
+                  </a:schemeClr>
+                </a:solidFill>
+                <a:latin typeface="Courier" pitchFamily="2" charset="0"/>
+              </a:rPr>
+              <a:t>'should invoke </a:t>
+            </a:r>
+            <a:r>
+              <a:rPr lang="en-US" dirty="0" err="1">
+                <a:solidFill>
+                  <a:schemeClr val="accent6">
+                    <a:lumMod val="75000"/>
+                  </a:schemeClr>
+                </a:solidFill>
+                <a:latin typeface="Courier" pitchFamily="2" charset="0"/>
+              </a:rPr>
+              <a:t>fetchData</a:t>
+            </a:r>
+            <a:r>
+              <a:rPr lang="en-US" dirty="0">
+                <a:solidFill>
+                  <a:schemeClr val="accent6">
+                    <a:lumMod val="75000"/>
+                  </a:schemeClr>
+                </a:solidFill>
+                <a:latin typeface="Courier" pitchFamily="2" charset="0"/>
+              </a:rPr>
+              <a:t>'</a:t>
+            </a:r>
+            <a:r>
+              <a:rPr lang="en-US" dirty="0">
+                <a:latin typeface="Courier" pitchFamily="2" charset="0"/>
+              </a:rPr>
+              <a:t>, </a:t>
+            </a:r>
+            <a:r>
+              <a:rPr lang="en-US" dirty="0">
+                <a:solidFill>
+                  <a:schemeClr val="accent2">
+                    <a:lumMod val="75000"/>
+                  </a:schemeClr>
+                </a:solidFill>
+                <a:latin typeface="Courier" pitchFamily="2" charset="0"/>
+              </a:rPr>
+              <a:t>function</a:t>
+            </a:r>
+            <a:r>
+              <a:rPr lang="en-US" dirty="0">
+                <a:latin typeface="Courier" pitchFamily="2" charset="0"/>
+              </a:rPr>
+              <a:t>() {</a:t>
+            </a:r>
+            <a:br>
+              <a:rPr lang="en-US" dirty="0">
+                <a:latin typeface="Courier" pitchFamily="2" charset="0"/>
+              </a:rPr>
+            </a:br>
+            <a:r>
+              <a:rPr lang="en-US" dirty="0">
+                <a:latin typeface="Courier" pitchFamily="2" charset="0"/>
+              </a:rPr>
+              <a:t>   </a:t>
+            </a:r>
+            <a:r>
+              <a:rPr lang="en-US" dirty="0">
+                <a:solidFill>
+                  <a:schemeClr val="accent1">
+                    <a:lumMod val="75000"/>
+                  </a:schemeClr>
+                </a:solidFill>
+                <a:latin typeface="Courier" pitchFamily="2" charset="0"/>
+              </a:rPr>
+              <a:t>expect</a:t>
+            </a:r>
+            <a:r>
+              <a:rPr lang="en-US" dirty="0">
+                <a:latin typeface="Courier" pitchFamily="2" charset="0"/>
+              </a:rPr>
+              <a:t>(</a:t>
+            </a:r>
+            <a:r>
+              <a:rPr lang="en-US" dirty="0" err="1">
+                <a:latin typeface="Courier" pitchFamily="2" charset="0"/>
+              </a:rPr>
+              <a:t>barfoo.fetchData</a:t>
+            </a:r>
+            <a:r>
+              <a:rPr lang="en-US" dirty="0">
+                <a:latin typeface="Courier" pitchFamily="2" charset="0"/>
+              </a:rPr>
+              <a:t>)</a:t>
+            </a:r>
+            <a:br>
+              <a:rPr lang="en-US" dirty="0">
+                <a:latin typeface="Courier" pitchFamily="2" charset="0"/>
+              </a:rPr>
+            </a:br>
+            <a:r>
+              <a:rPr lang="en-US" dirty="0">
+                <a:latin typeface="Courier" pitchFamily="2" charset="0"/>
+              </a:rPr>
+              <a:t>      .</a:t>
+            </a:r>
+            <a:r>
+              <a:rPr lang="en-US" b="1" dirty="0" err="1">
+                <a:solidFill>
+                  <a:schemeClr val="accent1">
+                    <a:lumMod val="75000"/>
+                  </a:schemeClr>
+                </a:solidFill>
+                <a:latin typeface="Courier" pitchFamily="2" charset="0"/>
+              </a:rPr>
+              <a:t>toHaveBeenCalledWith</a:t>
+            </a:r>
+            <a:r>
+              <a:rPr lang="en-US" dirty="0">
+                <a:latin typeface="Courier" pitchFamily="2" charset="0"/>
+              </a:rPr>
+              <a:t>(</a:t>
+            </a:r>
+            <a:r>
+              <a:rPr lang="en-US" dirty="0" err="1">
+                <a:latin typeface="Courier" pitchFamily="2" charset="0"/>
+              </a:rPr>
+              <a:t>expectedId</a:t>
+            </a:r>
+            <a:r>
+              <a:rPr lang="en-US" dirty="0">
+                <a:latin typeface="Courier" pitchFamily="2" charset="0"/>
+              </a:rPr>
+              <a:t>);</a:t>
+            </a:r>
+          </a:p>
+          <a:p>
+            <a:pPr marL="0" indent="0">
+              <a:buNone/>
+            </a:pPr>
+            <a:r>
+              <a:rPr lang="en-US" dirty="0">
+                <a:latin typeface="Courier" pitchFamily="2" charset="0"/>
+              </a:rPr>
+              <a:t>});</a:t>
+            </a:r>
+            <a:endParaRPr lang="en-US" dirty="0"/>
           </a:p>
         </p:txBody>
       </p:sp>
     </p:spTree>
     <p:extLst>
       <p:ext uri="{BB962C8B-B14F-4D97-AF65-F5344CB8AC3E}">
-        <p14:creationId xmlns:p14="http://schemas.microsoft.com/office/powerpoint/2010/main" val="2267043303"/>
+        <p14:creationId xmlns:p14="http://schemas.microsoft.com/office/powerpoint/2010/main" val="3807833527"/>
       </p:ext>
     </p:extLst>
   </p:cSld>
@@ -7386,7 +7696,7 @@
           <p:cNvPr id="2" name="Title 1">
             <a:extLst>
               <a:ext uri="{FF2B5EF4-FFF2-40B4-BE49-F238E27FC236}">
-                <a16:creationId xmlns:a16="http://schemas.microsoft.com/office/drawing/2014/main" id="{79994865-825F-AD47-8BDB-16686638750D}"/>
+                <a16:creationId xmlns:a16="http://schemas.microsoft.com/office/drawing/2014/main" id="{0CAD8607-3D0E-F34C-A71C-E1FCD84847DA}"/>
               </a:ext>
             </a:extLst>
           </p:cNvPr>
@@ -7408,6 +7718,123 @@
               </a:rPr>
               <a:t>jasmine.createSpyObj</a:t>
             </a:r>
+            <a:endParaRPr lang="en-US" dirty="0">
+              <a:latin typeface="Courier" pitchFamily="2" charset="0"/>
+            </a:endParaRPr>
+          </a:p>
+        </p:txBody>
+      </p:sp>
+      <p:sp>
+        <p:nvSpPr>
+          <p:cNvPr id="3" name="Content Placeholder 2">
+            <a:extLst>
+              <a:ext uri="{FF2B5EF4-FFF2-40B4-BE49-F238E27FC236}">
+                <a16:creationId xmlns:a16="http://schemas.microsoft.com/office/drawing/2014/main" id="{3C783A4D-ADD3-FE47-A802-7E1E33980728}"/>
+              </a:ext>
+            </a:extLst>
+          </p:cNvPr>
+          <p:cNvSpPr>
+            <a:spLocks noGrp="1"/>
+          </p:cNvSpPr>
+          <p:nvPr>
+            <p:ph idx="1"/>
+          </p:nvPr>
+        </p:nvSpPr>
+        <p:spPr/>
+        <p:txBody>
+          <a:bodyPr/>
+          <a:lstStyle/>
+          <a:p>
+            <a:r>
+              <a:rPr lang="en-US" dirty="0"/>
+              <a:t>Create an object with multiple </a:t>
+            </a:r>
+            <a:r>
+              <a:rPr lang="en-US" dirty="0" err="1">
+                <a:latin typeface="Courier" pitchFamily="2" charset="0"/>
+              </a:rPr>
+              <a:t>Spy</a:t>
+            </a:r>
+            <a:r>
+              <a:rPr lang="en-US" dirty="0" err="1"/>
+              <a:t>s</a:t>
+            </a:r>
+            <a:r>
+              <a:rPr lang="en-US" dirty="0"/>
+              <a:t> as its members.</a:t>
+            </a:r>
+          </a:p>
+          <a:p>
+            <a:r>
+              <a:rPr lang="en-US" dirty="0"/>
+              <a:t>Takes an array of strings or an object for method names that should be spied.</a:t>
+            </a:r>
+          </a:p>
+          <a:p>
+            <a:r>
+              <a:rPr lang="en-US" dirty="0"/>
+              <a:t>Optionally takes an array of strings or an object for property names that should be spied.</a:t>
+            </a:r>
+          </a:p>
+        </p:txBody>
+      </p:sp>
+    </p:spTree>
+    <p:extLst>
+      <p:ext uri="{BB962C8B-B14F-4D97-AF65-F5344CB8AC3E}">
+        <p14:creationId xmlns:p14="http://schemas.microsoft.com/office/powerpoint/2010/main" val="2267043303"/>
+      </p:ext>
+    </p:extLst>
+  </p:cSld>
+  <p:clrMapOvr>
+    <a:masterClrMapping/>
+  </p:clrMapOvr>
+</p:sld>
+</file>
+
+<file path=ppt/slides/slide26.xml><?xml version="1.0" encoding="utf-8"?>
+<p:sld xmlns:a="http://schemas.openxmlformats.org/drawingml/2006/main" xmlns:r="http://schemas.openxmlformats.org/officeDocument/2006/relationships" xmlns:p="http://schemas.openxmlformats.org/presentationml/2006/main">
+  <p:cSld>
+    <p:spTree>
+      <p:nvGrpSpPr>
+        <p:cNvPr id="1" name=""/>
+        <p:cNvGrpSpPr/>
+        <p:nvPr/>
+      </p:nvGrpSpPr>
+      <p:grpSpPr>
+        <a:xfrm>
+          <a:off x="0" y="0"/>
+          <a:ext cx="0" cy="0"/>
+          <a:chOff x="0" y="0"/>
+          <a:chExt cx="0" cy="0"/>
+        </a:xfrm>
+      </p:grpSpPr>
+      <p:sp>
+        <p:nvSpPr>
+          <p:cNvPr id="2" name="Title 1">
+            <a:extLst>
+              <a:ext uri="{FF2B5EF4-FFF2-40B4-BE49-F238E27FC236}">
+                <a16:creationId xmlns:a16="http://schemas.microsoft.com/office/drawing/2014/main" id="{79994865-825F-AD47-8BDB-16686638750D}"/>
+              </a:ext>
+            </a:extLst>
+          </p:cNvPr>
+          <p:cNvSpPr>
+            <a:spLocks noGrp="1"/>
+          </p:cNvSpPr>
+          <p:nvPr>
+            <p:ph type="title"/>
+          </p:nvPr>
+        </p:nvSpPr>
+        <p:spPr/>
+        <p:txBody>
+          <a:bodyPr/>
+          <a:lstStyle/>
+          <a:p>
+            <a:r>
+              <a:rPr lang="en-US" dirty="0" err="1">
+                <a:latin typeface="Courier" pitchFamily="2" charset="0"/>
+              </a:rPr>
+              <a:t>jasmine.createSpyObj</a:t>
+            </a:r>
             <a:r>
               <a:rPr lang="en-US" dirty="0">
                 <a:latin typeface="Courier" pitchFamily="2" charset="0"/>
@@ -7416,7 +7843,7 @@
             </a:r>
             <a:r>
               <a:rPr lang="en-US" dirty="0"/>
-              <a:t>example</a:t>
+              <a:t>expectations</a:t>
             </a:r>
           </a:p>
         </p:txBody>
@@ -7864,6 +8291,403 @@
     <p:extLst>
       <p:ext uri="{BB962C8B-B14F-4D97-AF65-F5344CB8AC3E}">
         <p14:creationId xmlns:p14="http://schemas.microsoft.com/office/powerpoint/2010/main" val="3386767995"/>
+      </p:ext>
+    </p:extLst>
+  </p:cSld>
+  <p:clrMapOvr>
+    <a:masterClrMapping/>
+  </p:clrMapOvr>
+</p:sld>
+</file>
+
+<file path=ppt/slides/slide27.xml><?xml version="1.0" encoding="utf-8"?>
+<p:sld xmlns:a="http://schemas.openxmlformats.org/drawingml/2006/main" xmlns:r="http://schemas.openxmlformats.org/officeDocument/2006/relationships" xmlns:p="http://schemas.openxmlformats.org/presentationml/2006/main">
+  <p:cSld>
+    <p:spTree>
+      <p:nvGrpSpPr>
+        <p:cNvPr id="1" name=""/>
+        <p:cNvGrpSpPr/>
+        <p:nvPr/>
+      </p:nvGrpSpPr>
+      <p:grpSpPr>
+        <a:xfrm>
+          <a:off x="0" y="0"/>
+          <a:ext cx="0" cy="0"/>
+          <a:chOff x="0" y="0"/>
+          <a:chExt cx="0" cy="0"/>
+        </a:xfrm>
+      </p:grpSpPr>
+      <p:sp>
+        <p:nvSpPr>
+          <p:cNvPr id="2" name="Title 1">
+            <a:extLst>
+              <a:ext uri="{FF2B5EF4-FFF2-40B4-BE49-F238E27FC236}">
+                <a16:creationId xmlns:a16="http://schemas.microsoft.com/office/drawing/2014/main" id="{79994865-825F-AD47-8BDB-16686638750D}"/>
+              </a:ext>
+            </a:extLst>
+          </p:cNvPr>
+          <p:cNvSpPr>
+            <a:spLocks noGrp="1"/>
+          </p:cNvSpPr>
+          <p:nvPr>
+            <p:ph type="title"/>
+          </p:nvPr>
+        </p:nvSpPr>
+        <p:spPr/>
+        <p:txBody>
+          <a:bodyPr/>
+          <a:lstStyle/>
+          <a:p>
+            <a:r>
+              <a:rPr lang="en-US" dirty="0" err="1">
+                <a:latin typeface="Courier" pitchFamily="2" charset="0"/>
+              </a:rPr>
+              <a:t>jasmine.createSpyObj</a:t>
+            </a:r>
+            <a:r>
+              <a:rPr lang="en-US" dirty="0">
+                <a:latin typeface="Courier" pitchFamily="2" charset="0"/>
+              </a:rPr>
+              <a:t> </a:t>
+            </a:r>
+            <a:r>
+              <a:rPr lang="en-US" dirty="0"/>
+              <a:t>verification</a:t>
+            </a:r>
+          </a:p>
+        </p:txBody>
+      </p:sp>
+      <p:sp>
+        <p:nvSpPr>
+          <p:cNvPr id="3" name="Content Placeholder 2">
+            <a:extLst>
+              <a:ext uri="{FF2B5EF4-FFF2-40B4-BE49-F238E27FC236}">
+                <a16:creationId xmlns:a16="http://schemas.microsoft.com/office/drawing/2014/main" id="{580C06F1-67EF-1E48-9724-530DCD3E5442}"/>
+              </a:ext>
+            </a:extLst>
+          </p:cNvPr>
+          <p:cNvSpPr>
+            <a:spLocks noGrp="1"/>
+          </p:cNvSpPr>
+          <p:nvPr>
+            <p:ph idx="1"/>
+          </p:nvPr>
+        </p:nvSpPr>
+        <p:spPr/>
+        <p:txBody>
+          <a:bodyPr>
+            <a:normAutofit/>
+          </a:bodyPr>
+          <a:lstStyle/>
+          <a:p>
+            <a:pPr marL="0" indent="0">
+              <a:buNone/>
+            </a:pPr>
+            <a:r>
+              <a:rPr lang="en-US" dirty="0">
+                <a:solidFill>
+                  <a:schemeClr val="accent2">
+                    <a:lumMod val="75000"/>
+                  </a:schemeClr>
+                </a:solidFill>
+                <a:latin typeface="Courier" pitchFamily="2" charset="0"/>
+              </a:rPr>
+              <a:t>let</a:t>
+            </a:r>
+            <a:r>
+              <a:rPr lang="en-US" dirty="0">
+                <a:solidFill>
+                  <a:schemeClr val="accent1">
+                    <a:lumMod val="75000"/>
+                  </a:schemeClr>
+                </a:solidFill>
+                <a:latin typeface="Courier" pitchFamily="2" charset="0"/>
+              </a:rPr>
+              <a:t> </a:t>
+            </a:r>
+            <a:r>
+              <a:rPr lang="en-US" dirty="0" err="1">
+                <a:latin typeface="Courier" pitchFamily="2" charset="0"/>
+              </a:rPr>
+              <a:t>barfoo</a:t>
+            </a:r>
+            <a:r>
+              <a:rPr lang="en-US" dirty="0">
+                <a:latin typeface="Courier" pitchFamily="2" charset="0"/>
+              </a:rPr>
+              <a:t>: </a:t>
+            </a:r>
+            <a:r>
+              <a:rPr lang="en-US" dirty="0" err="1">
+                <a:latin typeface="Courier" pitchFamily="2" charset="0"/>
+              </a:rPr>
+              <a:t>Barfoo</a:t>
+            </a:r>
+            <a:r>
+              <a:rPr lang="en-US" dirty="0">
+                <a:latin typeface="Courier" pitchFamily="2" charset="0"/>
+              </a:rPr>
+              <a:t>;</a:t>
+            </a:r>
+            <a:br>
+              <a:rPr lang="en-US" dirty="0">
+                <a:latin typeface="Courier" pitchFamily="2" charset="0"/>
+              </a:rPr>
+            </a:br>
+            <a:br>
+              <a:rPr lang="en-US" dirty="0">
+                <a:latin typeface="Courier" pitchFamily="2" charset="0"/>
+              </a:rPr>
+            </a:br>
+            <a:r>
+              <a:rPr lang="en-US" dirty="0" err="1">
+                <a:solidFill>
+                  <a:schemeClr val="accent1">
+                    <a:lumMod val="75000"/>
+                  </a:schemeClr>
+                </a:solidFill>
+                <a:latin typeface="Courier" pitchFamily="2" charset="0"/>
+              </a:rPr>
+              <a:t>beforeEach</a:t>
+            </a:r>
+            <a:r>
+              <a:rPr lang="en-US" dirty="0">
+                <a:latin typeface="Courier" pitchFamily="2" charset="0"/>
+              </a:rPr>
+              <a:t>(</a:t>
+            </a:r>
+            <a:r>
+              <a:rPr lang="en-US" dirty="0">
+                <a:solidFill>
+                  <a:schemeClr val="accent2">
+                    <a:lumMod val="75000"/>
+                  </a:schemeClr>
+                </a:solidFill>
+                <a:latin typeface="Courier" pitchFamily="2" charset="0"/>
+              </a:rPr>
+              <a:t>function</a:t>
+            </a:r>
+            <a:r>
+              <a:rPr lang="en-US" dirty="0">
+                <a:latin typeface="Courier" pitchFamily="2" charset="0"/>
+              </a:rPr>
+              <a:t>() {</a:t>
+            </a:r>
+            <a:br>
+              <a:rPr lang="en-US" dirty="0">
+                <a:latin typeface="Courier" pitchFamily="2" charset="0"/>
+              </a:rPr>
+            </a:br>
+            <a:r>
+              <a:rPr lang="en-US" dirty="0">
+                <a:latin typeface="Courier" pitchFamily="2" charset="0"/>
+              </a:rPr>
+              <a:t>   …</a:t>
+            </a:r>
+            <a:br>
+              <a:rPr lang="en-US" dirty="0">
+                <a:latin typeface="Courier" pitchFamily="2" charset="0"/>
+              </a:rPr>
+            </a:br>
+            <a:r>
+              <a:rPr lang="en-US" dirty="0">
+                <a:latin typeface="Courier" pitchFamily="2" charset="0"/>
+              </a:rPr>
+              <a:t>}); </a:t>
+            </a:r>
+            <a:br>
+              <a:rPr lang="en-US" dirty="0">
+                <a:latin typeface="Courier" pitchFamily="2" charset="0"/>
+              </a:rPr>
+            </a:br>
+            <a:br>
+              <a:rPr lang="en-US" dirty="0">
+                <a:latin typeface="Courier" pitchFamily="2" charset="0"/>
+              </a:rPr>
+            </a:br>
+            <a:br>
+              <a:rPr lang="en-US" dirty="0">
+                <a:latin typeface="Courier" pitchFamily="2" charset="0"/>
+              </a:rPr>
+            </a:br>
+            <a:r>
+              <a:rPr lang="en-US" dirty="0">
+                <a:solidFill>
+                  <a:schemeClr val="accent1">
+                    <a:lumMod val="75000"/>
+                  </a:schemeClr>
+                </a:solidFill>
+                <a:latin typeface="Courier" pitchFamily="2" charset="0"/>
+              </a:rPr>
+              <a:t>it</a:t>
+            </a:r>
+            <a:r>
+              <a:rPr lang="en-US" dirty="0">
+                <a:latin typeface="Courier" pitchFamily="2" charset="0"/>
+              </a:rPr>
+              <a:t>(</a:t>
+            </a:r>
+            <a:r>
+              <a:rPr lang="en-US" dirty="0">
+                <a:solidFill>
+                  <a:schemeClr val="accent6">
+                    <a:lumMod val="75000"/>
+                  </a:schemeClr>
+                </a:solidFill>
+                <a:latin typeface="Courier" pitchFamily="2" charset="0"/>
+              </a:rPr>
+              <a:t>'should invoke </a:t>
+            </a:r>
+            <a:r>
+              <a:rPr lang="en-US" dirty="0" err="1">
+                <a:solidFill>
+                  <a:schemeClr val="accent6">
+                    <a:lumMod val="75000"/>
+                  </a:schemeClr>
+                </a:solidFill>
+                <a:latin typeface="Courier" pitchFamily="2" charset="0"/>
+              </a:rPr>
+              <a:t>fetchBarData</a:t>
+            </a:r>
+            <a:r>
+              <a:rPr lang="en-US" dirty="0">
+                <a:solidFill>
+                  <a:schemeClr val="accent6">
+                    <a:lumMod val="75000"/>
+                  </a:schemeClr>
+                </a:solidFill>
+                <a:latin typeface="Courier" pitchFamily="2" charset="0"/>
+              </a:rPr>
+              <a:t>'</a:t>
+            </a:r>
+            <a:r>
+              <a:rPr lang="en-US" dirty="0">
+                <a:latin typeface="Courier" pitchFamily="2" charset="0"/>
+              </a:rPr>
+              <a:t>, </a:t>
+            </a:r>
+            <a:r>
+              <a:rPr lang="en-US" dirty="0">
+                <a:solidFill>
+                  <a:schemeClr val="accent2">
+                    <a:lumMod val="75000"/>
+                  </a:schemeClr>
+                </a:solidFill>
+                <a:latin typeface="Courier" pitchFamily="2" charset="0"/>
+              </a:rPr>
+              <a:t>function</a:t>
+            </a:r>
+            <a:r>
+              <a:rPr lang="en-US" dirty="0">
+                <a:latin typeface="Courier" pitchFamily="2" charset="0"/>
+              </a:rPr>
+              <a:t>() {</a:t>
+            </a:r>
+            <a:br>
+              <a:rPr lang="en-US" dirty="0">
+                <a:latin typeface="Courier" pitchFamily="2" charset="0"/>
+              </a:rPr>
+            </a:br>
+            <a:r>
+              <a:rPr lang="en-US" dirty="0">
+                <a:latin typeface="Courier" pitchFamily="2" charset="0"/>
+              </a:rPr>
+              <a:t>   </a:t>
+            </a:r>
+            <a:r>
+              <a:rPr lang="en-US" dirty="0">
+                <a:solidFill>
+                  <a:schemeClr val="accent1">
+                    <a:lumMod val="75000"/>
+                  </a:schemeClr>
+                </a:solidFill>
+                <a:latin typeface="Courier" pitchFamily="2" charset="0"/>
+              </a:rPr>
+              <a:t>expect</a:t>
+            </a:r>
+            <a:r>
+              <a:rPr lang="en-US" dirty="0">
+                <a:latin typeface="Courier" pitchFamily="2" charset="0"/>
+              </a:rPr>
+              <a:t>(</a:t>
+            </a:r>
+            <a:r>
+              <a:rPr lang="en-US" dirty="0" err="1">
+                <a:latin typeface="Courier" pitchFamily="2" charset="0"/>
+              </a:rPr>
+              <a:t>barfoo.fetchBarData</a:t>
+            </a:r>
+            <a:r>
+              <a:rPr lang="en-US" dirty="0">
+                <a:latin typeface="Courier" pitchFamily="2" charset="0"/>
+              </a:rPr>
+              <a:t>)</a:t>
+            </a:r>
+            <a:br>
+              <a:rPr lang="en-US" dirty="0">
+                <a:latin typeface="Courier" pitchFamily="2" charset="0"/>
+              </a:rPr>
+            </a:br>
+            <a:r>
+              <a:rPr lang="en-US" dirty="0">
+                <a:latin typeface="Courier" pitchFamily="2" charset="0"/>
+              </a:rPr>
+              <a:t>      .</a:t>
+            </a:r>
+            <a:r>
+              <a:rPr lang="en-US" b="1" dirty="0" err="1">
+                <a:solidFill>
+                  <a:schemeClr val="accent1">
+                    <a:lumMod val="75000"/>
+                  </a:schemeClr>
+                </a:solidFill>
+                <a:latin typeface="Courier" pitchFamily="2" charset="0"/>
+              </a:rPr>
+              <a:t>toHaveBeenCalledWith</a:t>
+            </a:r>
+            <a:r>
+              <a:rPr lang="en-US" dirty="0">
+                <a:latin typeface="Courier" pitchFamily="2" charset="0"/>
+              </a:rPr>
+              <a:t>(</a:t>
+            </a:r>
+            <a:r>
+              <a:rPr lang="en-US" dirty="0" err="1">
+                <a:latin typeface="Courier" pitchFamily="2" charset="0"/>
+              </a:rPr>
+              <a:t>expectedId</a:t>
+            </a:r>
+            <a:r>
+              <a:rPr lang="en-US" dirty="0">
+                <a:latin typeface="Courier" pitchFamily="2" charset="0"/>
+              </a:rPr>
+              <a:t>);</a:t>
+            </a:r>
+            <a:br>
+              <a:rPr lang="en-US" dirty="0">
+                <a:latin typeface="Courier" pitchFamily="2" charset="0"/>
+              </a:rPr>
+            </a:br>
+            <a:r>
+              <a:rPr lang="en-US" dirty="0">
+                <a:latin typeface="Courier" pitchFamily="2" charset="0"/>
+              </a:rPr>
+              <a:t>});</a:t>
+            </a:r>
+            <a:endParaRPr lang="en-US" dirty="0"/>
+          </a:p>
+          <a:p>
+            <a:pPr marL="0" indent="0">
+              <a:buNone/>
+            </a:pPr>
+            <a:endParaRPr lang="en-US" dirty="0"/>
+          </a:p>
+        </p:txBody>
+      </p:sp>
+    </p:spTree>
+    <p:extLst>
+      <p:ext uri="{BB962C8B-B14F-4D97-AF65-F5344CB8AC3E}">
+        <p14:creationId xmlns:p14="http://schemas.microsoft.com/office/powerpoint/2010/main" val="1779040631"/>
       </p:ext>
     </p:extLst>
   </p:cSld>

--- a/presentations/Introduction to Jasmine Framework.pptx
+++ b/presentations/Introduction to Jasmine Framework.pptx
@@ -8773,8 +8773,27 @@
           <a:p>
             <a:r>
               <a:rPr lang="en-US" dirty="0"/>
-              <a:t>Can be nested to convey context.</a:t>
-            </a:r>
+              <a:t>Facilitates hierarchical test contexts.</a:t>
+            </a:r>
+          </a:p>
+          <a:p>
+            <a:pPr lvl="1"/>
+            <a:r>
+              <a:rPr lang="en-US" dirty="0"/>
+              <a:t>Common test fixtures can be setup in parent describe blocks.</a:t>
+            </a:r>
+          </a:p>
+          <a:p>
+            <a:pPr lvl="1"/>
+            <a:r>
+              <a:rPr lang="en-US" dirty="0"/>
+              <a:t>Test-specific test fixtures are setup in </a:t>
+            </a:r>
+            <a:r>
+              <a:rPr lang="en-US"/>
+              <a:t>child describe block.</a:t>
+            </a:r>
+            <a:endParaRPr lang="en-US" dirty="0"/>
           </a:p>
         </p:txBody>
       </p:sp>

--- a/presentations/Introduction to Jasmine Framework.pptx
+++ b/presentations/Introduction to Jasmine Framework.pptx
@@ -285,7 +285,7 @@
           <a:p>
             <a:fld id="{B38EF465-D677-F140-82CD-891C0463380E}" type="datetimeFigureOut">
               <a:rPr lang="en-US" smtClean="0"/>
-              <a:t>11/9/21</a:t>
+              <a:t>11/10/21</a:t>
             </a:fld>
             <a:endParaRPr lang="en-US"/>
           </a:p>
@@ -483,7 +483,7 @@
           <a:p>
             <a:fld id="{B38EF465-D677-F140-82CD-891C0463380E}" type="datetimeFigureOut">
               <a:rPr lang="en-US" smtClean="0"/>
-              <a:t>11/9/21</a:t>
+              <a:t>11/10/21</a:t>
             </a:fld>
             <a:endParaRPr lang="en-US"/>
           </a:p>
@@ -691,7 +691,7 @@
           <a:p>
             <a:fld id="{B38EF465-D677-F140-82CD-891C0463380E}" type="datetimeFigureOut">
               <a:rPr lang="en-US" smtClean="0"/>
-              <a:t>11/9/21</a:t>
+              <a:t>11/10/21</a:t>
             </a:fld>
             <a:endParaRPr lang="en-US"/>
           </a:p>
@@ -889,7 +889,7 @@
           <a:p>
             <a:fld id="{B38EF465-D677-F140-82CD-891C0463380E}" type="datetimeFigureOut">
               <a:rPr lang="en-US" smtClean="0"/>
-              <a:t>11/9/21</a:t>
+              <a:t>11/10/21</a:t>
             </a:fld>
             <a:endParaRPr lang="en-US"/>
           </a:p>
@@ -1164,7 +1164,7 @@
           <a:p>
             <a:fld id="{B38EF465-D677-F140-82CD-891C0463380E}" type="datetimeFigureOut">
               <a:rPr lang="en-US" smtClean="0"/>
-              <a:t>11/9/21</a:t>
+              <a:t>11/10/21</a:t>
             </a:fld>
             <a:endParaRPr lang="en-US"/>
           </a:p>
@@ -1429,7 +1429,7 @@
           <a:p>
             <a:fld id="{B38EF465-D677-F140-82CD-891C0463380E}" type="datetimeFigureOut">
               <a:rPr lang="en-US" smtClean="0"/>
-              <a:t>11/9/21</a:t>
+              <a:t>11/10/21</a:t>
             </a:fld>
             <a:endParaRPr lang="en-US"/>
           </a:p>
@@ -1841,7 +1841,7 @@
           <a:p>
             <a:fld id="{B38EF465-D677-F140-82CD-891C0463380E}" type="datetimeFigureOut">
               <a:rPr lang="en-US" smtClean="0"/>
-              <a:t>11/9/21</a:t>
+              <a:t>11/10/21</a:t>
             </a:fld>
             <a:endParaRPr lang="en-US"/>
           </a:p>
@@ -1982,7 +1982,7 @@
           <a:p>
             <a:fld id="{B38EF465-D677-F140-82CD-891C0463380E}" type="datetimeFigureOut">
               <a:rPr lang="en-US" smtClean="0"/>
-              <a:t>11/9/21</a:t>
+              <a:t>11/10/21</a:t>
             </a:fld>
             <a:endParaRPr lang="en-US"/>
           </a:p>
@@ -2095,7 +2095,7 @@
           <a:p>
             <a:fld id="{B38EF465-D677-F140-82CD-891C0463380E}" type="datetimeFigureOut">
               <a:rPr lang="en-US" smtClean="0"/>
-              <a:t>11/9/21</a:t>
+              <a:t>11/10/21</a:t>
             </a:fld>
             <a:endParaRPr lang="en-US"/>
           </a:p>
@@ -2406,7 +2406,7 @@
           <a:p>
             <a:fld id="{B38EF465-D677-F140-82CD-891C0463380E}" type="datetimeFigureOut">
               <a:rPr lang="en-US" smtClean="0"/>
-              <a:t>11/9/21</a:t>
+              <a:t>11/10/21</a:t>
             </a:fld>
             <a:endParaRPr lang="en-US"/>
           </a:p>
@@ -2694,7 +2694,7 @@
           <a:p>
             <a:fld id="{B38EF465-D677-F140-82CD-891C0463380E}" type="datetimeFigureOut">
               <a:rPr lang="en-US" smtClean="0"/>
-              <a:t>11/9/21</a:t>
+              <a:t>11/10/21</a:t>
             </a:fld>
             <a:endParaRPr lang="en-US"/>
           </a:p>
@@ -2935,7 +2935,7 @@
           <a:p>
             <a:fld id="{B38EF465-D677-F140-82CD-891C0463380E}" type="datetimeFigureOut">
               <a:rPr lang="en-US" smtClean="0"/>
-              <a:t>11/9/21</a:t>
+              <a:t>11/10/21</a:t>
             </a:fld>
             <a:endParaRPr lang="en-US"/>
           </a:p>
@@ -3467,7 +3467,9 @@
           <a:lstStyle/>
           <a:p>
             <a:r>
-              <a:rPr lang="en-US" dirty="0"/>
+              <a:rPr lang="en-US" dirty="0">
+                <a:latin typeface="Courier" pitchFamily="2" charset="0"/>
+              </a:rPr>
               <a:t>it</a:t>
             </a:r>
           </a:p>
@@ -3648,8 +3650,14 @@
           <a:lstStyle/>
           <a:p>
             <a:r>
+              <a:rPr lang="en-US" dirty="0">
+                <a:latin typeface="Courier" pitchFamily="2" charset="0"/>
+              </a:rPr>
+              <a:t>it</a:t>
+            </a:r>
+            <a:r>
               <a:rPr lang="en-US" dirty="0"/>
-              <a:t>it example</a:t>
+              <a:t> example</a:t>
             </a:r>
           </a:p>
         </p:txBody>
@@ -3826,7 +3834,9 @@
           <a:lstStyle/>
           <a:p>
             <a:r>
-              <a:rPr lang="en-US" dirty="0"/>
+              <a:rPr lang="en-US" dirty="0">
+                <a:latin typeface="Courier" pitchFamily="2" charset="0"/>
+              </a:rPr>
               <a:t>expect</a:t>
             </a:r>
           </a:p>
@@ -3861,7 +3871,23 @@
           <a:p>
             <a:r>
               <a:rPr lang="en-US" dirty="0"/>
-              <a:t>Used for verifying direct outputs (state) and indirect outputs (dependency invocations and parameters for those invocations).</a:t>
+              <a:t>Used for verifying </a:t>
+            </a:r>
+            <a:r>
+              <a:rPr lang="en-US" i="1" dirty="0"/>
+              <a:t>direct outputs </a:t>
+            </a:r>
+            <a:r>
+              <a:rPr lang="en-US" dirty="0"/>
+              <a:t>(state) and </a:t>
+            </a:r>
+            <a:r>
+              <a:rPr lang="en-US" i="1" dirty="0"/>
+              <a:t>indirect outputs </a:t>
+            </a:r>
+            <a:r>
+              <a:rPr lang="en-US" dirty="0"/>
+              <a:t>(dependency invocations and parameters for those invocations).</a:t>
             </a:r>
           </a:p>
           <a:p>
@@ -4009,8 +4035,14 @@
           <a:lstStyle/>
           <a:p>
             <a:r>
+              <a:rPr lang="en-US" dirty="0">
+                <a:latin typeface="Courier" pitchFamily="2" charset="0"/>
+              </a:rPr>
+              <a:t>expect</a:t>
+            </a:r>
+            <a:r>
               <a:rPr lang="en-US" dirty="0"/>
-              <a:t>expect example</a:t>
+              <a:t> example</a:t>
             </a:r>
           </a:p>
         </p:txBody>
@@ -5625,7 +5657,14 @@
           <a:p>
             <a:r>
               <a:rPr lang="en-US" dirty="0"/>
-              <a:t>Install a spy on a property onto an existing object that was installed with </a:t>
+              <a:t>Installs a spy on a property of an existing object.</a:t>
+            </a:r>
+          </a:p>
+          <a:p>
+            <a:pPr lvl="1"/>
+            <a:r>
+              <a:rPr lang="en-US" dirty="0"/>
+              <a:t>Property needs to be installed on the object with </a:t>
             </a:r>
             <a:r>
               <a:rPr lang="en-US" dirty="0" err="1">
@@ -5636,6 +5675,13 @@
             <a:r>
               <a:rPr lang="en-US" dirty="0"/>
               <a:t>.</a:t>
+            </a:r>
+          </a:p>
+          <a:p>
+            <a:pPr lvl="1"/>
+            <a:r>
+              <a:rPr lang="en-US" dirty="0"/>
+              <a:t>In Typescript, this is just standard get/set syntax.</a:t>
             </a:r>
           </a:p>
         </p:txBody>
@@ -6719,7 +6765,17 @@
           <a:p>
             <a:r>
               <a:rPr lang="en-US" dirty="0"/>
-              <a:t>Create a bare Spy object. </a:t>
+              <a:t>Create a bare </a:t>
+            </a:r>
+            <a:r>
+              <a:rPr lang="en-US" dirty="0">
+                <a:latin typeface="Courier" pitchFamily="2" charset="0"/>
+              </a:rPr>
+              <a:t>Spy</a:t>
+            </a:r>
+            <a:r>
+              <a:rPr lang="en-US" dirty="0"/>
+              <a:t> object. </a:t>
             </a:r>
           </a:p>
           <a:p>

--- a/presentations/Introduction to Jasmine Framework.pptx
+++ b/presentations/Introduction to Jasmine Framework.pptx
@@ -285,7 +285,7 @@
           <a:p>
             <a:fld id="{B38EF465-D677-F140-82CD-891C0463380E}" type="datetimeFigureOut">
               <a:rPr lang="en-US" smtClean="0"/>
-              <a:t>11/10/21</a:t>
+              <a:t>11/15/21</a:t>
             </a:fld>
             <a:endParaRPr lang="en-US"/>
           </a:p>
@@ -483,7 +483,7 @@
           <a:p>
             <a:fld id="{B38EF465-D677-F140-82CD-891C0463380E}" type="datetimeFigureOut">
               <a:rPr lang="en-US" smtClean="0"/>
-              <a:t>11/10/21</a:t>
+              <a:t>11/15/21</a:t>
             </a:fld>
             <a:endParaRPr lang="en-US"/>
           </a:p>
@@ -691,7 +691,7 @@
           <a:p>
             <a:fld id="{B38EF465-D677-F140-82CD-891C0463380E}" type="datetimeFigureOut">
               <a:rPr lang="en-US" smtClean="0"/>
-              <a:t>11/10/21</a:t>
+              <a:t>11/15/21</a:t>
             </a:fld>
             <a:endParaRPr lang="en-US"/>
           </a:p>
@@ -889,7 +889,7 @@
           <a:p>
             <a:fld id="{B38EF465-D677-F140-82CD-891C0463380E}" type="datetimeFigureOut">
               <a:rPr lang="en-US" smtClean="0"/>
-              <a:t>11/10/21</a:t>
+              <a:t>11/15/21</a:t>
             </a:fld>
             <a:endParaRPr lang="en-US"/>
           </a:p>
@@ -1164,7 +1164,7 @@
           <a:p>
             <a:fld id="{B38EF465-D677-F140-82CD-891C0463380E}" type="datetimeFigureOut">
               <a:rPr lang="en-US" smtClean="0"/>
-              <a:t>11/10/21</a:t>
+              <a:t>11/15/21</a:t>
             </a:fld>
             <a:endParaRPr lang="en-US"/>
           </a:p>
@@ -1429,7 +1429,7 @@
           <a:p>
             <a:fld id="{B38EF465-D677-F140-82CD-891C0463380E}" type="datetimeFigureOut">
               <a:rPr lang="en-US" smtClean="0"/>
-              <a:t>11/10/21</a:t>
+              <a:t>11/15/21</a:t>
             </a:fld>
             <a:endParaRPr lang="en-US"/>
           </a:p>
@@ -1841,7 +1841,7 @@
           <a:p>
             <a:fld id="{B38EF465-D677-F140-82CD-891C0463380E}" type="datetimeFigureOut">
               <a:rPr lang="en-US" smtClean="0"/>
-              <a:t>11/10/21</a:t>
+              <a:t>11/15/21</a:t>
             </a:fld>
             <a:endParaRPr lang="en-US"/>
           </a:p>
@@ -1982,7 +1982,7 @@
           <a:p>
             <a:fld id="{B38EF465-D677-F140-82CD-891C0463380E}" type="datetimeFigureOut">
               <a:rPr lang="en-US" smtClean="0"/>
-              <a:t>11/10/21</a:t>
+              <a:t>11/15/21</a:t>
             </a:fld>
             <a:endParaRPr lang="en-US"/>
           </a:p>
@@ -2095,7 +2095,7 @@
           <a:p>
             <a:fld id="{B38EF465-D677-F140-82CD-891C0463380E}" type="datetimeFigureOut">
               <a:rPr lang="en-US" smtClean="0"/>
-              <a:t>11/10/21</a:t>
+              <a:t>11/15/21</a:t>
             </a:fld>
             <a:endParaRPr lang="en-US"/>
           </a:p>
@@ -2406,7 +2406,7 @@
           <a:p>
             <a:fld id="{B38EF465-D677-F140-82CD-891C0463380E}" type="datetimeFigureOut">
               <a:rPr lang="en-US" smtClean="0"/>
-              <a:t>11/10/21</a:t>
+              <a:t>11/15/21</a:t>
             </a:fld>
             <a:endParaRPr lang="en-US"/>
           </a:p>
@@ -2694,7 +2694,7 @@
           <a:p>
             <a:fld id="{B38EF465-D677-F140-82CD-891C0463380E}" type="datetimeFigureOut">
               <a:rPr lang="en-US" smtClean="0"/>
-              <a:t>11/10/21</a:t>
+              <a:t>11/15/21</a:t>
             </a:fld>
             <a:endParaRPr lang="en-US"/>
           </a:p>
@@ -2935,7 +2935,7 @@
           <a:p>
             <a:fld id="{B38EF465-D677-F140-82CD-891C0463380E}" type="datetimeFigureOut">
               <a:rPr lang="en-US" smtClean="0"/>
-              <a:t>11/10/21</a:t>
+              <a:t>11/15/21</a:t>
             </a:fld>
             <a:endParaRPr lang="en-US"/>
           </a:p>
@@ -3608,6 +3608,266 @@
   <p:clrMapOvr>
     <a:masterClrMapping/>
   </p:clrMapOvr>
+  <p:timing>
+    <p:tnLst>
+      <p:par>
+        <p:cTn id="1" dur="indefinite" restart="never" nodeType="tmRoot">
+          <p:childTnLst>
+            <p:seq concurrent="1" nextAc="seek">
+              <p:cTn id="2" dur="indefinite" nodeType="mainSeq">
+                <p:childTnLst>
+                  <p:par>
+                    <p:cTn id="3" fill="hold">
+                      <p:stCondLst>
+                        <p:cond delay="indefinite"/>
+                      </p:stCondLst>
+                      <p:childTnLst>
+                        <p:par>
+                          <p:cTn id="4" fill="hold">
+                            <p:stCondLst>
+                              <p:cond delay="0"/>
+                            </p:stCondLst>
+                            <p:childTnLst>
+                              <p:par>
+                                <p:cTn id="5" presetID="1" presetClass="entr" presetSubtype="0" fill="hold" grpId="0" nodeType="clickEffect">
+                                  <p:stCondLst>
+                                    <p:cond delay="0"/>
+                                  </p:stCondLst>
+                                  <p:childTnLst>
+                                    <p:set>
+                                      <p:cBhvr>
+                                        <p:cTn id="6" dur="1" fill="hold">
+                                          <p:stCondLst>
+                                            <p:cond delay="0"/>
+                                          </p:stCondLst>
+                                        </p:cTn>
+                                        <p:tgtEl>
+                                          <p:spTgt spid="3">
+                                            <p:txEl>
+                                              <p:pRg st="0" end="0"/>
+                                            </p:txEl>
+                                          </p:spTgt>
+                                        </p:tgtEl>
+                                        <p:attrNameLst>
+                                          <p:attrName>style.visibility</p:attrName>
+                                        </p:attrNameLst>
+                                      </p:cBhvr>
+                                      <p:to>
+                                        <p:strVal val="visible"/>
+                                      </p:to>
+                                    </p:set>
+                                  </p:childTnLst>
+                                </p:cTn>
+                              </p:par>
+                            </p:childTnLst>
+                          </p:cTn>
+                        </p:par>
+                      </p:childTnLst>
+                    </p:cTn>
+                  </p:par>
+                  <p:par>
+                    <p:cTn id="7" fill="hold">
+                      <p:stCondLst>
+                        <p:cond delay="indefinite"/>
+                      </p:stCondLst>
+                      <p:childTnLst>
+                        <p:par>
+                          <p:cTn id="8" fill="hold">
+                            <p:stCondLst>
+                              <p:cond delay="0"/>
+                            </p:stCondLst>
+                            <p:childTnLst>
+                              <p:par>
+                                <p:cTn id="9" presetID="1" presetClass="entr" presetSubtype="0" fill="hold" grpId="0" nodeType="clickEffect">
+                                  <p:stCondLst>
+                                    <p:cond delay="0"/>
+                                  </p:stCondLst>
+                                  <p:childTnLst>
+                                    <p:set>
+                                      <p:cBhvr>
+                                        <p:cTn id="10" dur="1" fill="hold">
+                                          <p:stCondLst>
+                                            <p:cond delay="0"/>
+                                          </p:stCondLst>
+                                        </p:cTn>
+                                        <p:tgtEl>
+                                          <p:spTgt spid="3">
+                                            <p:txEl>
+                                              <p:pRg st="1" end="1"/>
+                                            </p:txEl>
+                                          </p:spTgt>
+                                        </p:tgtEl>
+                                        <p:attrNameLst>
+                                          <p:attrName>style.visibility</p:attrName>
+                                        </p:attrNameLst>
+                                      </p:cBhvr>
+                                      <p:to>
+                                        <p:strVal val="visible"/>
+                                      </p:to>
+                                    </p:set>
+                                  </p:childTnLst>
+                                </p:cTn>
+                              </p:par>
+                            </p:childTnLst>
+                          </p:cTn>
+                        </p:par>
+                      </p:childTnLst>
+                    </p:cTn>
+                  </p:par>
+                  <p:par>
+                    <p:cTn id="11" fill="hold">
+                      <p:stCondLst>
+                        <p:cond delay="indefinite"/>
+                      </p:stCondLst>
+                      <p:childTnLst>
+                        <p:par>
+                          <p:cTn id="12" fill="hold">
+                            <p:stCondLst>
+                              <p:cond delay="0"/>
+                            </p:stCondLst>
+                            <p:childTnLst>
+                              <p:par>
+                                <p:cTn id="13" presetID="1" presetClass="entr" presetSubtype="0" fill="hold" grpId="0" nodeType="clickEffect">
+                                  <p:stCondLst>
+                                    <p:cond delay="0"/>
+                                  </p:stCondLst>
+                                  <p:childTnLst>
+                                    <p:set>
+                                      <p:cBhvr>
+                                        <p:cTn id="14" dur="1" fill="hold">
+                                          <p:stCondLst>
+                                            <p:cond delay="0"/>
+                                          </p:stCondLst>
+                                        </p:cTn>
+                                        <p:tgtEl>
+                                          <p:spTgt spid="3">
+                                            <p:txEl>
+                                              <p:pRg st="2" end="2"/>
+                                            </p:txEl>
+                                          </p:spTgt>
+                                        </p:tgtEl>
+                                        <p:attrNameLst>
+                                          <p:attrName>style.visibility</p:attrName>
+                                        </p:attrNameLst>
+                                      </p:cBhvr>
+                                      <p:to>
+                                        <p:strVal val="visible"/>
+                                      </p:to>
+                                    </p:set>
+                                  </p:childTnLst>
+                                </p:cTn>
+                              </p:par>
+                            </p:childTnLst>
+                          </p:cTn>
+                        </p:par>
+                      </p:childTnLst>
+                    </p:cTn>
+                  </p:par>
+                  <p:par>
+                    <p:cTn id="15" fill="hold">
+                      <p:stCondLst>
+                        <p:cond delay="indefinite"/>
+                      </p:stCondLst>
+                      <p:childTnLst>
+                        <p:par>
+                          <p:cTn id="16" fill="hold">
+                            <p:stCondLst>
+                              <p:cond delay="0"/>
+                            </p:stCondLst>
+                            <p:childTnLst>
+                              <p:par>
+                                <p:cTn id="17" presetID="1" presetClass="entr" presetSubtype="0" fill="hold" grpId="0" nodeType="clickEffect">
+                                  <p:stCondLst>
+                                    <p:cond delay="0"/>
+                                  </p:stCondLst>
+                                  <p:childTnLst>
+                                    <p:set>
+                                      <p:cBhvr>
+                                        <p:cTn id="18" dur="1" fill="hold">
+                                          <p:stCondLst>
+                                            <p:cond delay="0"/>
+                                          </p:stCondLst>
+                                        </p:cTn>
+                                        <p:tgtEl>
+                                          <p:spTgt spid="3">
+                                            <p:txEl>
+                                              <p:pRg st="3" end="3"/>
+                                            </p:txEl>
+                                          </p:spTgt>
+                                        </p:tgtEl>
+                                        <p:attrNameLst>
+                                          <p:attrName>style.visibility</p:attrName>
+                                        </p:attrNameLst>
+                                      </p:cBhvr>
+                                      <p:to>
+                                        <p:strVal val="visible"/>
+                                      </p:to>
+                                    </p:set>
+                                  </p:childTnLst>
+                                </p:cTn>
+                              </p:par>
+                              <p:par>
+                                <p:cTn id="19" presetID="1" presetClass="entr" presetSubtype="0" fill="hold" grpId="0" nodeType="withEffect">
+                                  <p:stCondLst>
+                                    <p:cond delay="0"/>
+                                  </p:stCondLst>
+                                  <p:childTnLst>
+                                    <p:set>
+                                      <p:cBhvr>
+                                        <p:cTn id="20" dur="1" fill="hold">
+                                          <p:stCondLst>
+                                            <p:cond delay="0"/>
+                                          </p:stCondLst>
+                                        </p:cTn>
+                                        <p:tgtEl>
+                                          <p:spTgt spid="3">
+                                            <p:txEl>
+                                              <p:pRg st="4" end="4"/>
+                                            </p:txEl>
+                                          </p:spTgt>
+                                        </p:tgtEl>
+                                        <p:attrNameLst>
+                                          <p:attrName>style.visibility</p:attrName>
+                                        </p:attrNameLst>
+                                      </p:cBhvr>
+                                      <p:to>
+                                        <p:strVal val="visible"/>
+                                      </p:to>
+                                    </p:set>
+                                  </p:childTnLst>
+                                </p:cTn>
+                              </p:par>
+                            </p:childTnLst>
+                          </p:cTn>
+                        </p:par>
+                      </p:childTnLst>
+                    </p:cTn>
+                  </p:par>
+                </p:childTnLst>
+              </p:cTn>
+              <p:prevCondLst>
+                <p:cond evt="onPrev" delay="0">
+                  <p:tgtEl>
+                    <p:sldTgt/>
+                  </p:tgtEl>
+                </p:cond>
+              </p:prevCondLst>
+              <p:nextCondLst>
+                <p:cond evt="onNext" delay="0">
+                  <p:tgtEl>
+                    <p:sldTgt/>
+                  </p:tgtEl>
+                </p:cond>
+              </p:nextCondLst>
+            </p:seq>
+          </p:childTnLst>
+        </p:cTn>
+      </p:par>
+    </p:tnLst>
+    <p:bldLst>
+      <p:bldP spid="3" grpId="0" build="p"/>
+    </p:bldLst>
+  </p:timing>
 </p:sld>
 </file>
 
@@ -3993,6 +4253,372 @@
   <p:clrMapOvr>
     <a:masterClrMapping/>
   </p:clrMapOvr>
+  <p:timing>
+    <p:tnLst>
+      <p:par>
+        <p:cTn id="1" dur="indefinite" restart="never" nodeType="tmRoot">
+          <p:childTnLst>
+            <p:seq concurrent="1" nextAc="seek">
+              <p:cTn id="2" dur="indefinite" nodeType="mainSeq">
+                <p:childTnLst>
+                  <p:par>
+                    <p:cTn id="3" fill="hold">
+                      <p:stCondLst>
+                        <p:cond delay="indefinite"/>
+                      </p:stCondLst>
+                      <p:childTnLst>
+                        <p:par>
+                          <p:cTn id="4" fill="hold">
+                            <p:stCondLst>
+                              <p:cond delay="0"/>
+                            </p:stCondLst>
+                            <p:childTnLst>
+                              <p:par>
+                                <p:cTn id="5" presetID="1" presetClass="entr" presetSubtype="0" fill="hold" grpId="0" nodeType="clickEffect">
+                                  <p:stCondLst>
+                                    <p:cond delay="0"/>
+                                  </p:stCondLst>
+                                  <p:childTnLst>
+                                    <p:set>
+                                      <p:cBhvr>
+                                        <p:cTn id="6" dur="1" fill="hold">
+                                          <p:stCondLst>
+                                            <p:cond delay="0"/>
+                                          </p:stCondLst>
+                                        </p:cTn>
+                                        <p:tgtEl>
+                                          <p:spTgt spid="3">
+                                            <p:txEl>
+                                              <p:pRg st="0" end="0"/>
+                                            </p:txEl>
+                                          </p:spTgt>
+                                        </p:tgtEl>
+                                        <p:attrNameLst>
+                                          <p:attrName>style.visibility</p:attrName>
+                                        </p:attrNameLst>
+                                      </p:cBhvr>
+                                      <p:to>
+                                        <p:strVal val="visible"/>
+                                      </p:to>
+                                    </p:set>
+                                  </p:childTnLst>
+                                </p:cTn>
+                              </p:par>
+                            </p:childTnLst>
+                          </p:cTn>
+                        </p:par>
+                      </p:childTnLst>
+                    </p:cTn>
+                  </p:par>
+                  <p:par>
+                    <p:cTn id="7" fill="hold">
+                      <p:stCondLst>
+                        <p:cond delay="indefinite"/>
+                      </p:stCondLst>
+                      <p:childTnLst>
+                        <p:par>
+                          <p:cTn id="8" fill="hold">
+                            <p:stCondLst>
+                              <p:cond delay="0"/>
+                            </p:stCondLst>
+                            <p:childTnLst>
+                              <p:par>
+                                <p:cTn id="9" presetID="1" presetClass="entr" presetSubtype="0" fill="hold" grpId="0" nodeType="clickEffect">
+                                  <p:stCondLst>
+                                    <p:cond delay="0"/>
+                                  </p:stCondLst>
+                                  <p:childTnLst>
+                                    <p:set>
+                                      <p:cBhvr>
+                                        <p:cTn id="10" dur="1" fill="hold">
+                                          <p:stCondLst>
+                                            <p:cond delay="0"/>
+                                          </p:stCondLst>
+                                        </p:cTn>
+                                        <p:tgtEl>
+                                          <p:spTgt spid="3">
+                                            <p:txEl>
+                                              <p:pRg st="1" end="1"/>
+                                            </p:txEl>
+                                          </p:spTgt>
+                                        </p:tgtEl>
+                                        <p:attrNameLst>
+                                          <p:attrName>style.visibility</p:attrName>
+                                        </p:attrNameLst>
+                                      </p:cBhvr>
+                                      <p:to>
+                                        <p:strVal val="visible"/>
+                                      </p:to>
+                                    </p:set>
+                                  </p:childTnLst>
+                                </p:cTn>
+                              </p:par>
+                            </p:childTnLst>
+                          </p:cTn>
+                        </p:par>
+                      </p:childTnLst>
+                    </p:cTn>
+                  </p:par>
+                  <p:par>
+                    <p:cTn id="11" fill="hold">
+                      <p:stCondLst>
+                        <p:cond delay="indefinite"/>
+                      </p:stCondLst>
+                      <p:childTnLst>
+                        <p:par>
+                          <p:cTn id="12" fill="hold">
+                            <p:stCondLst>
+                              <p:cond delay="0"/>
+                            </p:stCondLst>
+                            <p:childTnLst>
+                              <p:par>
+                                <p:cTn id="13" presetID="1" presetClass="entr" presetSubtype="0" fill="hold" grpId="0" nodeType="clickEffect">
+                                  <p:stCondLst>
+                                    <p:cond delay="0"/>
+                                  </p:stCondLst>
+                                  <p:childTnLst>
+                                    <p:set>
+                                      <p:cBhvr>
+                                        <p:cTn id="14" dur="1" fill="hold">
+                                          <p:stCondLst>
+                                            <p:cond delay="0"/>
+                                          </p:stCondLst>
+                                        </p:cTn>
+                                        <p:tgtEl>
+                                          <p:spTgt spid="3">
+                                            <p:txEl>
+                                              <p:pRg st="2" end="2"/>
+                                            </p:txEl>
+                                          </p:spTgt>
+                                        </p:tgtEl>
+                                        <p:attrNameLst>
+                                          <p:attrName>style.visibility</p:attrName>
+                                        </p:attrNameLst>
+                                      </p:cBhvr>
+                                      <p:to>
+                                        <p:strVal val="visible"/>
+                                      </p:to>
+                                    </p:set>
+                                  </p:childTnLst>
+                                </p:cTn>
+                              </p:par>
+                              <p:par>
+                                <p:cTn id="15" presetID="1" presetClass="entr" presetSubtype="0" fill="hold" grpId="0" nodeType="withEffect">
+                                  <p:stCondLst>
+                                    <p:cond delay="0"/>
+                                  </p:stCondLst>
+                                  <p:childTnLst>
+                                    <p:set>
+                                      <p:cBhvr>
+                                        <p:cTn id="16" dur="1" fill="hold">
+                                          <p:stCondLst>
+                                            <p:cond delay="0"/>
+                                          </p:stCondLst>
+                                        </p:cTn>
+                                        <p:tgtEl>
+                                          <p:spTgt spid="3">
+                                            <p:txEl>
+                                              <p:pRg st="3" end="3"/>
+                                            </p:txEl>
+                                          </p:spTgt>
+                                        </p:tgtEl>
+                                        <p:attrNameLst>
+                                          <p:attrName>style.visibility</p:attrName>
+                                        </p:attrNameLst>
+                                      </p:cBhvr>
+                                      <p:to>
+                                        <p:strVal val="visible"/>
+                                      </p:to>
+                                    </p:set>
+                                  </p:childTnLst>
+                                </p:cTn>
+                              </p:par>
+                              <p:par>
+                                <p:cTn id="17" presetID="1" presetClass="entr" presetSubtype="0" fill="hold" grpId="0" nodeType="withEffect">
+                                  <p:stCondLst>
+                                    <p:cond delay="0"/>
+                                  </p:stCondLst>
+                                  <p:childTnLst>
+                                    <p:set>
+                                      <p:cBhvr>
+                                        <p:cTn id="18" dur="1" fill="hold">
+                                          <p:stCondLst>
+                                            <p:cond delay="0"/>
+                                          </p:stCondLst>
+                                        </p:cTn>
+                                        <p:tgtEl>
+                                          <p:spTgt spid="3">
+                                            <p:txEl>
+                                              <p:pRg st="4" end="4"/>
+                                            </p:txEl>
+                                          </p:spTgt>
+                                        </p:tgtEl>
+                                        <p:attrNameLst>
+                                          <p:attrName>style.visibility</p:attrName>
+                                        </p:attrNameLst>
+                                      </p:cBhvr>
+                                      <p:to>
+                                        <p:strVal val="visible"/>
+                                      </p:to>
+                                    </p:set>
+                                  </p:childTnLst>
+                                </p:cTn>
+                              </p:par>
+                              <p:par>
+                                <p:cTn id="19" presetID="1" presetClass="entr" presetSubtype="0" fill="hold" grpId="0" nodeType="withEffect">
+                                  <p:stCondLst>
+                                    <p:cond delay="0"/>
+                                  </p:stCondLst>
+                                  <p:childTnLst>
+                                    <p:set>
+                                      <p:cBhvr>
+                                        <p:cTn id="20" dur="1" fill="hold">
+                                          <p:stCondLst>
+                                            <p:cond delay="0"/>
+                                          </p:stCondLst>
+                                        </p:cTn>
+                                        <p:tgtEl>
+                                          <p:spTgt spid="3">
+                                            <p:txEl>
+                                              <p:pRg st="5" end="5"/>
+                                            </p:txEl>
+                                          </p:spTgt>
+                                        </p:tgtEl>
+                                        <p:attrNameLst>
+                                          <p:attrName>style.visibility</p:attrName>
+                                        </p:attrNameLst>
+                                      </p:cBhvr>
+                                      <p:to>
+                                        <p:strVal val="visible"/>
+                                      </p:to>
+                                    </p:set>
+                                  </p:childTnLst>
+                                </p:cTn>
+                              </p:par>
+                              <p:par>
+                                <p:cTn id="21" presetID="1" presetClass="entr" presetSubtype="0" fill="hold" grpId="0" nodeType="withEffect">
+                                  <p:stCondLst>
+                                    <p:cond delay="0"/>
+                                  </p:stCondLst>
+                                  <p:childTnLst>
+                                    <p:set>
+                                      <p:cBhvr>
+                                        <p:cTn id="22" dur="1" fill="hold">
+                                          <p:stCondLst>
+                                            <p:cond delay="0"/>
+                                          </p:stCondLst>
+                                        </p:cTn>
+                                        <p:tgtEl>
+                                          <p:spTgt spid="3">
+                                            <p:txEl>
+                                              <p:pRg st="6" end="6"/>
+                                            </p:txEl>
+                                          </p:spTgt>
+                                        </p:tgtEl>
+                                        <p:attrNameLst>
+                                          <p:attrName>style.visibility</p:attrName>
+                                        </p:attrNameLst>
+                                      </p:cBhvr>
+                                      <p:to>
+                                        <p:strVal val="visible"/>
+                                      </p:to>
+                                    </p:set>
+                                  </p:childTnLst>
+                                </p:cTn>
+                              </p:par>
+                              <p:par>
+                                <p:cTn id="23" presetID="1" presetClass="entr" presetSubtype="0" fill="hold" grpId="0" nodeType="withEffect">
+                                  <p:stCondLst>
+                                    <p:cond delay="0"/>
+                                  </p:stCondLst>
+                                  <p:childTnLst>
+                                    <p:set>
+                                      <p:cBhvr>
+                                        <p:cTn id="24" dur="1" fill="hold">
+                                          <p:stCondLst>
+                                            <p:cond delay="0"/>
+                                          </p:stCondLst>
+                                        </p:cTn>
+                                        <p:tgtEl>
+                                          <p:spTgt spid="3">
+                                            <p:txEl>
+                                              <p:pRg st="7" end="7"/>
+                                            </p:txEl>
+                                          </p:spTgt>
+                                        </p:tgtEl>
+                                        <p:attrNameLst>
+                                          <p:attrName>style.visibility</p:attrName>
+                                        </p:attrNameLst>
+                                      </p:cBhvr>
+                                      <p:to>
+                                        <p:strVal val="visible"/>
+                                      </p:to>
+                                    </p:set>
+                                  </p:childTnLst>
+                                </p:cTn>
+                              </p:par>
+                              <p:par>
+                                <p:cTn id="25" presetID="1" presetClass="entr" presetSubtype="0" fill="hold" grpId="0" nodeType="withEffect">
+                                  <p:stCondLst>
+                                    <p:cond delay="0"/>
+                                  </p:stCondLst>
+                                  <p:childTnLst>
+                                    <p:set>
+                                      <p:cBhvr>
+                                        <p:cTn id="26" dur="1" fill="hold">
+                                          <p:stCondLst>
+                                            <p:cond delay="0"/>
+                                          </p:stCondLst>
+                                        </p:cTn>
+                                        <p:tgtEl>
+                                          <p:spTgt spid="3">
+                                            <p:txEl>
+                                              <p:pRg st="8" end="8"/>
+                                            </p:txEl>
+                                          </p:spTgt>
+                                        </p:tgtEl>
+                                        <p:attrNameLst>
+                                          <p:attrName>style.visibility</p:attrName>
+                                        </p:attrNameLst>
+                                      </p:cBhvr>
+                                      <p:to>
+                                        <p:strVal val="visible"/>
+                                      </p:to>
+                                    </p:set>
+                                  </p:childTnLst>
+                                </p:cTn>
+                              </p:par>
+                            </p:childTnLst>
+                          </p:cTn>
+                        </p:par>
+                      </p:childTnLst>
+                    </p:cTn>
+                  </p:par>
+                </p:childTnLst>
+              </p:cTn>
+              <p:prevCondLst>
+                <p:cond evt="onPrev" delay="0">
+                  <p:tgtEl>
+                    <p:sldTgt/>
+                  </p:tgtEl>
+                </p:cond>
+              </p:prevCondLst>
+              <p:nextCondLst>
+                <p:cond evt="onNext" delay="0">
+                  <p:tgtEl>
+                    <p:sldTgt/>
+                  </p:tgtEl>
+                </p:cond>
+              </p:nextCondLst>
+            </p:seq>
+          </p:childTnLst>
+        </p:cTn>
+      </p:par>
+    </p:tnLst>
+    <p:bldLst>
+      <p:bldP spid="3" grpId="0" build="p"/>
+    </p:bldLst>
+  </p:timing>
 </p:sld>
 </file>
 
@@ -4400,6 +5026,261 @@
   <p:clrMapOvr>
     <a:masterClrMapping/>
   </p:clrMapOvr>
+  <p:timing>
+    <p:tnLst>
+      <p:par>
+        <p:cTn id="1" dur="indefinite" restart="never" nodeType="tmRoot">
+          <p:childTnLst>
+            <p:seq concurrent="1" nextAc="seek">
+              <p:cTn id="2" dur="indefinite" nodeType="mainSeq">
+                <p:childTnLst>
+                  <p:par>
+                    <p:cTn id="3" fill="hold">
+                      <p:stCondLst>
+                        <p:cond delay="indefinite"/>
+                      </p:stCondLst>
+                      <p:childTnLst>
+                        <p:par>
+                          <p:cTn id="4" fill="hold">
+                            <p:stCondLst>
+                              <p:cond delay="0"/>
+                            </p:stCondLst>
+                            <p:childTnLst>
+                              <p:par>
+                                <p:cTn id="5" presetID="1" presetClass="entr" presetSubtype="0" fill="hold" grpId="0" nodeType="clickEffect">
+                                  <p:stCondLst>
+                                    <p:cond delay="0"/>
+                                  </p:stCondLst>
+                                  <p:childTnLst>
+                                    <p:set>
+                                      <p:cBhvr>
+                                        <p:cTn id="6" dur="1" fill="hold">
+                                          <p:stCondLst>
+                                            <p:cond delay="0"/>
+                                          </p:stCondLst>
+                                        </p:cTn>
+                                        <p:tgtEl>
+                                          <p:spTgt spid="3">
+                                            <p:txEl>
+                                              <p:pRg st="0" end="0"/>
+                                            </p:txEl>
+                                          </p:spTgt>
+                                        </p:tgtEl>
+                                        <p:attrNameLst>
+                                          <p:attrName>style.visibility</p:attrName>
+                                        </p:attrNameLst>
+                                      </p:cBhvr>
+                                      <p:to>
+                                        <p:strVal val="visible"/>
+                                      </p:to>
+                                    </p:set>
+                                  </p:childTnLst>
+                                </p:cTn>
+                              </p:par>
+                            </p:childTnLst>
+                          </p:cTn>
+                        </p:par>
+                      </p:childTnLst>
+                    </p:cTn>
+                  </p:par>
+                  <p:par>
+                    <p:cTn id="7" fill="hold">
+                      <p:stCondLst>
+                        <p:cond delay="indefinite"/>
+                      </p:stCondLst>
+                      <p:childTnLst>
+                        <p:par>
+                          <p:cTn id="8" fill="hold">
+                            <p:stCondLst>
+                              <p:cond delay="0"/>
+                            </p:stCondLst>
+                            <p:childTnLst>
+                              <p:par>
+                                <p:cTn id="9" presetID="1" presetClass="entr" presetSubtype="0" fill="hold" grpId="0" nodeType="clickEffect">
+                                  <p:stCondLst>
+                                    <p:cond delay="0"/>
+                                  </p:stCondLst>
+                                  <p:childTnLst>
+                                    <p:set>
+                                      <p:cBhvr>
+                                        <p:cTn id="10" dur="1" fill="hold">
+                                          <p:stCondLst>
+                                            <p:cond delay="0"/>
+                                          </p:stCondLst>
+                                        </p:cTn>
+                                        <p:tgtEl>
+                                          <p:spTgt spid="3">
+                                            <p:txEl>
+                                              <p:pRg st="1" end="1"/>
+                                            </p:txEl>
+                                          </p:spTgt>
+                                        </p:tgtEl>
+                                        <p:attrNameLst>
+                                          <p:attrName>style.visibility</p:attrName>
+                                        </p:attrNameLst>
+                                      </p:cBhvr>
+                                      <p:to>
+                                        <p:strVal val="visible"/>
+                                      </p:to>
+                                    </p:set>
+                                  </p:childTnLst>
+                                </p:cTn>
+                              </p:par>
+                              <p:par>
+                                <p:cTn id="11" presetID="1" presetClass="entr" presetSubtype="0" fill="hold" grpId="0" nodeType="withEffect">
+                                  <p:stCondLst>
+                                    <p:cond delay="0"/>
+                                  </p:stCondLst>
+                                  <p:childTnLst>
+                                    <p:set>
+                                      <p:cBhvr>
+                                        <p:cTn id="12" dur="1" fill="hold">
+                                          <p:stCondLst>
+                                            <p:cond delay="0"/>
+                                          </p:stCondLst>
+                                        </p:cTn>
+                                        <p:tgtEl>
+                                          <p:spTgt spid="3">
+                                            <p:txEl>
+                                              <p:pRg st="2" end="2"/>
+                                            </p:txEl>
+                                          </p:spTgt>
+                                        </p:tgtEl>
+                                        <p:attrNameLst>
+                                          <p:attrName>style.visibility</p:attrName>
+                                        </p:attrNameLst>
+                                      </p:cBhvr>
+                                      <p:to>
+                                        <p:strVal val="visible"/>
+                                      </p:to>
+                                    </p:set>
+                                  </p:childTnLst>
+                                </p:cTn>
+                              </p:par>
+                              <p:par>
+                                <p:cTn id="13" presetID="1" presetClass="entr" presetSubtype="0" fill="hold" grpId="0" nodeType="withEffect">
+                                  <p:stCondLst>
+                                    <p:cond delay="0"/>
+                                  </p:stCondLst>
+                                  <p:childTnLst>
+                                    <p:set>
+                                      <p:cBhvr>
+                                        <p:cTn id="14" dur="1" fill="hold">
+                                          <p:stCondLst>
+                                            <p:cond delay="0"/>
+                                          </p:stCondLst>
+                                        </p:cTn>
+                                        <p:tgtEl>
+                                          <p:spTgt spid="3">
+                                            <p:txEl>
+                                              <p:pRg st="3" end="3"/>
+                                            </p:txEl>
+                                          </p:spTgt>
+                                        </p:tgtEl>
+                                        <p:attrNameLst>
+                                          <p:attrName>style.visibility</p:attrName>
+                                        </p:attrNameLst>
+                                      </p:cBhvr>
+                                      <p:to>
+                                        <p:strVal val="visible"/>
+                                      </p:to>
+                                    </p:set>
+                                  </p:childTnLst>
+                                </p:cTn>
+                              </p:par>
+                              <p:par>
+                                <p:cTn id="15" presetID="1" presetClass="entr" presetSubtype="0" fill="hold" grpId="0" nodeType="withEffect">
+                                  <p:stCondLst>
+                                    <p:cond delay="0"/>
+                                  </p:stCondLst>
+                                  <p:childTnLst>
+                                    <p:set>
+                                      <p:cBhvr>
+                                        <p:cTn id="16" dur="1" fill="hold">
+                                          <p:stCondLst>
+                                            <p:cond delay="0"/>
+                                          </p:stCondLst>
+                                        </p:cTn>
+                                        <p:tgtEl>
+                                          <p:spTgt spid="3">
+                                            <p:txEl>
+                                              <p:pRg st="4" end="4"/>
+                                            </p:txEl>
+                                          </p:spTgt>
+                                        </p:tgtEl>
+                                        <p:attrNameLst>
+                                          <p:attrName>style.visibility</p:attrName>
+                                        </p:attrNameLst>
+                                      </p:cBhvr>
+                                      <p:to>
+                                        <p:strVal val="visible"/>
+                                      </p:to>
+                                    </p:set>
+                                  </p:childTnLst>
+                                </p:cTn>
+                              </p:par>
+                              <p:par>
+                                <p:cTn id="17" presetID="1" presetClass="entr" presetSubtype="0" fill="hold" grpId="0" nodeType="withEffect">
+                                  <p:stCondLst>
+                                    <p:cond delay="0"/>
+                                  </p:stCondLst>
+                                  <p:childTnLst>
+                                    <p:set>
+                                      <p:cBhvr>
+                                        <p:cTn id="18" dur="1" fill="hold">
+                                          <p:stCondLst>
+                                            <p:cond delay="0"/>
+                                          </p:stCondLst>
+                                        </p:cTn>
+                                        <p:tgtEl>
+                                          <p:spTgt spid="3">
+                                            <p:txEl>
+                                              <p:pRg st="5" end="5"/>
+                                            </p:txEl>
+                                          </p:spTgt>
+                                        </p:tgtEl>
+                                        <p:attrNameLst>
+                                          <p:attrName>style.visibility</p:attrName>
+                                        </p:attrNameLst>
+                                      </p:cBhvr>
+                                      <p:to>
+                                        <p:strVal val="visible"/>
+                                      </p:to>
+                                    </p:set>
+                                  </p:childTnLst>
+                                </p:cTn>
+                              </p:par>
+                            </p:childTnLst>
+                          </p:cTn>
+                        </p:par>
+                      </p:childTnLst>
+                    </p:cTn>
+                  </p:par>
+                </p:childTnLst>
+              </p:cTn>
+              <p:prevCondLst>
+                <p:cond evt="onPrev" delay="0">
+                  <p:tgtEl>
+                    <p:sldTgt/>
+                  </p:tgtEl>
+                </p:cond>
+              </p:prevCondLst>
+              <p:nextCondLst>
+                <p:cond evt="onNext" delay="0">
+                  <p:tgtEl>
+                    <p:sldTgt/>
+                  </p:tgtEl>
+                </p:cond>
+              </p:nextCondLst>
+            </p:seq>
+          </p:childTnLst>
+        </p:cTn>
+      </p:par>
+    </p:tnLst>
+    <p:bldLst>
+      <p:bldP spid="3" grpId="0" build="p"/>
+    </p:bldLst>
+  </p:timing>
 </p:sld>
 </file>
 
@@ -4549,6 +5430,248 @@
   <p:clrMapOvr>
     <a:masterClrMapping/>
   </p:clrMapOvr>
+  <p:timing>
+    <p:tnLst>
+      <p:par>
+        <p:cTn id="1" dur="indefinite" restart="never" nodeType="tmRoot">
+          <p:childTnLst>
+            <p:seq concurrent="1" nextAc="seek">
+              <p:cTn id="2" dur="indefinite" nodeType="mainSeq">
+                <p:childTnLst>
+                  <p:par>
+                    <p:cTn id="3" fill="hold">
+                      <p:stCondLst>
+                        <p:cond delay="indefinite"/>
+                      </p:stCondLst>
+                      <p:childTnLst>
+                        <p:par>
+                          <p:cTn id="4" fill="hold">
+                            <p:stCondLst>
+                              <p:cond delay="0"/>
+                            </p:stCondLst>
+                            <p:childTnLst>
+                              <p:par>
+                                <p:cTn id="5" presetID="1" presetClass="entr" presetSubtype="0" fill="hold" grpId="0" nodeType="clickEffect">
+                                  <p:stCondLst>
+                                    <p:cond delay="0"/>
+                                  </p:stCondLst>
+                                  <p:childTnLst>
+                                    <p:set>
+                                      <p:cBhvr>
+                                        <p:cTn id="6" dur="1" fill="hold">
+                                          <p:stCondLst>
+                                            <p:cond delay="0"/>
+                                          </p:stCondLst>
+                                        </p:cTn>
+                                        <p:tgtEl>
+                                          <p:spTgt spid="3">
+                                            <p:txEl>
+                                              <p:pRg st="0" end="0"/>
+                                            </p:txEl>
+                                          </p:spTgt>
+                                        </p:tgtEl>
+                                        <p:attrNameLst>
+                                          <p:attrName>style.visibility</p:attrName>
+                                        </p:attrNameLst>
+                                      </p:cBhvr>
+                                      <p:to>
+                                        <p:strVal val="visible"/>
+                                      </p:to>
+                                    </p:set>
+                                  </p:childTnLst>
+                                </p:cTn>
+                              </p:par>
+                              <p:par>
+                                <p:cTn id="7" presetID="1" presetClass="entr" presetSubtype="0" fill="hold" grpId="0" nodeType="withEffect">
+                                  <p:stCondLst>
+                                    <p:cond delay="0"/>
+                                  </p:stCondLst>
+                                  <p:childTnLst>
+                                    <p:set>
+                                      <p:cBhvr>
+                                        <p:cTn id="8" dur="1" fill="hold">
+                                          <p:stCondLst>
+                                            <p:cond delay="0"/>
+                                          </p:stCondLst>
+                                        </p:cTn>
+                                        <p:tgtEl>
+                                          <p:spTgt spid="3">
+                                            <p:txEl>
+                                              <p:pRg st="1" end="1"/>
+                                            </p:txEl>
+                                          </p:spTgt>
+                                        </p:tgtEl>
+                                        <p:attrNameLst>
+                                          <p:attrName>style.visibility</p:attrName>
+                                        </p:attrNameLst>
+                                      </p:cBhvr>
+                                      <p:to>
+                                        <p:strVal val="visible"/>
+                                      </p:to>
+                                    </p:set>
+                                  </p:childTnLst>
+                                </p:cTn>
+                              </p:par>
+                            </p:childTnLst>
+                          </p:cTn>
+                        </p:par>
+                      </p:childTnLst>
+                    </p:cTn>
+                  </p:par>
+                  <p:par>
+                    <p:cTn id="9" fill="hold">
+                      <p:stCondLst>
+                        <p:cond delay="indefinite"/>
+                      </p:stCondLst>
+                      <p:childTnLst>
+                        <p:par>
+                          <p:cTn id="10" fill="hold">
+                            <p:stCondLst>
+                              <p:cond delay="0"/>
+                            </p:stCondLst>
+                            <p:childTnLst>
+                              <p:par>
+                                <p:cTn id="11" presetID="1" presetClass="entr" presetSubtype="0" fill="hold" grpId="0" nodeType="clickEffect">
+                                  <p:stCondLst>
+                                    <p:cond delay="0"/>
+                                  </p:stCondLst>
+                                  <p:childTnLst>
+                                    <p:set>
+                                      <p:cBhvr>
+                                        <p:cTn id="12" dur="1" fill="hold">
+                                          <p:stCondLst>
+                                            <p:cond delay="0"/>
+                                          </p:stCondLst>
+                                        </p:cTn>
+                                        <p:tgtEl>
+                                          <p:spTgt spid="3">
+                                            <p:txEl>
+                                              <p:pRg st="2" end="2"/>
+                                            </p:txEl>
+                                          </p:spTgt>
+                                        </p:tgtEl>
+                                        <p:attrNameLst>
+                                          <p:attrName>style.visibility</p:attrName>
+                                        </p:attrNameLst>
+                                      </p:cBhvr>
+                                      <p:to>
+                                        <p:strVal val="visible"/>
+                                      </p:to>
+                                    </p:set>
+                                  </p:childTnLst>
+                                </p:cTn>
+                              </p:par>
+                              <p:par>
+                                <p:cTn id="13" presetID="1" presetClass="entr" presetSubtype="0" fill="hold" grpId="0" nodeType="withEffect">
+                                  <p:stCondLst>
+                                    <p:cond delay="0"/>
+                                  </p:stCondLst>
+                                  <p:childTnLst>
+                                    <p:set>
+                                      <p:cBhvr>
+                                        <p:cTn id="14" dur="1" fill="hold">
+                                          <p:stCondLst>
+                                            <p:cond delay="0"/>
+                                          </p:stCondLst>
+                                        </p:cTn>
+                                        <p:tgtEl>
+                                          <p:spTgt spid="3">
+                                            <p:txEl>
+                                              <p:pRg st="3" end="3"/>
+                                            </p:txEl>
+                                          </p:spTgt>
+                                        </p:tgtEl>
+                                        <p:attrNameLst>
+                                          <p:attrName>style.visibility</p:attrName>
+                                        </p:attrNameLst>
+                                      </p:cBhvr>
+                                      <p:to>
+                                        <p:strVal val="visible"/>
+                                      </p:to>
+                                    </p:set>
+                                  </p:childTnLst>
+                                </p:cTn>
+                              </p:par>
+                            </p:childTnLst>
+                          </p:cTn>
+                        </p:par>
+                      </p:childTnLst>
+                    </p:cTn>
+                  </p:par>
+                  <p:par>
+                    <p:cTn id="15" fill="hold">
+                      <p:stCondLst>
+                        <p:cond delay="indefinite"/>
+                      </p:stCondLst>
+                      <p:childTnLst>
+                        <p:par>
+                          <p:cTn id="16" fill="hold">
+                            <p:stCondLst>
+                              <p:cond delay="0"/>
+                            </p:stCondLst>
+                            <p:childTnLst>
+                              <p:par>
+                                <p:cTn id="17" presetID="1" presetClass="entr" presetSubtype="0" fill="hold" grpId="0" nodeType="clickEffect">
+                                  <p:stCondLst>
+                                    <p:cond delay="0"/>
+                                  </p:stCondLst>
+                                  <p:childTnLst>
+                                    <p:set>
+                                      <p:cBhvr>
+                                        <p:cTn id="18" dur="1" fill="hold">
+                                          <p:stCondLst>
+                                            <p:cond delay="0"/>
+                                          </p:stCondLst>
+                                        </p:cTn>
+                                        <p:tgtEl>
+                                          <p:spTgt spid="3">
+                                            <p:txEl>
+                                              <p:pRg st="4" end="4"/>
+                                            </p:txEl>
+                                          </p:spTgt>
+                                        </p:tgtEl>
+                                        <p:attrNameLst>
+                                          <p:attrName>style.visibility</p:attrName>
+                                        </p:attrNameLst>
+                                      </p:cBhvr>
+                                      <p:to>
+                                        <p:strVal val="visible"/>
+                                      </p:to>
+                                    </p:set>
+                                  </p:childTnLst>
+                                </p:cTn>
+                              </p:par>
+                            </p:childTnLst>
+                          </p:cTn>
+                        </p:par>
+                      </p:childTnLst>
+                    </p:cTn>
+                  </p:par>
+                </p:childTnLst>
+              </p:cTn>
+              <p:prevCondLst>
+                <p:cond evt="onPrev" delay="0">
+                  <p:tgtEl>
+                    <p:sldTgt/>
+                  </p:tgtEl>
+                </p:cond>
+              </p:prevCondLst>
+              <p:nextCondLst>
+                <p:cond evt="onNext" delay="0">
+                  <p:tgtEl>
+                    <p:sldTgt/>
+                  </p:tgtEl>
+                </p:cond>
+              </p:nextCondLst>
+            </p:seq>
+          </p:childTnLst>
+        </p:cTn>
+      </p:par>
+    </p:tnLst>
+    <p:bldLst>
+      <p:bldP spid="3" grpId="0" build="p"/>
+    </p:bldLst>
+  </p:timing>
 </p:sld>
 </file>
 
@@ -4640,6 +5763,88 @@
   <p:clrMapOvr>
     <a:masterClrMapping/>
   </p:clrMapOvr>
+  <p:timing>
+    <p:tnLst>
+      <p:par>
+        <p:cTn id="1" dur="indefinite" restart="never" nodeType="tmRoot">
+          <p:childTnLst>
+            <p:seq concurrent="1" nextAc="seek">
+              <p:cTn id="2" dur="indefinite" nodeType="mainSeq">
+                <p:childTnLst>
+                  <p:par>
+                    <p:cTn id="3" fill="hold">
+                      <p:stCondLst>
+                        <p:cond delay="indefinite"/>
+                      </p:stCondLst>
+                      <p:childTnLst>
+                        <p:par>
+                          <p:cTn id="4" fill="hold">
+                            <p:stCondLst>
+                              <p:cond delay="0"/>
+                            </p:stCondLst>
+                            <p:childTnLst>
+                              <p:par>
+                                <p:cTn id="5" presetID="1" presetClass="entr" presetSubtype="0" fill="hold" grpId="0" nodeType="clickEffect">
+                                  <p:stCondLst>
+                                    <p:cond delay="0"/>
+                                  </p:stCondLst>
+                                  <p:childTnLst>
+                                    <p:set>
+                                      <p:cBhvr>
+                                        <p:cTn id="6" dur="1" fill="hold">
+                                          <p:stCondLst>
+                                            <p:cond delay="0"/>
+                                          </p:stCondLst>
+                                        </p:cTn>
+                                        <p:tgtEl>
+                                          <p:spTgt spid="3">
+                                            <p:txEl>
+                                              <p:pRg st="0" end="0"/>
+                                            </p:txEl>
+                                          </p:spTgt>
+                                        </p:tgtEl>
+                                        <p:attrNameLst>
+                                          <p:attrName>style.visibility</p:attrName>
+                                        </p:attrNameLst>
+                                      </p:cBhvr>
+                                      <p:to>
+                                        <p:strVal val="visible"/>
+                                      </p:to>
+                                    </p:set>
+                                  </p:childTnLst>
+                                </p:cTn>
+                              </p:par>
+                            </p:childTnLst>
+                          </p:cTn>
+                        </p:par>
+                      </p:childTnLst>
+                    </p:cTn>
+                  </p:par>
+                </p:childTnLst>
+              </p:cTn>
+              <p:prevCondLst>
+                <p:cond evt="onPrev" delay="0">
+                  <p:tgtEl>
+                    <p:sldTgt/>
+                  </p:tgtEl>
+                </p:cond>
+              </p:prevCondLst>
+              <p:nextCondLst>
+                <p:cond evt="onNext" delay="0">
+                  <p:tgtEl>
+                    <p:sldTgt/>
+                  </p:tgtEl>
+                </p:cond>
+              </p:nextCondLst>
+            </p:seq>
+          </p:childTnLst>
+        </p:cTn>
+      </p:par>
+    </p:tnLst>
+    <p:bldLst>
+      <p:bldP spid="3" grpId="0" build="p"/>
+    </p:bldLst>
+  </p:timing>
 </p:sld>
 </file>
 
@@ -5661,7 +6866,6 @@
             </a:r>
           </a:p>
           <a:p>
-            <a:pPr lvl="1"/>
             <a:r>
               <a:rPr lang="en-US" dirty="0"/>
               <a:t>Property needs to be installed on the object with </a:t>
@@ -5696,6 +6900,168 @@
   <p:clrMapOvr>
     <a:masterClrMapping/>
   </p:clrMapOvr>
+  <p:timing>
+    <p:tnLst>
+      <p:par>
+        <p:cTn id="1" dur="indefinite" restart="never" nodeType="tmRoot">
+          <p:childTnLst>
+            <p:seq concurrent="1" nextAc="seek">
+              <p:cTn id="2" dur="indefinite" nodeType="mainSeq">
+                <p:childTnLst>
+                  <p:par>
+                    <p:cTn id="3" fill="hold">
+                      <p:stCondLst>
+                        <p:cond delay="indefinite"/>
+                      </p:stCondLst>
+                      <p:childTnLst>
+                        <p:par>
+                          <p:cTn id="4" fill="hold">
+                            <p:stCondLst>
+                              <p:cond delay="0"/>
+                            </p:stCondLst>
+                            <p:childTnLst>
+                              <p:par>
+                                <p:cTn id="5" presetID="1" presetClass="entr" presetSubtype="0" fill="hold" grpId="0" nodeType="clickEffect">
+                                  <p:stCondLst>
+                                    <p:cond delay="0"/>
+                                  </p:stCondLst>
+                                  <p:childTnLst>
+                                    <p:set>
+                                      <p:cBhvr>
+                                        <p:cTn id="6" dur="1" fill="hold">
+                                          <p:stCondLst>
+                                            <p:cond delay="0"/>
+                                          </p:stCondLst>
+                                        </p:cTn>
+                                        <p:tgtEl>
+                                          <p:spTgt spid="3">
+                                            <p:txEl>
+                                              <p:pRg st="0" end="0"/>
+                                            </p:txEl>
+                                          </p:spTgt>
+                                        </p:tgtEl>
+                                        <p:attrNameLst>
+                                          <p:attrName>style.visibility</p:attrName>
+                                        </p:attrNameLst>
+                                      </p:cBhvr>
+                                      <p:to>
+                                        <p:strVal val="visible"/>
+                                      </p:to>
+                                    </p:set>
+                                  </p:childTnLst>
+                                </p:cTn>
+                              </p:par>
+                            </p:childTnLst>
+                          </p:cTn>
+                        </p:par>
+                      </p:childTnLst>
+                    </p:cTn>
+                  </p:par>
+                  <p:par>
+                    <p:cTn id="7" fill="hold">
+                      <p:stCondLst>
+                        <p:cond delay="indefinite"/>
+                      </p:stCondLst>
+                      <p:childTnLst>
+                        <p:par>
+                          <p:cTn id="8" fill="hold">
+                            <p:stCondLst>
+                              <p:cond delay="0"/>
+                            </p:stCondLst>
+                            <p:childTnLst>
+                              <p:par>
+                                <p:cTn id="9" presetID="1" presetClass="entr" presetSubtype="0" fill="hold" grpId="0" nodeType="clickEffect">
+                                  <p:stCondLst>
+                                    <p:cond delay="0"/>
+                                  </p:stCondLst>
+                                  <p:childTnLst>
+                                    <p:set>
+                                      <p:cBhvr>
+                                        <p:cTn id="10" dur="1" fill="hold">
+                                          <p:stCondLst>
+                                            <p:cond delay="0"/>
+                                          </p:stCondLst>
+                                        </p:cTn>
+                                        <p:tgtEl>
+                                          <p:spTgt spid="3">
+                                            <p:txEl>
+                                              <p:pRg st="1" end="1"/>
+                                            </p:txEl>
+                                          </p:spTgt>
+                                        </p:tgtEl>
+                                        <p:attrNameLst>
+                                          <p:attrName>style.visibility</p:attrName>
+                                        </p:attrNameLst>
+                                      </p:cBhvr>
+                                      <p:to>
+                                        <p:strVal val="visible"/>
+                                      </p:to>
+                                    </p:set>
+                                  </p:childTnLst>
+                                </p:cTn>
+                              </p:par>
+                              <p:par>
+                                <p:cTn id="11" presetID="1" presetClass="entr" presetSubtype="0" fill="hold" grpId="0" nodeType="withEffect">
+                                  <p:stCondLst>
+                                    <p:cond delay="0"/>
+                                  </p:stCondLst>
+                                  <p:childTnLst>
+                                    <p:set>
+                                      <p:cBhvr>
+                                        <p:cTn id="12" dur="1" fill="hold">
+                                          <p:stCondLst>
+                                            <p:cond delay="0"/>
+                                          </p:stCondLst>
+                                        </p:cTn>
+                                        <p:tgtEl>
+                                          <p:spTgt spid="3">
+                                            <p:txEl>
+                                              <p:pRg st="2" end="2"/>
+                                            </p:txEl>
+                                          </p:spTgt>
+                                        </p:tgtEl>
+                                        <p:attrNameLst>
+                                          <p:attrName>style.visibility</p:attrName>
+                                        </p:attrNameLst>
+                                      </p:cBhvr>
+                                      <p:to>
+                                        <p:strVal val="visible"/>
+                                      </p:to>
+                                    </p:set>
+                                  </p:childTnLst>
+                                </p:cTn>
+                              </p:par>
+                            </p:childTnLst>
+                          </p:cTn>
+                        </p:par>
+                      </p:childTnLst>
+                    </p:cTn>
+                  </p:par>
+                </p:childTnLst>
+              </p:cTn>
+              <p:prevCondLst>
+                <p:cond evt="onPrev" delay="0">
+                  <p:tgtEl>
+                    <p:sldTgt/>
+                  </p:tgtEl>
+                </p:cond>
+              </p:prevCondLst>
+              <p:nextCondLst>
+                <p:cond evt="onNext" delay="0">
+                  <p:tgtEl>
+                    <p:sldTgt/>
+                  </p:tgtEl>
+                </p:cond>
+              </p:nextCondLst>
+            </p:seq>
+          </p:childTnLst>
+        </p:cTn>
+      </p:par>
+    </p:tnLst>
+    <p:bldLst>
+      <p:bldP spid="3" grpId="0" build="p"/>
+    </p:bldLst>
+  </p:timing>
 </p:sld>
 </file>
 
@@ -5821,6 +7187,266 @@
   <p:clrMapOvr>
     <a:masterClrMapping/>
   </p:clrMapOvr>
+  <p:timing>
+    <p:tnLst>
+      <p:par>
+        <p:cTn id="1" dur="indefinite" restart="never" nodeType="tmRoot">
+          <p:childTnLst>
+            <p:seq concurrent="1" nextAc="seek">
+              <p:cTn id="2" dur="indefinite" nodeType="mainSeq">
+                <p:childTnLst>
+                  <p:par>
+                    <p:cTn id="3" fill="hold">
+                      <p:stCondLst>
+                        <p:cond delay="indefinite"/>
+                      </p:stCondLst>
+                      <p:childTnLst>
+                        <p:par>
+                          <p:cTn id="4" fill="hold">
+                            <p:stCondLst>
+                              <p:cond delay="0"/>
+                            </p:stCondLst>
+                            <p:childTnLst>
+                              <p:par>
+                                <p:cTn id="5" presetID="1" presetClass="entr" presetSubtype="0" fill="hold" grpId="0" nodeType="clickEffect">
+                                  <p:stCondLst>
+                                    <p:cond delay="0"/>
+                                  </p:stCondLst>
+                                  <p:childTnLst>
+                                    <p:set>
+                                      <p:cBhvr>
+                                        <p:cTn id="6" dur="1" fill="hold">
+                                          <p:stCondLst>
+                                            <p:cond delay="0"/>
+                                          </p:stCondLst>
+                                        </p:cTn>
+                                        <p:tgtEl>
+                                          <p:spTgt spid="3">
+                                            <p:txEl>
+                                              <p:pRg st="0" end="0"/>
+                                            </p:txEl>
+                                          </p:spTgt>
+                                        </p:tgtEl>
+                                        <p:attrNameLst>
+                                          <p:attrName>style.visibility</p:attrName>
+                                        </p:attrNameLst>
+                                      </p:cBhvr>
+                                      <p:to>
+                                        <p:strVal val="visible"/>
+                                      </p:to>
+                                    </p:set>
+                                  </p:childTnLst>
+                                </p:cTn>
+                              </p:par>
+                              <p:par>
+                                <p:cTn id="7" presetID="1" presetClass="entr" presetSubtype="0" fill="hold" grpId="0" nodeType="withEffect">
+                                  <p:stCondLst>
+                                    <p:cond delay="0"/>
+                                  </p:stCondLst>
+                                  <p:childTnLst>
+                                    <p:set>
+                                      <p:cBhvr>
+                                        <p:cTn id="8" dur="1" fill="hold">
+                                          <p:stCondLst>
+                                            <p:cond delay="0"/>
+                                          </p:stCondLst>
+                                        </p:cTn>
+                                        <p:tgtEl>
+                                          <p:spTgt spid="3">
+                                            <p:txEl>
+                                              <p:pRg st="1" end="1"/>
+                                            </p:txEl>
+                                          </p:spTgt>
+                                        </p:tgtEl>
+                                        <p:attrNameLst>
+                                          <p:attrName>style.visibility</p:attrName>
+                                        </p:attrNameLst>
+                                      </p:cBhvr>
+                                      <p:to>
+                                        <p:strVal val="visible"/>
+                                      </p:to>
+                                    </p:set>
+                                  </p:childTnLst>
+                                </p:cTn>
+                              </p:par>
+                            </p:childTnLst>
+                          </p:cTn>
+                        </p:par>
+                      </p:childTnLst>
+                    </p:cTn>
+                  </p:par>
+                  <p:par>
+                    <p:cTn id="9" fill="hold">
+                      <p:stCondLst>
+                        <p:cond delay="indefinite"/>
+                      </p:stCondLst>
+                      <p:childTnLst>
+                        <p:par>
+                          <p:cTn id="10" fill="hold">
+                            <p:stCondLst>
+                              <p:cond delay="0"/>
+                            </p:stCondLst>
+                            <p:childTnLst>
+                              <p:par>
+                                <p:cTn id="11" presetID="1" presetClass="entr" presetSubtype="0" fill="hold" grpId="0" nodeType="clickEffect">
+                                  <p:stCondLst>
+                                    <p:cond delay="0"/>
+                                  </p:stCondLst>
+                                  <p:childTnLst>
+                                    <p:set>
+                                      <p:cBhvr>
+                                        <p:cTn id="12" dur="1" fill="hold">
+                                          <p:stCondLst>
+                                            <p:cond delay="0"/>
+                                          </p:stCondLst>
+                                        </p:cTn>
+                                        <p:tgtEl>
+                                          <p:spTgt spid="3">
+                                            <p:txEl>
+                                              <p:pRg st="2" end="2"/>
+                                            </p:txEl>
+                                          </p:spTgt>
+                                        </p:tgtEl>
+                                        <p:attrNameLst>
+                                          <p:attrName>style.visibility</p:attrName>
+                                        </p:attrNameLst>
+                                      </p:cBhvr>
+                                      <p:to>
+                                        <p:strVal val="visible"/>
+                                      </p:to>
+                                    </p:set>
+                                  </p:childTnLst>
+                                </p:cTn>
+                              </p:par>
+                            </p:childTnLst>
+                          </p:cTn>
+                        </p:par>
+                      </p:childTnLst>
+                    </p:cTn>
+                  </p:par>
+                  <p:par>
+                    <p:cTn id="13" fill="hold">
+                      <p:stCondLst>
+                        <p:cond delay="indefinite"/>
+                      </p:stCondLst>
+                      <p:childTnLst>
+                        <p:par>
+                          <p:cTn id="14" fill="hold">
+                            <p:stCondLst>
+                              <p:cond delay="0"/>
+                            </p:stCondLst>
+                            <p:childTnLst>
+                              <p:par>
+                                <p:cTn id="15" presetID="1" presetClass="entr" presetSubtype="0" fill="hold" grpId="0" nodeType="clickEffect">
+                                  <p:stCondLst>
+                                    <p:cond delay="0"/>
+                                  </p:stCondLst>
+                                  <p:childTnLst>
+                                    <p:set>
+                                      <p:cBhvr>
+                                        <p:cTn id="16" dur="1" fill="hold">
+                                          <p:stCondLst>
+                                            <p:cond delay="0"/>
+                                          </p:stCondLst>
+                                        </p:cTn>
+                                        <p:tgtEl>
+                                          <p:spTgt spid="3">
+                                            <p:txEl>
+                                              <p:pRg st="3" end="3"/>
+                                            </p:txEl>
+                                          </p:spTgt>
+                                        </p:tgtEl>
+                                        <p:attrNameLst>
+                                          <p:attrName>style.visibility</p:attrName>
+                                        </p:attrNameLst>
+                                      </p:cBhvr>
+                                      <p:to>
+                                        <p:strVal val="visible"/>
+                                      </p:to>
+                                    </p:set>
+                                  </p:childTnLst>
+                                </p:cTn>
+                              </p:par>
+                            </p:childTnLst>
+                          </p:cTn>
+                        </p:par>
+                      </p:childTnLst>
+                    </p:cTn>
+                  </p:par>
+                  <p:par>
+                    <p:cTn id="17" fill="hold">
+                      <p:stCondLst>
+                        <p:cond delay="indefinite"/>
+                      </p:stCondLst>
+                      <p:childTnLst>
+                        <p:par>
+                          <p:cTn id="18" fill="hold">
+                            <p:stCondLst>
+                              <p:cond delay="0"/>
+                            </p:stCondLst>
+                            <p:childTnLst>
+                              <p:par>
+                                <p:cTn id="19" presetID="1" presetClass="entr" presetSubtype="0" fill="hold" grpId="0" nodeType="clickEffect">
+                                  <p:stCondLst>
+                                    <p:cond delay="0"/>
+                                  </p:stCondLst>
+                                  <p:childTnLst>
+                                    <p:set>
+                                      <p:cBhvr>
+                                        <p:cTn id="20" dur="1" fill="hold">
+                                          <p:stCondLst>
+                                            <p:cond delay="0"/>
+                                          </p:stCondLst>
+                                        </p:cTn>
+                                        <p:tgtEl>
+                                          <p:spTgt spid="3">
+                                            <p:txEl>
+                                              <p:pRg st="4" end="4"/>
+                                            </p:txEl>
+                                          </p:spTgt>
+                                        </p:tgtEl>
+                                        <p:attrNameLst>
+                                          <p:attrName>style.visibility</p:attrName>
+                                        </p:attrNameLst>
+                                      </p:cBhvr>
+                                      <p:to>
+                                        <p:strVal val="visible"/>
+                                      </p:to>
+                                    </p:set>
+                                  </p:childTnLst>
+                                </p:cTn>
+                              </p:par>
+                            </p:childTnLst>
+                          </p:cTn>
+                        </p:par>
+                      </p:childTnLst>
+                    </p:cTn>
+                  </p:par>
+                </p:childTnLst>
+              </p:cTn>
+              <p:prevCondLst>
+                <p:cond evt="onPrev" delay="0">
+                  <p:tgtEl>
+                    <p:sldTgt/>
+                  </p:tgtEl>
+                </p:cond>
+              </p:prevCondLst>
+              <p:nextCondLst>
+                <p:cond evt="onNext" delay="0">
+                  <p:tgtEl>
+                    <p:sldTgt/>
+                  </p:tgtEl>
+                </p:cond>
+              </p:nextCondLst>
+            </p:seq>
+          </p:childTnLst>
+        </p:cTn>
+      </p:par>
+    </p:tnLst>
+    <p:bldLst>
+      <p:bldP spid="3" grpId="0" build="p"/>
+    </p:bldLst>
+  </p:timing>
 </p:sld>
 </file>
 
@@ -6779,7 +8405,6 @@
             </a:r>
           </a:p>
           <a:p>
-            <a:pPr lvl="1"/>
             <a:r>
               <a:rPr lang="en-US" dirty="0"/>
               <a:t>This won't be installed anywhere and will not have any implementation behind it.</a:t>
@@ -6797,6 +8422,137 @@
   <p:clrMapOvr>
     <a:masterClrMapping/>
   </p:clrMapOvr>
+  <p:timing>
+    <p:tnLst>
+      <p:par>
+        <p:cTn id="1" dur="indefinite" restart="never" nodeType="tmRoot">
+          <p:childTnLst>
+            <p:seq concurrent="1" nextAc="seek">
+              <p:cTn id="2" dur="indefinite" nodeType="mainSeq">
+                <p:childTnLst>
+                  <p:par>
+                    <p:cTn id="3" fill="hold">
+                      <p:stCondLst>
+                        <p:cond delay="indefinite"/>
+                      </p:stCondLst>
+                      <p:childTnLst>
+                        <p:par>
+                          <p:cTn id="4" fill="hold">
+                            <p:stCondLst>
+                              <p:cond delay="0"/>
+                            </p:stCondLst>
+                            <p:childTnLst>
+                              <p:par>
+                                <p:cTn id="5" presetID="1" presetClass="entr" presetSubtype="0" fill="hold" grpId="0" nodeType="clickEffect">
+                                  <p:stCondLst>
+                                    <p:cond delay="0"/>
+                                  </p:stCondLst>
+                                  <p:childTnLst>
+                                    <p:set>
+                                      <p:cBhvr>
+                                        <p:cTn id="6" dur="1" fill="hold">
+                                          <p:stCondLst>
+                                            <p:cond delay="0"/>
+                                          </p:stCondLst>
+                                        </p:cTn>
+                                        <p:tgtEl>
+                                          <p:spTgt spid="3">
+                                            <p:txEl>
+                                              <p:pRg st="0" end="0"/>
+                                            </p:txEl>
+                                          </p:spTgt>
+                                        </p:tgtEl>
+                                        <p:attrNameLst>
+                                          <p:attrName>style.visibility</p:attrName>
+                                        </p:attrNameLst>
+                                      </p:cBhvr>
+                                      <p:to>
+                                        <p:strVal val="visible"/>
+                                      </p:to>
+                                    </p:set>
+                                  </p:childTnLst>
+                                </p:cTn>
+                              </p:par>
+                            </p:childTnLst>
+                          </p:cTn>
+                        </p:par>
+                      </p:childTnLst>
+                    </p:cTn>
+                  </p:par>
+                  <p:par>
+                    <p:cTn id="7" fill="hold">
+                      <p:stCondLst>
+                        <p:cond delay="indefinite"/>
+                      </p:stCondLst>
+                      <p:childTnLst>
+                        <p:par>
+                          <p:cTn id="8" fill="hold">
+                            <p:stCondLst>
+                              <p:cond delay="0"/>
+                            </p:stCondLst>
+                            <p:childTnLst>
+                              <p:par>
+                                <p:cTn id="9" presetID="1" presetClass="entr" presetSubtype="0" fill="hold" grpId="0" nodeType="clickEffect">
+                                  <p:stCondLst>
+                                    <p:cond delay="0"/>
+                                  </p:stCondLst>
+                                  <p:childTnLst>
+                                    <p:set>
+                                      <p:cBhvr>
+                                        <p:cTn id="10" dur="1" fill="hold">
+                                          <p:stCondLst>
+                                            <p:cond delay="0"/>
+                                          </p:stCondLst>
+                                        </p:cTn>
+                                        <p:tgtEl>
+                                          <p:spTgt spid="3">
+                                            <p:txEl>
+                                              <p:pRg st="1" end="1"/>
+                                            </p:txEl>
+                                          </p:spTgt>
+                                        </p:tgtEl>
+                                        <p:attrNameLst>
+                                          <p:attrName>style.visibility</p:attrName>
+                                        </p:attrNameLst>
+                                      </p:cBhvr>
+                                      <p:to>
+                                        <p:strVal val="visible"/>
+                                      </p:to>
+                                    </p:set>
+                                  </p:childTnLst>
+                                </p:cTn>
+                              </p:par>
+                            </p:childTnLst>
+                          </p:cTn>
+                        </p:par>
+                      </p:childTnLst>
+                    </p:cTn>
+                  </p:par>
+                </p:childTnLst>
+              </p:cTn>
+              <p:prevCondLst>
+                <p:cond evt="onPrev" delay="0">
+                  <p:tgtEl>
+                    <p:sldTgt/>
+                  </p:tgtEl>
+                </p:cond>
+              </p:prevCondLst>
+              <p:nextCondLst>
+                <p:cond evt="onNext" delay="0">
+                  <p:tgtEl>
+                    <p:sldTgt/>
+                  </p:tgtEl>
+                </p:cond>
+              </p:nextCondLst>
+            </p:seq>
+          </p:childTnLst>
+        </p:cTn>
+      </p:par>
+    </p:tnLst>
+    <p:bldLst>
+      <p:bldP spid="3" grpId="0" build="p"/>
+    </p:bldLst>
+  </p:timing>
 </p:sld>
 </file>
 
@@ -7844,6 +9600,186 @@
   <p:clrMapOvr>
     <a:masterClrMapping/>
   </p:clrMapOvr>
+  <p:timing>
+    <p:tnLst>
+      <p:par>
+        <p:cTn id="1" dur="indefinite" restart="never" nodeType="tmRoot">
+          <p:childTnLst>
+            <p:seq concurrent="1" nextAc="seek">
+              <p:cTn id="2" dur="indefinite" nodeType="mainSeq">
+                <p:childTnLst>
+                  <p:par>
+                    <p:cTn id="3" fill="hold">
+                      <p:stCondLst>
+                        <p:cond delay="indefinite"/>
+                      </p:stCondLst>
+                      <p:childTnLst>
+                        <p:par>
+                          <p:cTn id="4" fill="hold">
+                            <p:stCondLst>
+                              <p:cond delay="0"/>
+                            </p:stCondLst>
+                            <p:childTnLst>
+                              <p:par>
+                                <p:cTn id="5" presetID="1" presetClass="entr" presetSubtype="0" fill="hold" grpId="0" nodeType="clickEffect">
+                                  <p:stCondLst>
+                                    <p:cond delay="0"/>
+                                  </p:stCondLst>
+                                  <p:childTnLst>
+                                    <p:set>
+                                      <p:cBhvr>
+                                        <p:cTn id="6" dur="1" fill="hold">
+                                          <p:stCondLst>
+                                            <p:cond delay="0"/>
+                                          </p:stCondLst>
+                                        </p:cTn>
+                                        <p:tgtEl>
+                                          <p:spTgt spid="3">
+                                            <p:txEl>
+                                              <p:pRg st="0" end="0"/>
+                                            </p:txEl>
+                                          </p:spTgt>
+                                        </p:tgtEl>
+                                        <p:attrNameLst>
+                                          <p:attrName>style.visibility</p:attrName>
+                                        </p:attrNameLst>
+                                      </p:cBhvr>
+                                      <p:to>
+                                        <p:strVal val="visible"/>
+                                      </p:to>
+                                    </p:set>
+                                  </p:childTnLst>
+                                </p:cTn>
+                              </p:par>
+                            </p:childTnLst>
+                          </p:cTn>
+                        </p:par>
+                      </p:childTnLst>
+                    </p:cTn>
+                  </p:par>
+                  <p:par>
+                    <p:cTn id="7" fill="hold">
+                      <p:stCondLst>
+                        <p:cond delay="indefinite"/>
+                      </p:stCondLst>
+                      <p:childTnLst>
+                        <p:par>
+                          <p:cTn id="8" fill="hold">
+                            <p:stCondLst>
+                              <p:cond delay="0"/>
+                            </p:stCondLst>
+                            <p:childTnLst>
+                              <p:par>
+                                <p:cTn id="9" presetID="1" presetClass="entr" presetSubtype="0" fill="hold" grpId="0" nodeType="clickEffect">
+                                  <p:stCondLst>
+                                    <p:cond delay="0"/>
+                                  </p:stCondLst>
+                                  <p:childTnLst>
+                                    <p:set>
+                                      <p:cBhvr>
+                                        <p:cTn id="10" dur="1" fill="hold">
+                                          <p:stCondLst>
+                                            <p:cond delay="0"/>
+                                          </p:stCondLst>
+                                        </p:cTn>
+                                        <p:tgtEl>
+                                          <p:spTgt spid="3">
+                                            <p:txEl>
+                                              <p:pRg st="1" end="1"/>
+                                            </p:txEl>
+                                          </p:spTgt>
+                                        </p:tgtEl>
+                                        <p:attrNameLst>
+                                          <p:attrName>style.visibility</p:attrName>
+                                        </p:attrNameLst>
+                                      </p:cBhvr>
+                                      <p:to>
+                                        <p:strVal val="visible"/>
+                                      </p:to>
+                                    </p:set>
+                                  </p:childTnLst>
+                                </p:cTn>
+                              </p:par>
+                            </p:childTnLst>
+                          </p:cTn>
+                        </p:par>
+                      </p:childTnLst>
+                    </p:cTn>
+                  </p:par>
+                  <p:par>
+                    <p:cTn id="11" fill="hold">
+                      <p:stCondLst>
+                        <p:cond delay="indefinite"/>
+                      </p:stCondLst>
+                      <p:childTnLst>
+                        <p:par>
+                          <p:cTn id="12" fill="hold">
+                            <p:stCondLst>
+                              <p:cond delay="0"/>
+                            </p:stCondLst>
+                            <p:childTnLst>
+                              <p:par>
+                                <p:cTn id="13" presetID="1" presetClass="entr" presetSubtype="0" fill="hold" grpId="0" nodeType="clickEffect">
+                                  <p:stCondLst>
+                                    <p:cond delay="0"/>
+                                  </p:stCondLst>
+                                  <p:childTnLst>
+                                    <p:set>
+                                      <p:cBhvr>
+                                        <p:cTn id="14" dur="1" fill="hold">
+                                          <p:stCondLst>
+                                            <p:cond delay="0"/>
+                                          </p:stCondLst>
+                                        </p:cTn>
+                                        <p:tgtEl>
+                                          <p:spTgt spid="3">
+                                            <p:txEl>
+                                              <p:pRg st="2" end="2"/>
+                                            </p:txEl>
+                                          </p:spTgt>
+                                        </p:tgtEl>
+                                        <p:attrNameLst>
+                                          <p:attrName>style.visibility</p:attrName>
+                                        </p:attrNameLst>
+                                      </p:cBhvr>
+                                      <p:to>
+                                        <p:strVal val="visible"/>
+                                      </p:to>
+                                    </p:set>
+                                  </p:childTnLst>
+                                </p:cTn>
+                              </p:par>
+                            </p:childTnLst>
+                          </p:cTn>
+                        </p:par>
+                      </p:childTnLst>
+                    </p:cTn>
+                  </p:par>
+                </p:childTnLst>
+              </p:cTn>
+              <p:prevCondLst>
+                <p:cond evt="onPrev" delay="0">
+                  <p:tgtEl>
+                    <p:sldTgt/>
+                  </p:tgtEl>
+                </p:cond>
+              </p:prevCondLst>
+              <p:nextCondLst>
+                <p:cond evt="onNext" delay="0">
+                  <p:tgtEl>
+                    <p:sldTgt/>
+                  </p:tgtEl>
+                </p:cond>
+              </p:nextCondLst>
+            </p:seq>
+          </p:childTnLst>
+        </p:cTn>
+      </p:par>
+    </p:tnLst>
+    <p:bldLst>
+      <p:bldP spid="3" grpId="0" build="p"/>
+    </p:bldLst>
+  </p:timing>
 </p:sld>
 </file>
 
@@ -8843,13 +10779,8 @@
             <a:pPr lvl="1"/>
             <a:r>
               <a:rPr lang="en-US" dirty="0"/>
-              <a:t>Test-specific test fixtures are setup in </a:t>
-            </a:r>
-            <a:r>
-              <a:rPr lang="en-US"/>
-              <a:t>child describe block.</a:t>
-            </a:r>
-            <a:endParaRPr lang="en-US" dirty="0"/>
+              <a:t>Test-specific test fixtures are setup in child describe block.</a:t>
+            </a:r>
           </a:p>
         </p:txBody>
       </p:sp>
@@ -8863,6 +10794,199 @@
   <p:clrMapOvr>
     <a:masterClrMapping/>
   </p:clrMapOvr>
+  <p:timing>
+    <p:tnLst>
+      <p:par>
+        <p:cTn id="1" dur="indefinite" restart="never" nodeType="tmRoot">
+          <p:childTnLst>
+            <p:seq concurrent="1" nextAc="seek">
+              <p:cTn id="2" dur="indefinite" nodeType="mainSeq">
+                <p:childTnLst>
+                  <p:par>
+                    <p:cTn id="3" fill="hold">
+                      <p:stCondLst>
+                        <p:cond delay="indefinite"/>
+                      </p:stCondLst>
+                      <p:childTnLst>
+                        <p:par>
+                          <p:cTn id="4" fill="hold">
+                            <p:stCondLst>
+                              <p:cond delay="0"/>
+                            </p:stCondLst>
+                            <p:childTnLst>
+                              <p:par>
+                                <p:cTn id="5" presetID="1" presetClass="entr" presetSubtype="0" fill="hold" grpId="0" nodeType="clickEffect">
+                                  <p:stCondLst>
+                                    <p:cond delay="0"/>
+                                  </p:stCondLst>
+                                  <p:childTnLst>
+                                    <p:set>
+                                      <p:cBhvr>
+                                        <p:cTn id="6" dur="1" fill="hold">
+                                          <p:stCondLst>
+                                            <p:cond delay="0"/>
+                                          </p:stCondLst>
+                                        </p:cTn>
+                                        <p:tgtEl>
+                                          <p:spTgt spid="3">
+                                            <p:txEl>
+                                              <p:pRg st="0" end="0"/>
+                                            </p:txEl>
+                                          </p:spTgt>
+                                        </p:tgtEl>
+                                        <p:attrNameLst>
+                                          <p:attrName>style.visibility</p:attrName>
+                                        </p:attrNameLst>
+                                      </p:cBhvr>
+                                      <p:to>
+                                        <p:strVal val="visible"/>
+                                      </p:to>
+                                    </p:set>
+                                  </p:childTnLst>
+                                </p:cTn>
+                              </p:par>
+                            </p:childTnLst>
+                          </p:cTn>
+                        </p:par>
+                      </p:childTnLst>
+                    </p:cTn>
+                  </p:par>
+                  <p:par>
+                    <p:cTn id="7" fill="hold">
+                      <p:stCondLst>
+                        <p:cond delay="indefinite"/>
+                      </p:stCondLst>
+                      <p:childTnLst>
+                        <p:par>
+                          <p:cTn id="8" fill="hold">
+                            <p:stCondLst>
+                              <p:cond delay="0"/>
+                            </p:stCondLst>
+                            <p:childTnLst>
+                              <p:par>
+                                <p:cTn id="9" presetID="1" presetClass="entr" presetSubtype="0" fill="hold" grpId="0" nodeType="clickEffect">
+                                  <p:stCondLst>
+                                    <p:cond delay="0"/>
+                                  </p:stCondLst>
+                                  <p:childTnLst>
+                                    <p:set>
+                                      <p:cBhvr>
+                                        <p:cTn id="10" dur="1" fill="hold">
+                                          <p:stCondLst>
+                                            <p:cond delay="0"/>
+                                          </p:stCondLst>
+                                        </p:cTn>
+                                        <p:tgtEl>
+                                          <p:spTgt spid="3">
+                                            <p:txEl>
+                                              <p:pRg st="1" end="1"/>
+                                            </p:txEl>
+                                          </p:spTgt>
+                                        </p:tgtEl>
+                                        <p:attrNameLst>
+                                          <p:attrName>style.visibility</p:attrName>
+                                        </p:attrNameLst>
+                                      </p:cBhvr>
+                                      <p:to>
+                                        <p:strVal val="visible"/>
+                                      </p:to>
+                                    </p:set>
+                                  </p:childTnLst>
+                                </p:cTn>
+                              </p:par>
+                              <p:par>
+                                <p:cTn id="11" presetID="1" presetClass="entr" presetSubtype="0" fill="hold" grpId="0" nodeType="withEffect">
+                                  <p:stCondLst>
+                                    <p:cond delay="0"/>
+                                  </p:stCondLst>
+                                  <p:childTnLst>
+                                    <p:set>
+                                      <p:cBhvr>
+                                        <p:cTn id="12" dur="1" fill="hold">
+                                          <p:stCondLst>
+                                            <p:cond delay="0"/>
+                                          </p:stCondLst>
+                                        </p:cTn>
+                                        <p:tgtEl>
+                                          <p:spTgt spid="3">
+                                            <p:txEl>
+                                              <p:pRg st="2" end="2"/>
+                                            </p:txEl>
+                                          </p:spTgt>
+                                        </p:tgtEl>
+                                        <p:attrNameLst>
+                                          <p:attrName>style.visibility</p:attrName>
+                                        </p:attrNameLst>
+                                      </p:cBhvr>
+                                      <p:to>
+                                        <p:strVal val="visible"/>
+                                      </p:to>
+                                    </p:set>
+                                  </p:childTnLst>
+                                </p:cTn>
+                              </p:par>
+                              <p:par>
+                                <p:cTn id="13" presetID="1" presetClass="entr" presetSubtype="0" fill="hold" grpId="0" nodeType="withEffect">
+                                  <p:stCondLst>
+                                    <p:cond delay="0"/>
+                                  </p:stCondLst>
+                                  <p:childTnLst>
+                                    <p:set>
+                                      <p:cBhvr>
+                                        <p:cTn id="14" dur="1" fill="hold">
+                                          <p:stCondLst>
+                                            <p:cond delay="0"/>
+                                          </p:stCondLst>
+                                        </p:cTn>
+                                        <p:tgtEl>
+                                          <p:spTgt spid="3">
+                                            <p:txEl>
+                                              <p:pRg st="3" end="3"/>
+                                            </p:txEl>
+                                          </p:spTgt>
+                                        </p:tgtEl>
+                                        <p:attrNameLst>
+                                          <p:attrName>style.visibility</p:attrName>
+                                        </p:attrNameLst>
+                                      </p:cBhvr>
+                                      <p:to>
+                                        <p:strVal val="visible"/>
+                                      </p:to>
+                                    </p:set>
+                                  </p:childTnLst>
+                                </p:cTn>
+                              </p:par>
+                            </p:childTnLst>
+                          </p:cTn>
+                        </p:par>
+                      </p:childTnLst>
+                    </p:cTn>
+                  </p:par>
+                </p:childTnLst>
+              </p:cTn>
+              <p:prevCondLst>
+                <p:cond evt="onPrev" delay="0">
+                  <p:tgtEl>
+                    <p:sldTgt/>
+                  </p:tgtEl>
+                </p:cond>
+              </p:prevCondLst>
+              <p:nextCondLst>
+                <p:cond evt="onNext" delay="0">
+                  <p:tgtEl>
+                    <p:sldTgt/>
+                  </p:tgtEl>
+                </p:cond>
+              </p:nextCondLst>
+            </p:seq>
+          </p:childTnLst>
+        </p:cTn>
+      </p:par>
+    </p:tnLst>
+    <p:bldLst>
+      <p:bldP spid="3" grpId="0" build="p"/>
+    </p:bldLst>
+  </p:timing>
 </p:sld>
 </file>
 
@@ -9288,6 +11412,186 @@
   <p:clrMapOvr>
     <a:masterClrMapping/>
   </p:clrMapOvr>
+  <p:timing>
+    <p:tnLst>
+      <p:par>
+        <p:cTn id="1" dur="indefinite" restart="never" nodeType="tmRoot">
+          <p:childTnLst>
+            <p:seq concurrent="1" nextAc="seek">
+              <p:cTn id="2" dur="indefinite" nodeType="mainSeq">
+                <p:childTnLst>
+                  <p:par>
+                    <p:cTn id="3" fill="hold">
+                      <p:stCondLst>
+                        <p:cond delay="indefinite"/>
+                      </p:stCondLst>
+                      <p:childTnLst>
+                        <p:par>
+                          <p:cTn id="4" fill="hold">
+                            <p:stCondLst>
+                              <p:cond delay="0"/>
+                            </p:stCondLst>
+                            <p:childTnLst>
+                              <p:par>
+                                <p:cTn id="5" presetID="1" presetClass="entr" presetSubtype="0" fill="hold" grpId="0" nodeType="clickEffect">
+                                  <p:stCondLst>
+                                    <p:cond delay="0"/>
+                                  </p:stCondLst>
+                                  <p:childTnLst>
+                                    <p:set>
+                                      <p:cBhvr>
+                                        <p:cTn id="6" dur="1" fill="hold">
+                                          <p:stCondLst>
+                                            <p:cond delay="0"/>
+                                          </p:stCondLst>
+                                        </p:cTn>
+                                        <p:tgtEl>
+                                          <p:spTgt spid="3">
+                                            <p:txEl>
+                                              <p:pRg st="0" end="0"/>
+                                            </p:txEl>
+                                          </p:spTgt>
+                                        </p:tgtEl>
+                                        <p:attrNameLst>
+                                          <p:attrName>style.visibility</p:attrName>
+                                        </p:attrNameLst>
+                                      </p:cBhvr>
+                                      <p:to>
+                                        <p:strVal val="visible"/>
+                                      </p:to>
+                                    </p:set>
+                                  </p:childTnLst>
+                                </p:cTn>
+                              </p:par>
+                            </p:childTnLst>
+                          </p:cTn>
+                        </p:par>
+                      </p:childTnLst>
+                    </p:cTn>
+                  </p:par>
+                  <p:par>
+                    <p:cTn id="7" fill="hold">
+                      <p:stCondLst>
+                        <p:cond delay="indefinite"/>
+                      </p:stCondLst>
+                      <p:childTnLst>
+                        <p:par>
+                          <p:cTn id="8" fill="hold">
+                            <p:stCondLst>
+                              <p:cond delay="0"/>
+                            </p:stCondLst>
+                            <p:childTnLst>
+                              <p:par>
+                                <p:cTn id="9" presetID="1" presetClass="entr" presetSubtype="0" fill="hold" grpId="0" nodeType="clickEffect">
+                                  <p:stCondLst>
+                                    <p:cond delay="0"/>
+                                  </p:stCondLst>
+                                  <p:childTnLst>
+                                    <p:set>
+                                      <p:cBhvr>
+                                        <p:cTn id="10" dur="1" fill="hold">
+                                          <p:stCondLst>
+                                            <p:cond delay="0"/>
+                                          </p:stCondLst>
+                                        </p:cTn>
+                                        <p:tgtEl>
+                                          <p:spTgt spid="3">
+                                            <p:txEl>
+                                              <p:pRg st="1" end="1"/>
+                                            </p:txEl>
+                                          </p:spTgt>
+                                        </p:tgtEl>
+                                        <p:attrNameLst>
+                                          <p:attrName>style.visibility</p:attrName>
+                                        </p:attrNameLst>
+                                      </p:cBhvr>
+                                      <p:to>
+                                        <p:strVal val="visible"/>
+                                      </p:to>
+                                    </p:set>
+                                  </p:childTnLst>
+                                </p:cTn>
+                              </p:par>
+                            </p:childTnLst>
+                          </p:cTn>
+                        </p:par>
+                      </p:childTnLst>
+                    </p:cTn>
+                  </p:par>
+                  <p:par>
+                    <p:cTn id="11" fill="hold">
+                      <p:stCondLst>
+                        <p:cond delay="indefinite"/>
+                      </p:stCondLst>
+                      <p:childTnLst>
+                        <p:par>
+                          <p:cTn id="12" fill="hold">
+                            <p:stCondLst>
+                              <p:cond delay="0"/>
+                            </p:stCondLst>
+                            <p:childTnLst>
+                              <p:par>
+                                <p:cTn id="13" presetID="1" presetClass="entr" presetSubtype="0" fill="hold" grpId="0" nodeType="clickEffect">
+                                  <p:stCondLst>
+                                    <p:cond delay="0"/>
+                                  </p:stCondLst>
+                                  <p:childTnLst>
+                                    <p:set>
+                                      <p:cBhvr>
+                                        <p:cTn id="14" dur="1" fill="hold">
+                                          <p:stCondLst>
+                                            <p:cond delay="0"/>
+                                          </p:stCondLst>
+                                        </p:cTn>
+                                        <p:tgtEl>
+                                          <p:spTgt spid="3">
+                                            <p:txEl>
+                                              <p:pRg st="2" end="2"/>
+                                            </p:txEl>
+                                          </p:spTgt>
+                                        </p:tgtEl>
+                                        <p:attrNameLst>
+                                          <p:attrName>style.visibility</p:attrName>
+                                        </p:attrNameLst>
+                                      </p:cBhvr>
+                                      <p:to>
+                                        <p:strVal val="visible"/>
+                                      </p:to>
+                                    </p:set>
+                                  </p:childTnLst>
+                                </p:cTn>
+                              </p:par>
+                            </p:childTnLst>
+                          </p:cTn>
+                        </p:par>
+                      </p:childTnLst>
+                    </p:cTn>
+                  </p:par>
+                </p:childTnLst>
+              </p:cTn>
+              <p:prevCondLst>
+                <p:cond evt="onPrev" delay="0">
+                  <p:tgtEl>
+                    <p:sldTgt/>
+                  </p:tgtEl>
+                </p:cond>
+              </p:prevCondLst>
+              <p:nextCondLst>
+                <p:cond evt="onNext" delay="0">
+                  <p:tgtEl>
+                    <p:sldTgt/>
+                  </p:tgtEl>
+                </p:cond>
+              </p:nextCondLst>
+            </p:seq>
+          </p:childTnLst>
+        </p:cTn>
+      </p:par>
+    </p:tnLst>
+    <p:bldLst>
+      <p:bldP spid="3" grpId="0" build="p"/>
+    </p:bldLst>
+  </p:timing>
 </p:sld>
 </file>
 
@@ -10115,6 +12419,137 @@
   <p:clrMapOvr>
     <a:masterClrMapping/>
   </p:clrMapOvr>
+  <p:timing>
+    <p:tnLst>
+      <p:par>
+        <p:cTn id="1" dur="indefinite" restart="never" nodeType="tmRoot">
+          <p:childTnLst>
+            <p:seq concurrent="1" nextAc="seek">
+              <p:cTn id="2" dur="indefinite" nodeType="mainSeq">
+                <p:childTnLst>
+                  <p:par>
+                    <p:cTn id="3" fill="hold">
+                      <p:stCondLst>
+                        <p:cond delay="indefinite"/>
+                      </p:stCondLst>
+                      <p:childTnLst>
+                        <p:par>
+                          <p:cTn id="4" fill="hold">
+                            <p:stCondLst>
+                              <p:cond delay="0"/>
+                            </p:stCondLst>
+                            <p:childTnLst>
+                              <p:par>
+                                <p:cTn id="5" presetID="1" presetClass="entr" presetSubtype="0" fill="hold" grpId="0" nodeType="clickEffect">
+                                  <p:stCondLst>
+                                    <p:cond delay="0"/>
+                                  </p:stCondLst>
+                                  <p:childTnLst>
+                                    <p:set>
+                                      <p:cBhvr>
+                                        <p:cTn id="6" dur="1" fill="hold">
+                                          <p:stCondLst>
+                                            <p:cond delay="0"/>
+                                          </p:stCondLst>
+                                        </p:cTn>
+                                        <p:tgtEl>
+                                          <p:spTgt spid="3">
+                                            <p:txEl>
+                                              <p:pRg st="0" end="0"/>
+                                            </p:txEl>
+                                          </p:spTgt>
+                                        </p:tgtEl>
+                                        <p:attrNameLst>
+                                          <p:attrName>style.visibility</p:attrName>
+                                        </p:attrNameLst>
+                                      </p:cBhvr>
+                                      <p:to>
+                                        <p:strVal val="visible"/>
+                                      </p:to>
+                                    </p:set>
+                                  </p:childTnLst>
+                                </p:cTn>
+                              </p:par>
+                            </p:childTnLst>
+                          </p:cTn>
+                        </p:par>
+                      </p:childTnLst>
+                    </p:cTn>
+                  </p:par>
+                  <p:par>
+                    <p:cTn id="7" fill="hold">
+                      <p:stCondLst>
+                        <p:cond delay="indefinite"/>
+                      </p:stCondLst>
+                      <p:childTnLst>
+                        <p:par>
+                          <p:cTn id="8" fill="hold">
+                            <p:stCondLst>
+                              <p:cond delay="0"/>
+                            </p:stCondLst>
+                            <p:childTnLst>
+                              <p:par>
+                                <p:cTn id="9" presetID="1" presetClass="entr" presetSubtype="0" fill="hold" grpId="0" nodeType="clickEffect">
+                                  <p:stCondLst>
+                                    <p:cond delay="0"/>
+                                  </p:stCondLst>
+                                  <p:childTnLst>
+                                    <p:set>
+                                      <p:cBhvr>
+                                        <p:cTn id="10" dur="1" fill="hold">
+                                          <p:stCondLst>
+                                            <p:cond delay="0"/>
+                                          </p:stCondLst>
+                                        </p:cTn>
+                                        <p:tgtEl>
+                                          <p:spTgt spid="3">
+                                            <p:txEl>
+                                              <p:pRg st="1" end="1"/>
+                                            </p:txEl>
+                                          </p:spTgt>
+                                        </p:tgtEl>
+                                        <p:attrNameLst>
+                                          <p:attrName>style.visibility</p:attrName>
+                                        </p:attrNameLst>
+                                      </p:cBhvr>
+                                      <p:to>
+                                        <p:strVal val="visible"/>
+                                      </p:to>
+                                    </p:set>
+                                  </p:childTnLst>
+                                </p:cTn>
+                              </p:par>
+                            </p:childTnLst>
+                          </p:cTn>
+                        </p:par>
+                      </p:childTnLst>
+                    </p:cTn>
+                  </p:par>
+                </p:childTnLst>
+              </p:cTn>
+              <p:prevCondLst>
+                <p:cond evt="onPrev" delay="0">
+                  <p:tgtEl>
+                    <p:sldTgt/>
+                  </p:tgtEl>
+                </p:cond>
+              </p:prevCondLst>
+              <p:nextCondLst>
+                <p:cond evt="onNext" delay="0">
+                  <p:tgtEl>
+                    <p:sldTgt/>
+                  </p:tgtEl>
+                </p:cond>
+              </p:nextCondLst>
+            </p:seq>
+          </p:childTnLst>
+        </p:cTn>
+      </p:par>
+    </p:tnLst>
+    <p:bldLst>
+      <p:bldP spid="3" grpId="0" build="p"/>
+    </p:bldLst>
+  </p:timing>
 </p:sld>
 </file>
 
